--- a/docs/nn.pptx
+++ b/docs/nn.pptx
@@ -4,16 +4,21 @@
   <p:sldMasterIdLst>
     <p:sldMasterId id="2147483648" r:id="rId2"/>
     <p:sldMasterId id="2147483661" r:id="rId3"/>
+    <p:sldMasterId id="2147483674" r:id="rId4"/>
   </p:sldMasterIdLst>
   <p:sldIdLst>
-    <p:sldId id="256" r:id="rId4"/>
-    <p:sldId id="257" r:id="rId5"/>
-    <p:sldId id="258" r:id="rId6"/>
-    <p:sldId id="259" r:id="rId7"/>
-    <p:sldId id="260" r:id="rId8"/>
-    <p:sldId id="261" r:id="rId9"/>
-    <p:sldId id="262" r:id="rId10"/>
-    <p:sldId id="263" r:id="rId11"/>
+    <p:sldId id="256" r:id="rId5"/>
+    <p:sldId id="257" r:id="rId6"/>
+    <p:sldId id="258" r:id="rId7"/>
+    <p:sldId id="259" r:id="rId8"/>
+    <p:sldId id="260" r:id="rId9"/>
+    <p:sldId id="261" r:id="rId10"/>
+    <p:sldId id="262" r:id="rId11"/>
+    <p:sldId id="263" r:id="rId12"/>
+    <p:sldId id="264" r:id="rId13"/>
+    <p:sldId id="265" r:id="rId14"/>
+    <p:sldId id="266" r:id="rId15"/>
+    <p:sldId id="267" r:id="rId16"/>
   </p:sldIdLst>
   <p:sldSz cx="10080625" cy="7559675"/>
   <p:notesSz cx="7559675" cy="10691812"/>
@@ -72,7 +77,7 @@
         <p:spPr>
           <a:xfrm>
             <a:off x="504000" y="301320"/>
-            <a:ext cx="9071280" cy="1261800"/>
+            <a:ext cx="9072000" cy="1261800"/>
           </a:xfrm>
           <a:prstGeom prst="rect">
             <a:avLst/>
@@ -108,8 +113,8 @@
         </p:nvSpPr>
         <p:spPr>
           <a:xfrm>
-            <a:off x="504000" y="1769040"/>
-            <a:ext cx="9071280" cy="2090880"/>
+            <a:off x="504000" y="1768680"/>
+            <a:ext cx="9072000" cy="2090880"/>
           </a:xfrm>
           <a:prstGeom prst="rect">
             <a:avLst/>
@@ -144,8 +149,8 @@
         </p:nvSpPr>
         <p:spPr>
           <a:xfrm>
-            <a:off x="504000" y="4059000"/>
-            <a:ext cx="9071280" cy="2090880"/>
+            <a:off x="504000" y="4058640"/>
+            <a:ext cx="9072000" cy="2090880"/>
           </a:xfrm>
           <a:prstGeom prst="rect">
             <a:avLst/>
@@ -203,7 +208,7 @@
         <p:spPr>
           <a:xfrm>
             <a:off x="504000" y="301320"/>
-            <a:ext cx="9071280" cy="1261800"/>
+            <a:ext cx="9072000" cy="1261800"/>
           </a:xfrm>
           <a:prstGeom prst="rect">
             <a:avLst/>
@@ -239,8 +244,8 @@
         </p:nvSpPr>
         <p:spPr>
           <a:xfrm>
-            <a:off x="504000" y="1769040"/>
-            <a:ext cx="4426560" cy="2090880"/>
+            <a:off x="504000" y="1768680"/>
+            <a:ext cx="4426920" cy="2090880"/>
           </a:xfrm>
           <a:prstGeom prst="rect">
             <a:avLst/>
@@ -275,8 +280,8 @@
         </p:nvSpPr>
         <p:spPr>
           <a:xfrm>
-            <a:off x="5152320" y="1769040"/>
-            <a:ext cx="4426560" cy="2090880"/>
+            <a:off x="5152680" y="1768680"/>
+            <a:ext cx="4426920" cy="2090880"/>
           </a:xfrm>
           <a:prstGeom prst="rect">
             <a:avLst/>
@@ -311,8 +316,8 @@
         </p:nvSpPr>
         <p:spPr>
           <a:xfrm>
-            <a:off x="5152320" y="4059000"/>
-            <a:ext cx="4426560" cy="2090880"/>
+            <a:off x="5152680" y="4058640"/>
+            <a:ext cx="4426920" cy="2090880"/>
           </a:xfrm>
           <a:prstGeom prst="rect">
             <a:avLst/>
@@ -347,8 +352,8 @@
         </p:nvSpPr>
         <p:spPr>
           <a:xfrm>
-            <a:off x="504000" y="4059000"/>
-            <a:ext cx="4426560" cy="2090880"/>
+            <a:off x="504000" y="4058640"/>
+            <a:ext cx="4426920" cy="2090880"/>
           </a:xfrm>
           <a:prstGeom prst="rect">
             <a:avLst/>
@@ -406,7 +411,7 @@
         <p:spPr>
           <a:xfrm>
             <a:off x="504000" y="301320"/>
-            <a:ext cx="9071280" cy="1261800"/>
+            <a:ext cx="9072000" cy="1261800"/>
           </a:xfrm>
           <a:prstGeom prst="rect">
             <a:avLst/>
@@ -442,8 +447,8 @@
         </p:nvSpPr>
         <p:spPr>
           <a:xfrm>
-            <a:off x="504000" y="1769040"/>
-            <a:ext cx="9071280" cy="4384080"/>
+            <a:off x="504000" y="1768680"/>
+            <a:ext cx="9072000" cy="4384080"/>
           </a:xfrm>
           <a:prstGeom prst="rect">
             <a:avLst/>
@@ -478,8 +483,8 @@
         </p:nvSpPr>
         <p:spPr>
           <a:xfrm>
-            <a:off x="504000" y="1769040"/>
-            <a:ext cx="9071280" cy="4384080"/>
+            <a:off x="504000" y="1768680"/>
+            <a:ext cx="9072000" cy="4384080"/>
           </a:xfrm>
           <a:prstGeom prst="rect">
             <a:avLst/>
@@ -514,7 +519,7 @@
         </p:blipFill>
         <p:spPr>
           <a:xfrm>
-            <a:off x="2292120" y="1769040"/>
+            <a:off x="2292480" y="1768680"/>
             <a:ext cx="5494680" cy="4384080"/>
           </a:xfrm>
           <a:prstGeom prst="rect">
@@ -537,7 +542,7 @@
         </p:blipFill>
         <p:spPr>
           <a:xfrm>
-            <a:off x="2292120" y="1769040"/>
+            <a:off x="2292480" y="1768680"/>
             <a:ext cx="5494680" cy="4384080"/>
           </a:xfrm>
           <a:prstGeom prst="rect">
@@ -605,7 +610,7 @@
         <p:spPr>
           <a:xfrm>
             <a:off x="504000" y="301320"/>
-            <a:ext cx="9071280" cy="1261800"/>
+            <a:ext cx="9072000" cy="1261800"/>
           </a:xfrm>
           <a:prstGeom prst="rect">
             <a:avLst/>
@@ -641,8 +646,8 @@
         </p:nvSpPr>
         <p:spPr>
           <a:xfrm>
-            <a:off x="504000" y="1769040"/>
-            <a:ext cx="9071280" cy="4384080"/>
+            <a:off x="504000" y="1768680"/>
+            <a:ext cx="9072000" cy="4384080"/>
           </a:xfrm>
           <a:prstGeom prst="rect">
             <a:avLst/>
@@ -701,7 +706,7 @@
         <p:spPr>
           <a:xfrm>
             <a:off x="504000" y="301320"/>
-            <a:ext cx="9071280" cy="1261800"/>
+            <a:ext cx="9072000" cy="1261800"/>
           </a:xfrm>
           <a:prstGeom prst="rect">
             <a:avLst/>
@@ -737,8 +742,8 @@
         </p:nvSpPr>
         <p:spPr>
           <a:xfrm>
-            <a:off x="504000" y="1769040"/>
-            <a:ext cx="9071280" cy="4384080"/>
+            <a:off x="504000" y="1768680"/>
+            <a:ext cx="9072000" cy="4384080"/>
           </a:xfrm>
           <a:prstGeom prst="rect">
             <a:avLst/>
@@ -796,7 +801,7 @@
         <p:spPr>
           <a:xfrm>
             <a:off x="504000" y="301320"/>
-            <a:ext cx="9071280" cy="1261800"/>
+            <a:ext cx="9072000" cy="1261800"/>
           </a:xfrm>
           <a:prstGeom prst="rect">
             <a:avLst/>
@@ -832,8 +837,8 @@
         </p:nvSpPr>
         <p:spPr>
           <a:xfrm>
-            <a:off x="504000" y="1769040"/>
-            <a:ext cx="4426560" cy="4384080"/>
+            <a:off x="504000" y="1768680"/>
+            <a:ext cx="4426920" cy="4384080"/>
           </a:xfrm>
           <a:prstGeom prst="rect">
             <a:avLst/>
@@ -868,8 +873,8 @@
         </p:nvSpPr>
         <p:spPr>
           <a:xfrm>
-            <a:off x="5152320" y="1769040"/>
-            <a:ext cx="4426560" cy="4384080"/>
+            <a:off x="5152680" y="1768680"/>
+            <a:ext cx="4426920" cy="4384080"/>
           </a:xfrm>
           <a:prstGeom prst="rect">
             <a:avLst/>
@@ -927,7 +932,7 @@
         <p:spPr>
           <a:xfrm>
             <a:off x="504000" y="301320"/>
-            <a:ext cx="9071280" cy="1261800"/>
+            <a:ext cx="9072000" cy="1261800"/>
           </a:xfrm>
           <a:prstGeom prst="rect">
             <a:avLst/>
@@ -986,7 +991,7 @@
         <p:spPr>
           <a:xfrm>
             <a:off x="504000" y="301320"/>
-            <a:ext cx="9071280" cy="5850360"/>
+            <a:ext cx="9072000" cy="5850360"/>
           </a:xfrm>
           <a:prstGeom prst="rect">
             <a:avLst/>
@@ -1045,7 +1050,7 @@
         <p:spPr>
           <a:xfrm>
             <a:off x="504000" y="301320"/>
-            <a:ext cx="9071280" cy="1261800"/>
+            <a:ext cx="9072000" cy="1261800"/>
           </a:xfrm>
           <a:prstGeom prst="rect">
             <a:avLst/>
@@ -1081,8 +1086,8 @@
         </p:nvSpPr>
         <p:spPr>
           <a:xfrm>
-            <a:off x="504000" y="1769040"/>
-            <a:ext cx="4426560" cy="2090880"/>
+            <a:off x="504000" y="1768680"/>
+            <a:ext cx="4426920" cy="2090880"/>
           </a:xfrm>
           <a:prstGeom prst="rect">
             <a:avLst/>
@@ -1117,8 +1122,8 @@
         </p:nvSpPr>
         <p:spPr>
           <a:xfrm>
-            <a:off x="504000" y="4059000"/>
-            <a:ext cx="4426560" cy="2090880"/>
+            <a:off x="504000" y="4058640"/>
+            <a:ext cx="4426920" cy="2090880"/>
           </a:xfrm>
           <a:prstGeom prst="rect">
             <a:avLst/>
@@ -1153,8 +1158,8 @@
         </p:nvSpPr>
         <p:spPr>
           <a:xfrm>
-            <a:off x="5152320" y="1769040"/>
-            <a:ext cx="4426560" cy="4384080"/>
+            <a:off x="5152680" y="1768680"/>
+            <a:ext cx="4426920" cy="4384080"/>
           </a:xfrm>
           <a:prstGeom prst="rect">
             <a:avLst/>
@@ -1212,7 +1217,7 @@
         <p:spPr>
           <a:xfrm>
             <a:off x="504000" y="301320"/>
-            <a:ext cx="9071280" cy="1261800"/>
+            <a:ext cx="9072000" cy="1261800"/>
           </a:xfrm>
           <a:prstGeom prst="rect">
             <a:avLst/>
@@ -1248,8 +1253,8 @@
         </p:nvSpPr>
         <p:spPr>
           <a:xfrm>
-            <a:off x="504000" y="1769040"/>
-            <a:ext cx="9071280" cy="4384080"/>
+            <a:off x="504000" y="1768680"/>
+            <a:ext cx="9072000" cy="4384080"/>
           </a:xfrm>
           <a:prstGeom prst="rect">
             <a:avLst/>
@@ -1308,7 +1313,7 @@
         <p:spPr>
           <a:xfrm>
             <a:off x="504000" y="301320"/>
-            <a:ext cx="9071280" cy="1261800"/>
+            <a:ext cx="9072000" cy="1261800"/>
           </a:xfrm>
           <a:prstGeom prst="rect">
             <a:avLst/>
@@ -1344,8 +1349,8 @@
         </p:nvSpPr>
         <p:spPr>
           <a:xfrm>
-            <a:off x="504000" y="1769040"/>
-            <a:ext cx="4426560" cy="4384080"/>
+            <a:off x="504000" y="1768680"/>
+            <a:ext cx="4426920" cy="4384080"/>
           </a:xfrm>
           <a:prstGeom prst="rect">
             <a:avLst/>
@@ -1380,8 +1385,8 @@
         </p:nvSpPr>
         <p:spPr>
           <a:xfrm>
-            <a:off x="5152320" y="1769040"/>
-            <a:ext cx="4426560" cy="2090880"/>
+            <a:off x="5152680" y="1768680"/>
+            <a:ext cx="4426920" cy="2090880"/>
           </a:xfrm>
           <a:prstGeom prst="rect">
             <a:avLst/>
@@ -1416,8 +1421,8 @@
         </p:nvSpPr>
         <p:spPr>
           <a:xfrm>
-            <a:off x="5152320" y="4059000"/>
-            <a:ext cx="4426560" cy="2090880"/>
+            <a:off x="5152680" y="4058640"/>
+            <a:ext cx="4426920" cy="2090880"/>
           </a:xfrm>
           <a:prstGeom prst="rect">
             <a:avLst/>
@@ -1475,7 +1480,7 @@
         <p:spPr>
           <a:xfrm>
             <a:off x="504000" y="301320"/>
-            <a:ext cx="9071280" cy="1261800"/>
+            <a:ext cx="9072000" cy="1261800"/>
           </a:xfrm>
           <a:prstGeom prst="rect">
             <a:avLst/>
@@ -1511,8 +1516,8 @@
         </p:nvSpPr>
         <p:spPr>
           <a:xfrm>
-            <a:off x="504000" y="1769040"/>
-            <a:ext cx="4426560" cy="2090880"/>
+            <a:off x="504000" y="1768680"/>
+            <a:ext cx="4426920" cy="2090880"/>
           </a:xfrm>
           <a:prstGeom prst="rect">
             <a:avLst/>
@@ -1547,8 +1552,8 @@
         </p:nvSpPr>
         <p:spPr>
           <a:xfrm>
-            <a:off x="5152320" y="1769040"/>
-            <a:ext cx="4426560" cy="2090880"/>
+            <a:off x="5152680" y="1768680"/>
+            <a:ext cx="4426920" cy="2090880"/>
           </a:xfrm>
           <a:prstGeom prst="rect">
             <a:avLst/>
@@ -1583,8 +1588,8 @@
         </p:nvSpPr>
         <p:spPr>
           <a:xfrm>
-            <a:off x="504000" y="4059000"/>
-            <a:ext cx="9071280" cy="2090880"/>
+            <a:off x="504000" y="4058640"/>
+            <a:ext cx="9072000" cy="2090880"/>
           </a:xfrm>
           <a:prstGeom prst="rect">
             <a:avLst/>
@@ -1642,7 +1647,7 @@
         <p:spPr>
           <a:xfrm>
             <a:off x="504000" y="301320"/>
-            <a:ext cx="9071280" cy="1261800"/>
+            <a:ext cx="9072000" cy="1261800"/>
           </a:xfrm>
           <a:prstGeom prst="rect">
             <a:avLst/>
@@ -1678,8 +1683,8 @@
         </p:nvSpPr>
         <p:spPr>
           <a:xfrm>
-            <a:off x="504000" y="1769040"/>
-            <a:ext cx="9071280" cy="2090880"/>
+            <a:off x="504000" y="1768680"/>
+            <a:ext cx="9072000" cy="2090880"/>
           </a:xfrm>
           <a:prstGeom prst="rect">
             <a:avLst/>
@@ -1714,8 +1719,8 @@
         </p:nvSpPr>
         <p:spPr>
           <a:xfrm>
-            <a:off x="504000" y="4059000"/>
-            <a:ext cx="9071280" cy="2090880"/>
+            <a:off x="504000" y="4058640"/>
+            <a:ext cx="9072000" cy="2090880"/>
           </a:xfrm>
           <a:prstGeom prst="rect">
             <a:avLst/>
@@ -1773,7 +1778,7 @@
         <p:spPr>
           <a:xfrm>
             <a:off x="504000" y="301320"/>
-            <a:ext cx="9071280" cy="1261800"/>
+            <a:ext cx="9072000" cy="1261800"/>
           </a:xfrm>
           <a:prstGeom prst="rect">
             <a:avLst/>
@@ -1809,8 +1814,8 @@
         </p:nvSpPr>
         <p:spPr>
           <a:xfrm>
-            <a:off x="504000" y="1769040"/>
-            <a:ext cx="4426560" cy="2090880"/>
+            <a:off x="504000" y="1768680"/>
+            <a:ext cx="4426920" cy="2090880"/>
           </a:xfrm>
           <a:prstGeom prst="rect">
             <a:avLst/>
@@ -1845,8 +1850,8 @@
         </p:nvSpPr>
         <p:spPr>
           <a:xfrm>
-            <a:off x="5152320" y="1769040"/>
-            <a:ext cx="4426560" cy="2090880"/>
+            <a:off x="5152680" y="1768680"/>
+            <a:ext cx="4426920" cy="2090880"/>
           </a:xfrm>
           <a:prstGeom prst="rect">
             <a:avLst/>
@@ -1881,8 +1886,8 @@
         </p:nvSpPr>
         <p:spPr>
           <a:xfrm>
-            <a:off x="5152320" y="4059000"/>
-            <a:ext cx="4426560" cy="2090880"/>
+            <a:off x="5152680" y="4058640"/>
+            <a:ext cx="4426920" cy="2090880"/>
           </a:xfrm>
           <a:prstGeom prst="rect">
             <a:avLst/>
@@ -1917,8 +1922,8 @@
         </p:nvSpPr>
         <p:spPr>
           <a:xfrm>
-            <a:off x="504000" y="4059000"/>
-            <a:ext cx="4426560" cy="2090880"/>
+            <a:off x="504000" y="4058640"/>
+            <a:ext cx="4426920" cy="2090880"/>
           </a:xfrm>
           <a:prstGeom prst="rect">
             <a:avLst/>
@@ -1976,7 +1981,7 @@
         <p:spPr>
           <a:xfrm>
             <a:off x="504000" y="301320"/>
-            <a:ext cx="9071280" cy="1261800"/>
+            <a:ext cx="9072000" cy="1261800"/>
           </a:xfrm>
           <a:prstGeom prst="rect">
             <a:avLst/>
@@ -2012,8 +2017,8 @@
         </p:nvSpPr>
         <p:spPr>
           <a:xfrm>
-            <a:off x="504000" y="1769040"/>
-            <a:ext cx="9071280" cy="4384080"/>
+            <a:off x="504000" y="1768680"/>
+            <a:ext cx="9072000" cy="4384080"/>
           </a:xfrm>
           <a:prstGeom prst="rect">
             <a:avLst/>
@@ -2048,8 +2053,8 @@
         </p:nvSpPr>
         <p:spPr>
           <a:xfrm>
-            <a:off x="504000" y="1769040"/>
-            <a:ext cx="9071280" cy="4384080"/>
+            <a:off x="504000" y="1768680"/>
+            <a:ext cx="9072000" cy="4384080"/>
           </a:xfrm>
           <a:prstGeom prst="rect">
             <a:avLst/>
@@ -2084,7 +2089,7 @@
         </p:blipFill>
         <p:spPr>
           <a:xfrm>
-            <a:off x="2292120" y="1769040"/>
+            <a:off x="2292480" y="1768680"/>
             <a:ext cx="5494680" cy="4384080"/>
           </a:xfrm>
           <a:prstGeom prst="rect">
@@ -2107,7 +2112,7 @@
         </p:blipFill>
         <p:spPr>
           <a:xfrm>
-            <a:off x="2292120" y="1769040"/>
+            <a:off x="2292480" y="1768680"/>
             <a:ext cx="5494680" cy="4384080"/>
           </a:xfrm>
           <a:prstGeom prst="rect">
@@ -2118,6 +2123,409 @@
           </a:ln>
         </p:spPr>
       </p:pic>
+    </p:spTree>
+  </p:cSld>
+</p:sldLayout>
+</file>
+
+<file path=ppt/slideLayouts/slideLayout25.xml><?xml version="1.0" encoding="utf-8"?>
+<p:sldLayout xmlns:a="http://schemas.openxmlformats.org/drawingml/2006/main" xmlns:p="http://schemas.openxmlformats.org/presentationml/2006/main" xmlns:r="http://schemas.openxmlformats.org/officeDocument/2006/relationships" xmlns:p14="http://schemas.microsoft.com/office/powerpoint/2010/main" xmlns:p15="http://schemas.microsoft.com/office/powerpoint/2012/main" xmlns:mc="http://schemas.openxmlformats.org/markup-compatibility/2006" type="blank" preserve="1">
+  <p:cSld name="Blank Slide">
+    <p:spTree>
+      <p:nvGrpSpPr>
+        <p:cNvPr id="1" name=""/>
+        <p:cNvGrpSpPr/>
+        <p:nvPr/>
+      </p:nvGrpSpPr>
+      <p:grpSpPr>
+        <a:xfrm>
+          <a:off x="0" y="0"/>
+          <a:ext cx="0" cy="0"/>
+          <a:chOff x="0" y="0"/>
+          <a:chExt cx="0" cy="0"/>
+        </a:xfrm>
+      </p:grpSpPr>
+    </p:spTree>
+  </p:cSld>
+</p:sldLayout>
+</file>
+
+<file path=ppt/slideLayouts/slideLayout26.xml><?xml version="1.0" encoding="utf-8"?>
+<p:sldLayout xmlns:a="http://schemas.openxmlformats.org/drawingml/2006/main" xmlns:p="http://schemas.openxmlformats.org/presentationml/2006/main" xmlns:r="http://schemas.openxmlformats.org/officeDocument/2006/relationships" xmlns:p14="http://schemas.microsoft.com/office/powerpoint/2010/main" xmlns:p15="http://schemas.microsoft.com/office/powerpoint/2012/main" xmlns:mc="http://schemas.openxmlformats.org/markup-compatibility/2006" type="tx" preserve="1">
+  <p:cSld name="Title Slide">
+    <p:spTree>
+      <p:nvGrpSpPr>
+        <p:cNvPr id="1" name=""/>
+        <p:cNvGrpSpPr/>
+        <p:nvPr/>
+      </p:nvGrpSpPr>
+      <p:grpSpPr>
+        <a:xfrm>
+          <a:off x="0" y="0"/>
+          <a:ext cx="0" cy="0"/>
+          <a:chOff x="0" y="0"/>
+          <a:chExt cx="0" cy="0"/>
+        </a:xfrm>
+      </p:grpSpPr>
+      <p:sp>
+        <p:nvSpPr>
+          <p:cNvPr id="74" name="PlaceHolder 1"/>
+          <p:cNvSpPr>
+            <a:spLocks noGrp="1"/>
+          </p:cNvSpPr>
+          <p:nvPr>
+            <p:ph type="title"/>
+          </p:nvPr>
+        </p:nvSpPr>
+        <p:spPr>
+          <a:xfrm>
+            <a:off x="504000" y="301320"/>
+            <a:ext cx="9072000" cy="1261800"/>
+          </a:xfrm>
+          <a:prstGeom prst="rect">
+            <a:avLst/>
+          </a:prstGeom>
+        </p:spPr>
+        <p:txBody>
+          <a:bodyPr lIns="0" rIns="0" tIns="0" bIns="0" anchor="ctr"/>
+          <a:p>
+            <a:pPr algn="ctr"/>
+            <a:endParaRPr b="0" lang="en-US" sz="4400" spc="-1" strike="noStrike">
+              <a:solidFill>
+                <a:srgbClr val="000000"/>
+              </a:solidFill>
+              <a:uFill>
+                <a:solidFill>
+                  <a:srgbClr val="ffffff"/>
+                </a:solidFill>
+              </a:uFill>
+              <a:latin typeface="Arial"/>
+            </a:endParaRPr>
+          </a:p>
+        </p:txBody>
+      </p:sp>
+      <p:sp>
+        <p:nvSpPr>
+          <p:cNvPr id="75" name="PlaceHolder 2"/>
+          <p:cNvSpPr>
+            <a:spLocks noGrp="1"/>
+          </p:cNvSpPr>
+          <p:nvPr>
+            <p:ph type="subTitle"/>
+          </p:nvPr>
+        </p:nvSpPr>
+        <p:spPr>
+          <a:xfrm>
+            <a:off x="504000" y="1768680"/>
+            <a:ext cx="9072000" cy="4384080"/>
+          </a:xfrm>
+          <a:prstGeom prst="rect">
+            <a:avLst/>
+          </a:prstGeom>
+        </p:spPr>
+        <p:txBody>
+          <a:bodyPr lIns="0" rIns="0" tIns="0" bIns="0" anchor="ctr"/>
+          <a:p>
+            <a:pPr algn="ctr"/>
+            <a:endParaRPr b="0" lang="en-US" sz="3200" spc="-1" strike="noStrike">
+              <a:solidFill>
+                <a:srgbClr val="000000"/>
+              </a:solidFill>
+              <a:uFill>
+                <a:solidFill>
+                  <a:srgbClr val="ffffff"/>
+                </a:solidFill>
+              </a:uFill>
+              <a:latin typeface="Arial"/>
+            </a:endParaRPr>
+          </a:p>
+        </p:txBody>
+      </p:sp>
+    </p:spTree>
+  </p:cSld>
+</p:sldLayout>
+</file>
+
+<file path=ppt/slideLayouts/slideLayout27.xml><?xml version="1.0" encoding="utf-8"?>
+<p:sldLayout xmlns:a="http://schemas.openxmlformats.org/drawingml/2006/main" xmlns:p="http://schemas.openxmlformats.org/presentationml/2006/main" xmlns:r="http://schemas.openxmlformats.org/officeDocument/2006/relationships" xmlns:p14="http://schemas.microsoft.com/office/powerpoint/2010/main" xmlns:p15="http://schemas.microsoft.com/office/powerpoint/2012/main" xmlns:mc="http://schemas.openxmlformats.org/markup-compatibility/2006" type="obj" preserve="1">
+  <p:cSld name="Title, Content">
+    <p:spTree>
+      <p:nvGrpSpPr>
+        <p:cNvPr id="1" name=""/>
+        <p:cNvGrpSpPr/>
+        <p:nvPr/>
+      </p:nvGrpSpPr>
+      <p:grpSpPr>
+        <a:xfrm>
+          <a:off x="0" y="0"/>
+          <a:ext cx="0" cy="0"/>
+          <a:chOff x="0" y="0"/>
+          <a:chExt cx="0" cy="0"/>
+        </a:xfrm>
+      </p:grpSpPr>
+      <p:sp>
+        <p:nvSpPr>
+          <p:cNvPr id="76" name="PlaceHolder 1"/>
+          <p:cNvSpPr>
+            <a:spLocks noGrp="1"/>
+          </p:cNvSpPr>
+          <p:nvPr>
+            <p:ph type="title"/>
+          </p:nvPr>
+        </p:nvSpPr>
+        <p:spPr>
+          <a:xfrm>
+            <a:off x="504000" y="301320"/>
+            <a:ext cx="9072000" cy="1261800"/>
+          </a:xfrm>
+          <a:prstGeom prst="rect">
+            <a:avLst/>
+          </a:prstGeom>
+        </p:spPr>
+        <p:txBody>
+          <a:bodyPr lIns="0" rIns="0" tIns="0" bIns="0" anchor="ctr"/>
+          <a:p>
+            <a:pPr algn="ctr"/>
+            <a:endParaRPr b="0" lang="en-US" sz="4400" spc="-1" strike="noStrike">
+              <a:solidFill>
+                <a:srgbClr val="000000"/>
+              </a:solidFill>
+              <a:uFill>
+                <a:solidFill>
+                  <a:srgbClr val="ffffff"/>
+                </a:solidFill>
+              </a:uFill>
+              <a:latin typeface="Arial"/>
+            </a:endParaRPr>
+          </a:p>
+        </p:txBody>
+      </p:sp>
+      <p:sp>
+        <p:nvSpPr>
+          <p:cNvPr id="77" name="PlaceHolder 2"/>
+          <p:cNvSpPr>
+            <a:spLocks noGrp="1"/>
+          </p:cNvSpPr>
+          <p:nvPr>
+            <p:ph type="body"/>
+          </p:nvPr>
+        </p:nvSpPr>
+        <p:spPr>
+          <a:xfrm>
+            <a:off x="504000" y="1768680"/>
+            <a:ext cx="9072000" cy="4384080"/>
+          </a:xfrm>
+          <a:prstGeom prst="rect">
+            <a:avLst/>
+          </a:prstGeom>
+        </p:spPr>
+        <p:txBody>
+          <a:bodyPr lIns="0" rIns="0" tIns="0" bIns="0"/>
+          <a:p>
+            <a:endParaRPr b="0" lang="en-US" sz="3200" spc="-1" strike="noStrike">
+              <a:solidFill>
+                <a:srgbClr val="000000"/>
+              </a:solidFill>
+              <a:uFill>
+                <a:solidFill>
+                  <a:srgbClr val="ffffff"/>
+                </a:solidFill>
+              </a:uFill>
+              <a:latin typeface="Arial"/>
+            </a:endParaRPr>
+          </a:p>
+        </p:txBody>
+      </p:sp>
+    </p:spTree>
+  </p:cSld>
+</p:sldLayout>
+</file>
+
+<file path=ppt/slideLayouts/slideLayout28.xml><?xml version="1.0" encoding="utf-8"?>
+<p:sldLayout xmlns:a="http://schemas.openxmlformats.org/drawingml/2006/main" xmlns:p="http://schemas.openxmlformats.org/presentationml/2006/main" xmlns:r="http://schemas.openxmlformats.org/officeDocument/2006/relationships" xmlns:p14="http://schemas.microsoft.com/office/powerpoint/2010/main" xmlns:p15="http://schemas.microsoft.com/office/powerpoint/2012/main" xmlns:mc="http://schemas.openxmlformats.org/markup-compatibility/2006" type="twoObj" preserve="1">
+  <p:cSld name="Title, 2 Content">
+    <p:spTree>
+      <p:nvGrpSpPr>
+        <p:cNvPr id="1" name=""/>
+        <p:cNvGrpSpPr/>
+        <p:nvPr/>
+      </p:nvGrpSpPr>
+      <p:grpSpPr>
+        <a:xfrm>
+          <a:off x="0" y="0"/>
+          <a:ext cx="0" cy="0"/>
+          <a:chOff x="0" y="0"/>
+          <a:chExt cx="0" cy="0"/>
+        </a:xfrm>
+      </p:grpSpPr>
+      <p:sp>
+        <p:nvSpPr>
+          <p:cNvPr id="78" name="PlaceHolder 1"/>
+          <p:cNvSpPr>
+            <a:spLocks noGrp="1"/>
+          </p:cNvSpPr>
+          <p:nvPr>
+            <p:ph type="title"/>
+          </p:nvPr>
+        </p:nvSpPr>
+        <p:spPr>
+          <a:xfrm>
+            <a:off x="504000" y="301320"/>
+            <a:ext cx="9072000" cy="1261800"/>
+          </a:xfrm>
+          <a:prstGeom prst="rect">
+            <a:avLst/>
+          </a:prstGeom>
+        </p:spPr>
+        <p:txBody>
+          <a:bodyPr lIns="0" rIns="0" tIns="0" bIns="0" anchor="ctr"/>
+          <a:p>
+            <a:pPr algn="ctr"/>
+            <a:endParaRPr b="0" lang="en-US" sz="4400" spc="-1" strike="noStrike">
+              <a:solidFill>
+                <a:srgbClr val="000000"/>
+              </a:solidFill>
+              <a:uFill>
+                <a:solidFill>
+                  <a:srgbClr val="ffffff"/>
+                </a:solidFill>
+              </a:uFill>
+              <a:latin typeface="Arial"/>
+            </a:endParaRPr>
+          </a:p>
+        </p:txBody>
+      </p:sp>
+      <p:sp>
+        <p:nvSpPr>
+          <p:cNvPr id="79" name="PlaceHolder 2"/>
+          <p:cNvSpPr>
+            <a:spLocks noGrp="1"/>
+          </p:cNvSpPr>
+          <p:nvPr>
+            <p:ph type="body"/>
+          </p:nvPr>
+        </p:nvSpPr>
+        <p:spPr>
+          <a:xfrm>
+            <a:off x="504000" y="1768680"/>
+            <a:ext cx="4426920" cy="4384080"/>
+          </a:xfrm>
+          <a:prstGeom prst="rect">
+            <a:avLst/>
+          </a:prstGeom>
+        </p:spPr>
+        <p:txBody>
+          <a:bodyPr lIns="0" rIns="0" tIns="0" bIns="0"/>
+          <a:p>
+            <a:endParaRPr b="0" lang="en-US" sz="3200" spc="-1" strike="noStrike">
+              <a:solidFill>
+                <a:srgbClr val="000000"/>
+              </a:solidFill>
+              <a:uFill>
+                <a:solidFill>
+                  <a:srgbClr val="ffffff"/>
+                </a:solidFill>
+              </a:uFill>
+              <a:latin typeface="Arial"/>
+            </a:endParaRPr>
+          </a:p>
+        </p:txBody>
+      </p:sp>
+      <p:sp>
+        <p:nvSpPr>
+          <p:cNvPr id="80" name="PlaceHolder 3"/>
+          <p:cNvSpPr>
+            <a:spLocks noGrp="1"/>
+          </p:cNvSpPr>
+          <p:nvPr>
+            <p:ph type="body"/>
+          </p:nvPr>
+        </p:nvSpPr>
+        <p:spPr>
+          <a:xfrm>
+            <a:off x="5152680" y="1768680"/>
+            <a:ext cx="4426920" cy="4384080"/>
+          </a:xfrm>
+          <a:prstGeom prst="rect">
+            <a:avLst/>
+          </a:prstGeom>
+        </p:spPr>
+        <p:txBody>
+          <a:bodyPr lIns="0" rIns="0" tIns="0" bIns="0"/>
+          <a:p>
+            <a:endParaRPr b="0" lang="en-US" sz="3200" spc="-1" strike="noStrike">
+              <a:solidFill>
+                <a:srgbClr val="000000"/>
+              </a:solidFill>
+              <a:uFill>
+                <a:solidFill>
+                  <a:srgbClr val="ffffff"/>
+                </a:solidFill>
+              </a:uFill>
+              <a:latin typeface="Arial"/>
+            </a:endParaRPr>
+          </a:p>
+        </p:txBody>
+      </p:sp>
+    </p:spTree>
+  </p:cSld>
+</p:sldLayout>
+</file>
+
+<file path=ppt/slideLayouts/slideLayout29.xml><?xml version="1.0" encoding="utf-8"?>
+<p:sldLayout xmlns:a="http://schemas.openxmlformats.org/drawingml/2006/main" xmlns:p="http://schemas.openxmlformats.org/presentationml/2006/main" xmlns:r="http://schemas.openxmlformats.org/officeDocument/2006/relationships" xmlns:p14="http://schemas.microsoft.com/office/powerpoint/2010/main" xmlns:p15="http://schemas.microsoft.com/office/powerpoint/2012/main" xmlns:mc="http://schemas.openxmlformats.org/markup-compatibility/2006" type="titleOnly" preserve="1">
+  <p:cSld name="Title Only">
+    <p:spTree>
+      <p:nvGrpSpPr>
+        <p:cNvPr id="1" name=""/>
+        <p:cNvGrpSpPr/>
+        <p:nvPr/>
+      </p:nvGrpSpPr>
+      <p:grpSpPr>
+        <a:xfrm>
+          <a:off x="0" y="0"/>
+          <a:ext cx="0" cy="0"/>
+          <a:chOff x="0" y="0"/>
+          <a:chExt cx="0" cy="0"/>
+        </a:xfrm>
+      </p:grpSpPr>
+      <p:sp>
+        <p:nvSpPr>
+          <p:cNvPr id="81" name="PlaceHolder 1"/>
+          <p:cNvSpPr>
+            <a:spLocks noGrp="1"/>
+          </p:cNvSpPr>
+          <p:nvPr>
+            <p:ph type="title"/>
+          </p:nvPr>
+        </p:nvSpPr>
+        <p:spPr>
+          <a:xfrm>
+            <a:off x="504000" y="301320"/>
+            <a:ext cx="9072000" cy="1261800"/>
+          </a:xfrm>
+          <a:prstGeom prst="rect">
+            <a:avLst/>
+          </a:prstGeom>
+        </p:spPr>
+        <p:txBody>
+          <a:bodyPr lIns="0" rIns="0" tIns="0" bIns="0" anchor="ctr"/>
+          <a:p>
+            <a:pPr algn="ctr"/>
+            <a:endParaRPr b="0" lang="en-US" sz="4400" spc="-1" strike="noStrike">
+              <a:solidFill>
+                <a:srgbClr val="000000"/>
+              </a:solidFill>
+              <a:uFill>
+                <a:solidFill>
+                  <a:srgbClr val="ffffff"/>
+                </a:solidFill>
+              </a:uFill>
+              <a:latin typeface="Arial"/>
+            </a:endParaRPr>
+          </a:p>
+        </p:txBody>
+      </p:sp>
     </p:spTree>
   </p:cSld>
 </p:sldLayout>
@@ -2153,7 +2561,7 @@
         <p:spPr>
           <a:xfrm>
             <a:off x="504000" y="301320"/>
-            <a:ext cx="9071280" cy="1261800"/>
+            <a:ext cx="9072000" cy="1261800"/>
           </a:xfrm>
           <a:prstGeom prst="rect">
             <a:avLst/>
@@ -2189,8 +2597,8 @@
         </p:nvSpPr>
         <p:spPr>
           <a:xfrm>
-            <a:off x="504000" y="1769040"/>
-            <a:ext cx="9071280" cy="4384080"/>
+            <a:off x="504000" y="1768680"/>
+            <a:ext cx="9072000" cy="4384080"/>
           </a:xfrm>
           <a:prstGeom prst="rect">
             <a:avLst/>
@@ -2213,6 +2621,1077 @@
           </a:p>
         </p:txBody>
       </p:sp>
+    </p:spTree>
+  </p:cSld>
+</p:sldLayout>
+</file>
+
+<file path=ppt/slideLayouts/slideLayout30.xml><?xml version="1.0" encoding="utf-8"?>
+<p:sldLayout xmlns:a="http://schemas.openxmlformats.org/drawingml/2006/main" xmlns:p="http://schemas.openxmlformats.org/presentationml/2006/main" xmlns:r="http://schemas.openxmlformats.org/officeDocument/2006/relationships" xmlns:p14="http://schemas.microsoft.com/office/powerpoint/2010/main" xmlns:p15="http://schemas.microsoft.com/office/powerpoint/2012/main" xmlns:mc="http://schemas.openxmlformats.org/markup-compatibility/2006" type="objOnly" preserve="1">
+  <p:cSld name="Centered Text">
+    <p:spTree>
+      <p:nvGrpSpPr>
+        <p:cNvPr id="1" name=""/>
+        <p:cNvGrpSpPr/>
+        <p:nvPr/>
+      </p:nvGrpSpPr>
+      <p:grpSpPr>
+        <a:xfrm>
+          <a:off x="0" y="0"/>
+          <a:ext cx="0" cy="0"/>
+          <a:chOff x="0" y="0"/>
+          <a:chExt cx="0" cy="0"/>
+        </a:xfrm>
+      </p:grpSpPr>
+      <p:sp>
+        <p:nvSpPr>
+          <p:cNvPr id="82" name="PlaceHolder 1"/>
+          <p:cNvSpPr>
+            <a:spLocks noGrp="1"/>
+          </p:cNvSpPr>
+          <p:nvPr>
+            <p:ph type="subTitle"/>
+          </p:nvPr>
+        </p:nvSpPr>
+        <p:spPr>
+          <a:xfrm>
+            <a:off x="504000" y="301320"/>
+            <a:ext cx="9072000" cy="5850360"/>
+          </a:xfrm>
+          <a:prstGeom prst="rect">
+            <a:avLst/>
+          </a:prstGeom>
+        </p:spPr>
+        <p:txBody>
+          <a:bodyPr lIns="0" rIns="0" tIns="0" bIns="0" anchor="ctr"/>
+          <a:p>
+            <a:pPr algn="ctr"/>
+            <a:endParaRPr b="0" lang="en-US" sz="3200" spc="-1" strike="noStrike">
+              <a:solidFill>
+                <a:srgbClr val="000000"/>
+              </a:solidFill>
+              <a:uFill>
+                <a:solidFill>
+                  <a:srgbClr val="ffffff"/>
+                </a:solidFill>
+              </a:uFill>
+              <a:latin typeface="Arial"/>
+            </a:endParaRPr>
+          </a:p>
+        </p:txBody>
+      </p:sp>
+    </p:spTree>
+  </p:cSld>
+</p:sldLayout>
+</file>
+
+<file path=ppt/slideLayouts/slideLayout31.xml><?xml version="1.0" encoding="utf-8"?>
+<p:sldLayout xmlns:a="http://schemas.openxmlformats.org/drawingml/2006/main" xmlns:p="http://schemas.openxmlformats.org/presentationml/2006/main" xmlns:r="http://schemas.openxmlformats.org/officeDocument/2006/relationships" xmlns:p14="http://schemas.microsoft.com/office/powerpoint/2010/main" xmlns:p15="http://schemas.microsoft.com/office/powerpoint/2012/main" xmlns:mc="http://schemas.openxmlformats.org/markup-compatibility/2006" type="twoObjAndObj" preserve="1">
+  <p:cSld name="Title, 2 Content and Content">
+    <p:spTree>
+      <p:nvGrpSpPr>
+        <p:cNvPr id="1" name=""/>
+        <p:cNvGrpSpPr/>
+        <p:nvPr/>
+      </p:nvGrpSpPr>
+      <p:grpSpPr>
+        <a:xfrm>
+          <a:off x="0" y="0"/>
+          <a:ext cx="0" cy="0"/>
+          <a:chOff x="0" y="0"/>
+          <a:chExt cx="0" cy="0"/>
+        </a:xfrm>
+      </p:grpSpPr>
+      <p:sp>
+        <p:nvSpPr>
+          <p:cNvPr id="83" name="PlaceHolder 1"/>
+          <p:cNvSpPr>
+            <a:spLocks noGrp="1"/>
+          </p:cNvSpPr>
+          <p:nvPr>
+            <p:ph type="title"/>
+          </p:nvPr>
+        </p:nvSpPr>
+        <p:spPr>
+          <a:xfrm>
+            <a:off x="504000" y="301320"/>
+            <a:ext cx="9072000" cy="1261800"/>
+          </a:xfrm>
+          <a:prstGeom prst="rect">
+            <a:avLst/>
+          </a:prstGeom>
+        </p:spPr>
+        <p:txBody>
+          <a:bodyPr lIns="0" rIns="0" tIns="0" bIns="0" anchor="ctr"/>
+          <a:p>
+            <a:pPr algn="ctr"/>
+            <a:endParaRPr b="0" lang="en-US" sz="4400" spc="-1" strike="noStrike">
+              <a:solidFill>
+                <a:srgbClr val="000000"/>
+              </a:solidFill>
+              <a:uFill>
+                <a:solidFill>
+                  <a:srgbClr val="ffffff"/>
+                </a:solidFill>
+              </a:uFill>
+              <a:latin typeface="Arial"/>
+            </a:endParaRPr>
+          </a:p>
+        </p:txBody>
+      </p:sp>
+      <p:sp>
+        <p:nvSpPr>
+          <p:cNvPr id="84" name="PlaceHolder 2"/>
+          <p:cNvSpPr>
+            <a:spLocks noGrp="1"/>
+          </p:cNvSpPr>
+          <p:nvPr>
+            <p:ph type="body"/>
+          </p:nvPr>
+        </p:nvSpPr>
+        <p:spPr>
+          <a:xfrm>
+            <a:off x="504000" y="1768680"/>
+            <a:ext cx="4426920" cy="2090880"/>
+          </a:xfrm>
+          <a:prstGeom prst="rect">
+            <a:avLst/>
+          </a:prstGeom>
+        </p:spPr>
+        <p:txBody>
+          <a:bodyPr lIns="0" rIns="0" tIns="0" bIns="0"/>
+          <a:p>
+            <a:endParaRPr b="0" lang="en-US" sz="3200" spc="-1" strike="noStrike">
+              <a:solidFill>
+                <a:srgbClr val="000000"/>
+              </a:solidFill>
+              <a:uFill>
+                <a:solidFill>
+                  <a:srgbClr val="ffffff"/>
+                </a:solidFill>
+              </a:uFill>
+              <a:latin typeface="Arial"/>
+            </a:endParaRPr>
+          </a:p>
+        </p:txBody>
+      </p:sp>
+      <p:sp>
+        <p:nvSpPr>
+          <p:cNvPr id="85" name="PlaceHolder 3"/>
+          <p:cNvSpPr>
+            <a:spLocks noGrp="1"/>
+          </p:cNvSpPr>
+          <p:nvPr>
+            <p:ph type="body"/>
+          </p:nvPr>
+        </p:nvSpPr>
+        <p:spPr>
+          <a:xfrm>
+            <a:off x="504000" y="4058640"/>
+            <a:ext cx="4426920" cy="2090880"/>
+          </a:xfrm>
+          <a:prstGeom prst="rect">
+            <a:avLst/>
+          </a:prstGeom>
+        </p:spPr>
+        <p:txBody>
+          <a:bodyPr lIns="0" rIns="0" tIns="0" bIns="0"/>
+          <a:p>
+            <a:endParaRPr b="0" lang="en-US" sz="3200" spc="-1" strike="noStrike">
+              <a:solidFill>
+                <a:srgbClr val="000000"/>
+              </a:solidFill>
+              <a:uFill>
+                <a:solidFill>
+                  <a:srgbClr val="ffffff"/>
+                </a:solidFill>
+              </a:uFill>
+              <a:latin typeface="Arial"/>
+            </a:endParaRPr>
+          </a:p>
+        </p:txBody>
+      </p:sp>
+      <p:sp>
+        <p:nvSpPr>
+          <p:cNvPr id="86" name="PlaceHolder 4"/>
+          <p:cNvSpPr>
+            <a:spLocks noGrp="1"/>
+          </p:cNvSpPr>
+          <p:nvPr>
+            <p:ph type="body"/>
+          </p:nvPr>
+        </p:nvSpPr>
+        <p:spPr>
+          <a:xfrm>
+            <a:off x="5152680" y="1768680"/>
+            <a:ext cx="4426920" cy="4384080"/>
+          </a:xfrm>
+          <a:prstGeom prst="rect">
+            <a:avLst/>
+          </a:prstGeom>
+        </p:spPr>
+        <p:txBody>
+          <a:bodyPr lIns="0" rIns="0" tIns="0" bIns="0"/>
+          <a:p>
+            <a:endParaRPr b="0" lang="en-US" sz="3200" spc="-1" strike="noStrike">
+              <a:solidFill>
+                <a:srgbClr val="000000"/>
+              </a:solidFill>
+              <a:uFill>
+                <a:solidFill>
+                  <a:srgbClr val="ffffff"/>
+                </a:solidFill>
+              </a:uFill>
+              <a:latin typeface="Arial"/>
+            </a:endParaRPr>
+          </a:p>
+        </p:txBody>
+      </p:sp>
+    </p:spTree>
+  </p:cSld>
+</p:sldLayout>
+</file>
+
+<file path=ppt/slideLayouts/slideLayout32.xml><?xml version="1.0" encoding="utf-8"?>
+<p:sldLayout xmlns:a="http://schemas.openxmlformats.org/drawingml/2006/main" xmlns:p="http://schemas.openxmlformats.org/presentationml/2006/main" xmlns:r="http://schemas.openxmlformats.org/officeDocument/2006/relationships" xmlns:p14="http://schemas.microsoft.com/office/powerpoint/2010/main" xmlns:p15="http://schemas.microsoft.com/office/powerpoint/2012/main" xmlns:mc="http://schemas.openxmlformats.org/markup-compatibility/2006" type="objAndTwoObj" preserve="1">
+  <p:cSld name="Title Content and 2 Content">
+    <p:spTree>
+      <p:nvGrpSpPr>
+        <p:cNvPr id="1" name=""/>
+        <p:cNvGrpSpPr/>
+        <p:nvPr/>
+      </p:nvGrpSpPr>
+      <p:grpSpPr>
+        <a:xfrm>
+          <a:off x="0" y="0"/>
+          <a:ext cx="0" cy="0"/>
+          <a:chOff x="0" y="0"/>
+          <a:chExt cx="0" cy="0"/>
+        </a:xfrm>
+      </p:grpSpPr>
+      <p:sp>
+        <p:nvSpPr>
+          <p:cNvPr id="87" name="PlaceHolder 1"/>
+          <p:cNvSpPr>
+            <a:spLocks noGrp="1"/>
+          </p:cNvSpPr>
+          <p:nvPr>
+            <p:ph type="title"/>
+          </p:nvPr>
+        </p:nvSpPr>
+        <p:spPr>
+          <a:xfrm>
+            <a:off x="504000" y="301320"/>
+            <a:ext cx="9072000" cy="1261800"/>
+          </a:xfrm>
+          <a:prstGeom prst="rect">
+            <a:avLst/>
+          </a:prstGeom>
+        </p:spPr>
+        <p:txBody>
+          <a:bodyPr lIns="0" rIns="0" tIns="0" bIns="0" anchor="ctr"/>
+          <a:p>
+            <a:pPr algn="ctr"/>
+            <a:endParaRPr b="0" lang="en-US" sz="4400" spc="-1" strike="noStrike">
+              <a:solidFill>
+                <a:srgbClr val="000000"/>
+              </a:solidFill>
+              <a:uFill>
+                <a:solidFill>
+                  <a:srgbClr val="ffffff"/>
+                </a:solidFill>
+              </a:uFill>
+              <a:latin typeface="Arial"/>
+            </a:endParaRPr>
+          </a:p>
+        </p:txBody>
+      </p:sp>
+      <p:sp>
+        <p:nvSpPr>
+          <p:cNvPr id="88" name="PlaceHolder 2"/>
+          <p:cNvSpPr>
+            <a:spLocks noGrp="1"/>
+          </p:cNvSpPr>
+          <p:nvPr>
+            <p:ph type="body"/>
+          </p:nvPr>
+        </p:nvSpPr>
+        <p:spPr>
+          <a:xfrm>
+            <a:off x="504000" y="1768680"/>
+            <a:ext cx="4426920" cy="4384080"/>
+          </a:xfrm>
+          <a:prstGeom prst="rect">
+            <a:avLst/>
+          </a:prstGeom>
+        </p:spPr>
+        <p:txBody>
+          <a:bodyPr lIns="0" rIns="0" tIns="0" bIns="0"/>
+          <a:p>
+            <a:endParaRPr b="0" lang="en-US" sz="3200" spc="-1" strike="noStrike">
+              <a:solidFill>
+                <a:srgbClr val="000000"/>
+              </a:solidFill>
+              <a:uFill>
+                <a:solidFill>
+                  <a:srgbClr val="ffffff"/>
+                </a:solidFill>
+              </a:uFill>
+              <a:latin typeface="Arial"/>
+            </a:endParaRPr>
+          </a:p>
+        </p:txBody>
+      </p:sp>
+      <p:sp>
+        <p:nvSpPr>
+          <p:cNvPr id="89" name="PlaceHolder 3"/>
+          <p:cNvSpPr>
+            <a:spLocks noGrp="1"/>
+          </p:cNvSpPr>
+          <p:nvPr>
+            <p:ph type="body"/>
+          </p:nvPr>
+        </p:nvSpPr>
+        <p:spPr>
+          <a:xfrm>
+            <a:off x="5152680" y="1768680"/>
+            <a:ext cx="4426920" cy="2090880"/>
+          </a:xfrm>
+          <a:prstGeom prst="rect">
+            <a:avLst/>
+          </a:prstGeom>
+        </p:spPr>
+        <p:txBody>
+          <a:bodyPr lIns="0" rIns="0" tIns="0" bIns="0"/>
+          <a:p>
+            <a:endParaRPr b="0" lang="en-US" sz="3200" spc="-1" strike="noStrike">
+              <a:solidFill>
+                <a:srgbClr val="000000"/>
+              </a:solidFill>
+              <a:uFill>
+                <a:solidFill>
+                  <a:srgbClr val="ffffff"/>
+                </a:solidFill>
+              </a:uFill>
+              <a:latin typeface="Arial"/>
+            </a:endParaRPr>
+          </a:p>
+        </p:txBody>
+      </p:sp>
+      <p:sp>
+        <p:nvSpPr>
+          <p:cNvPr id="90" name="PlaceHolder 4"/>
+          <p:cNvSpPr>
+            <a:spLocks noGrp="1"/>
+          </p:cNvSpPr>
+          <p:nvPr>
+            <p:ph type="body"/>
+          </p:nvPr>
+        </p:nvSpPr>
+        <p:spPr>
+          <a:xfrm>
+            <a:off x="5152680" y="4058640"/>
+            <a:ext cx="4426920" cy="2090880"/>
+          </a:xfrm>
+          <a:prstGeom prst="rect">
+            <a:avLst/>
+          </a:prstGeom>
+        </p:spPr>
+        <p:txBody>
+          <a:bodyPr lIns="0" rIns="0" tIns="0" bIns="0"/>
+          <a:p>
+            <a:endParaRPr b="0" lang="en-US" sz="3200" spc="-1" strike="noStrike">
+              <a:solidFill>
+                <a:srgbClr val="000000"/>
+              </a:solidFill>
+              <a:uFill>
+                <a:solidFill>
+                  <a:srgbClr val="ffffff"/>
+                </a:solidFill>
+              </a:uFill>
+              <a:latin typeface="Arial"/>
+            </a:endParaRPr>
+          </a:p>
+        </p:txBody>
+      </p:sp>
+    </p:spTree>
+  </p:cSld>
+</p:sldLayout>
+</file>
+
+<file path=ppt/slideLayouts/slideLayout33.xml><?xml version="1.0" encoding="utf-8"?>
+<p:sldLayout xmlns:a="http://schemas.openxmlformats.org/drawingml/2006/main" xmlns:p="http://schemas.openxmlformats.org/presentationml/2006/main" xmlns:r="http://schemas.openxmlformats.org/officeDocument/2006/relationships" xmlns:p14="http://schemas.microsoft.com/office/powerpoint/2010/main" xmlns:p15="http://schemas.microsoft.com/office/powerpoint/2012/main" xmlns:mc="http://schemas.openxmlformats.org/markup-compatibility/2006" type="twoObjOverTx" preserve="1">
+  <p:cSld name="Title, 2 Content over Content">
+    <p:spTree>
+      <p:nvGrpSpPr>
+        <p:cNvPr id="1" name=""/>
+        <p:cNvGrpSpPr/>
+        <p:nvPr/>
+      </p:nvGrpSpPr>
+      <p:grpSpPr>
+        <a:xfrm>
+          <a:off x="0" y="0"/>
+          <a:ext cx="0" cy="0"/>
+          <a:chOff x="0" y="0"/>
+          <a:chExt cx="0" cy="0"/>
+        </a:xfrm>
+      </p:grpSpPr>
+      <p:sp>
+        <p:nvSpPr>
+          <p:cNvPr id="91" name="PlaceHolder 1"/>
+          <p:cNvSpPr>
+            <a:spLocks noGrp="1"/>
+          </p:cNvSpPr>
+          <p:nvPr>
+            <p:ph type="title"/>
+          </p:nvPr>
+        </p:nvSpPr>
+        <p:spPr>
+          <a:xfrm>
+            <a:off x="504000" y="301320"/>
+            <a:ext cx="9072000" cy="1261800"/>
+          </a:xfrm>
+          <a:prstGeom prst="rect">
+            <a:avLst/>
+          </a:prstGeom>
+        </p:spPr>
+        <p:txBody>
+          <a:bodyPr lIns="0" rIns="0" tIns="0" bIns="0" anchor="ctr"/>
+          <a:p>
+            <a:pPr algn="ctr"/>
+            <a:endParaRPr b="0" lang="en-US" sz="4400" spc="-1" strike="noStrike">
+              <a:solidFill>
+                <a:srgbClr val="000000"/>
+              </a:solidFill>
+              <a:uFill>
+                <a:solidFill>
+                  <a:srgbClr val="ffffff"/>
+                </a:solidFill>
+              </a:uFill>
+              <a:latin typeface="Arial"/>
+            </a:endParaRPr>
+          </a:p>
+        </p:txBody>
+      </p:sp>
+      <p:sp>
+        <p:nvSpPr>
+          <p:cNvPr id="92" name="PlaceHolder 2"/>
+          <p:cNvSpPr>
+            <a:spLocks noGrp="1"/>
+          </p:cNvSpPr>
+          <p:nvPr>
+            <p:ph type="body"/>
+          </p:nvPr>
+        </p:nvSpPr>
+        <p:spPr>
+          <a:xfrm>
+            <a:off x="504000" y="1768680"/>
+            <a:ext cx="4426920" cy="2090880"/>
+          </a:xfrm>
+          <a:prstGeom prst="rect">
+            <a:avLst/>
+          </a:prstGeom>
+        </p:spPr>
+        <p:txBody>
+          <a:bodyPr lIns="0" rIns="0" tIns="0" bIns="0"/>
+          <a:p>
+            <a:endParaRPr b="0" lang="en-US" sz="3200" spc="-1" strike="noStrike">
+              <a:solidFill>
+                <a:srgbClr val="000000"/>
+              </a:solidFill>
+              <a:uFill>
+                <a:solidFill>
+                  <a:srgbClr val="ffffff"/>
+                </a:solidFill>
+              </a:uFill>
+              <a:latin typeface="Arial"/>
+            </a:endParaRPr>
+          </a:p>
+        </p:txBody>
+      </p:sp>
+      <p:sp>
+        <p:nvSpPr>
+          <p:cNvPr id="93" name="PlaceHolder 3"/>
+          <p:cNvSpPr>
+            <a:spLocks noGrp="1"/>
+          </p:cNvSpPr>
+          <p:nvPr>
+            <p:ph type="body"/>
+          </p:nvPr>
+        </p:nvSpPr>
+        <p:spPr>
+          <a:xfrm>
+            <a:off x="5152680" y="1768680"/>
+            <a:ext cx="4426920" cy="2090880"/>
+          </a:xfrm>
+          <a:prstGeom prst="rect">
+            <a:avLst/>
+          </a:prstGeom>
+        </p:spPr>
+        <p:txBody>
+          <a:bodyPr lIns="0" rIns="0" tIns="0" bIns="0"/>
+          <a:p>
+            <a:endParaRPr b="0" lang="en-US" sz="3200" spc="-1" strike="noStrike">
+              <a:solidFill>
+                <a:srgbClr val="000000"/>
+              </a:solidFill>
+              <a:uFill>
+                <a:solidFill>
+                  <a:srgbClr val="ffffff"/>
+                </a:solidFill>
+              </a:uFill>
+              <a:latin typeface="Arial"/>
+            </a:endParaRPr>
+          </a:p>
+        </p:txBody>
+      </p:sp>
+      <p:sp>
+        <p:nvSpPr>
+          <p:cNvPr id="94" name="PlaceHolder 4"/>
+          <p:cNvSpPr>
+            <a:spLocks noGrp="1"/>
+          </p:cNvSpPr>
+          <p:nvPr>
+            <p:ph type="body"/>
+          </p:nvPr>
+        </p:nvSpPr>
+        <p:spPr>
+          <a:xfrm>
+            <a:off x="504000" y="4058640"/>
+            <a:ext cx="9072000" cy="2090880"/>
+          </a:xfrm>
+          <a:prstGeom prst="rect">
+            <a:avLst/>
+          </a:prstGeom>
+        </p:spPr>
+        <p:txBody>
+          <a:bodyPr lIns="0" rIns="0" tIns="0" bIns="0"/>
+          <a:p>
+            <a:endParaRPr b="0" lang="en-US" sz="3200" spc="-1" strike="noStrike">
+              <a:solidFill>
+                <a:srgbClr val="000000"/>
+              </a:solidFill>
+              <a:uFill>
+                <a:solidFill>
+                  <a:srgbClr val="ffffff"/>
+                </a:solidFill>
+              </a:uFill>
+              <a:latin typeface="Arial"/>
+            </a:endParaRPr>
+          </a:p>
+        </p:txBody>
+      </p:sp>
+    </p:spTree>
+  </p:cSld>
+</p:sldLayout>
+</file>
+
+<file path=ppt/slideLayouts/slideLayout34.xml><?xml version="1.0" encoding="utf-8"?>
+<p:sldLayout xmlns:a="http://schemas.openxmlformats.org/drawingml/2006/main" xmlns:p="http://schemas.openxmlformats.org/presentationml/2006/main" xmlns:r="http://schemas.openxmlformats.org/officeDocument/2006/relationships" xmlns:p14="http://schemas.microsoft.com/office/powerpoint/2010/main" xmlns:p15="http://schemas.microsoft.com/office/powerpoint/2012/main" xmlns:mc="http://schemas.openxmlformats.org/markup-compatibility/2006" type="objOverTx" preserve="1">
+  <p:cSld name="Title, Content over Content">
+    <p:spTree>
+      <p:nvGrpSpPr>
+        <p:cNvPr id="1" name=""/>
+        <p:cNvGrpSpPr/>
+        <p:nvPr/>
+      </p:nvGrpSpPr>
+      <p:grpSpPr>
+        <a:xfrm>
+          <a:off x="0" y="0"/>
+          <a:ext cx="0" cy="0"/>
+          <a:chOff x="0" y="0"/>
+          <a:chExt cx="0" cy="0"/>
+        </a:xfrm>
+      </p:grpSpPr>
+      <p:sp>
+        <p:nvSpPr>
+          <p:cNvPr id="95" name="PlaceHolder 1"/>
+          <p:cNvSpPr>
+            <a:spLocks noGrp="1"/>
+          </p:cNvSpPr>
+          <p:nvPr>
+            <p:ph type="title"/>
+          </p:nvPr>
+        </p:nvSpPr>
+        <p:spPr>
+          <a:xfrm>
+            <a:off x="504000" y="301320"/>
+            <a:ext cx="9072000" cy="1261800"/>
+          </a:xfrm>
+          <a:prstGeom prst="rect">
+            <a:avLst/>
+          </a:prstGeom>
+        </p:spPr>
+        <p:txBody>
+          <a:bodyPr lIns="0" rIns="0" tIns="0" bIns="0" anchor="ctr"/>
+          <a:p>
+            <a:pPr algn="ctr"/>
+            <a:endParaRPr b="0" lang="en-US" sz="4400" spc="-1" strike="noStrike">
+              <a:solidFill>
+                <a:srgbClr val="000000"/>
+              </a:solidFill>
+              <a:uFill>
+                <a:solidFill>
+                  <a:srgbClr val="ffffff"/>
+                </a:solidFill>
+              </a:uFill>
+              <a:latin typeface="Arial"/>
+            </a:endParaRPr>
+          </a:p>
+        </p:txBody>
+      </p:sp>
+      <p:sp>
+        <p:nvSpPr>
+          <p:cNvPr id="96" name="PlaceHolder 2"/>
+          <p:cNvSpPr>
+            <a:spLocks noGrp="1"/>
+          </p:cNvSpPr>
+          <p:nvPr>
+            <p:ph type="body"/>
+          </p:nvPr>
+        </p:nvSpPr>
+        <p:spPr>
+          <a:xfrm>
+            <a:off x="504000" y="1768680"/>
+            <a:ext cx="9072000" cy="2090880"/>
+          </a:xfrm>
+          <a:prstGeom prst="rect">
+            <a:avLst/>
+          </a:prstGeom>
+        </p:spPr>
+        <p:txBody>
+          <a:bodyPr lIns="0" rIns="0" tIns="0" bIns="0"/>
+          <a:p>
+            <a:endParaRPr b="0" lang="en-US" sz="3200" spc="-1" strike="noStrike">
+              <a:solidFill>
+                <a:srgbClr val="000000"/>
+              </a:solidFill>
+              <a:uFill>
+                <a:solidFill>
+                  <a:srgbClr val="ffffff"/>
+                </a:solidFill>
+              </a:uFill>
+              <a:latin typeface="Arial"/>
+            </a:endParaRPr>
+          </a:p>
+        </p:txBody>
+      </p:sp>
+      <p:sp>
+        <p:nvSpPr>
+          <p:cNvPr id="97" name="PlaceHolder 3"/>
+          <p:cNvSpPr>
+            <a:spLocks noGrp="1"/>
+          </p:cNvSpPr>
+          <p:nvPr>
+            <p:ph type="body"/>
+          </p:nvPr>
+        </p:nvSpPr>
+        <p:spPr>
+          <a:xfrm>
+            <a:off x="504000" y="4058640"/>
+            <a:ext cx="9072000" cy="2090880"/>
+          </a:xfrm>
+          <a:prstGeom prst="rect">
+            <a:avLst/>
+          </a:prstGeom>
+        </p:spPr>
+        <p:txBody>
+          <a:bodyPr lIns="0" rIns="0" tIns="0" bIns="0"/>
+          <a:p>
+            <a:endParaRPr b="0" lang="en-US" sz="3200" spc="-1" strike="noStrike">
+              <a:solidFill>
+                <a:srgbClr val="000000"/>
+              </a:solidFill>
+              <a:uFill>
+                <a:solidFill>
+                  <a:srgbClr val="ffffff"/>
+                </a:solidFill>
+              </a:uFill>
+              <a:latin typeface="Arial"/>
+            </a:endParaRPr>
+          </a:p>
+        </p:txBody>
+      </p:sp>
+    </p:spTree>
+  </p:cSld>
+</p:sldLayout>
+</file>
+
+<file path=ppt/slideLayouts/slideLayout35.xml><?xml version="1.0" encoding="utf-8"?>
+<p:sldLayout xmlns:a="http://schemas.openxmlformats.org/drawingml/2006/main" xmlns:p="http://schemas.openxmlformats.org/presentationml/2006/main" xmlns:r="http://schemas.openxmlformats.org/officeDocument/2006/relationships" xmlns:p14="http://schemas.microsoft.com/office/powerpoint/2010/main" xmlns:p15="http://schemas.microsoft.com/office/powerpoint/2012/main" xmlns:mc="http://schemas.openxmlformats.org/markup-compatibility/2006" type="fourObj" preserve="1">
+  <p:cSld name="Title, 4 Content">
+    <p:spTree>
+      <p:nvGrpSpPr>
+        <p:cNvPr id="1" name=""/>
+        <p:cNvGrpSpPr/>
+        <p:nvPr/>
+      </p:nvGrpSpPr>
+      <p:grpSpPr>
+        <a:xfrm>
+          <a:off x="0" y="0"/>
+          <a:ext cx="0" cy="0"/>
+          <a:chOff x="0" y="0"/>
+          <a:chExt cx="0" cy="0"/>
+        </a:xfrm>
+      </p:grpSpPr>
+      <p:sp>
+        <p:nvSpPr>
+          <p:cNvPr id="98" name="PlaceHolder 1"/>
+          <p:cNvSpPr>
+            <a:spLocks noGrp="1"/>
+          </p:cNvSpPr>
+          <p:nvPr>
+            <p:ph type="title"/>
+          </p:nvPr>
+        </p:nvSpPr>
+        <p:spPr>
+          <a:xfrm>
+            <a:off x="504000" y="301320"/>
+            <a:ext cx="9072000" cy="1261800"/>
+          </a:xfrm>
+          <a:prstGeom prst="rect">
+            <a:avLst/>
+          </a:prstGeom>
+        </p:spPr>
+        <p:txBody>
+          <a:bodyPr lIns="0" rIns="0" tIns="0" bIns="0" anchor="ctr"/>
+          <a:p>
+            <a:pPr algn="ctr"/>
+            <a:endParaRPr b="0" lang="en-US" sz="4400" spc="-1" strike="noStrike">
+              <a:solidFill>
+                <a:srgbClr val="000000"/>
+              </a:solidFill>
+              <a:uFill>
+                <a:solidFill>
+                  <a:srgbClr val="ffffff"/>
+                </a:solidFill>
+              </a:uFill>
+              <a:latin typeface="Arial"/>
+            </a:endParaRPr>
+          </a:p>
+        </p:txBody>
+      </p:sp>
+      <p:sp>
+        <p:nvSpPr>
+          <p:cNvPr id="99" name="PlaceHolder 2"/>
+          <p:cNvSpPr>
+            <a:spLocks noGrp="1"/>
+          </p:cNvSpPr>
+          <p:nvPr>
+            <p:ph type="body"/>
+          </p:nvPr>
+        </p:nvSpPr>
+        <p:spPr>
+          <a:xfrm>
+            <a:off x="504000" y="1768680"/>
+            <a:ext cx="4426920" cy="2090880"/>
+          </a:xfrm>
+          <a:prstGeom prst="rect">
+            <a:avLst/>
+          </a:prstGeom>
+        </p:spPr>
+        <p:txBody>
+          <a:bodyPr lIns="0" rIns="0" tIns="0" bIns="0"/>
+          <a:p>
+            <a:endParaRPr b="0" lang="en-US" sz="3200" spc="-1" strike="noStrike">
+              <a:solidFill>
+                <a:srgbClr val="000000"/>
+              </a:solidFill>
+              <a:uFill>
+                <a:solidFill>
+                  <a:srgbClr val="ffffff"/>
+                </a:solidFill>
+              </a:uFill>
+              <a:latin typeface="Arial"/>
+            </a:endParaRPr>
+          </a:p>
+        </p:txBody>
+      </p:sp>
+      <p:sp>
+        <p:nvSpPr>
+          <p:cNvPr id="100" name="PlaceHolder 3"/>
+          <p:cNvSpPr>
+            <a:spLocks noGrp="1"/>
+          </p:cNvSpPr>
+          <p:nvPr>
+            <p:ph type="body"/>
+          </p:nvPr>
+        </p:nvSpPr>
+        <p:spPr>
+          <a:xfrm>
+            <a:off x="5152680" y="1768680"/>
+            <a:ext cx="4426920" cy="2090880"/>
+          </a:xfrm>
+          <a:prstGeom prst="rect">
+            <a:avLst/>
+          </a:prstGeom>
+        </p:spPr>
+        <p:txBody>
+          <a:bodyPr lIns="0" rIns="0" tIns="0" bIns="0"/>
+          <a:p>
+            <a:endParaRPr b="0" lang="en-US" sz="3200" spc="-1" strike="noStrike">
+              <a:solidFill>
+                <a:srgbClr val="000000"/>
+              </a:solidFill>
+              <a:uFill>
+                <a:solidFill>
+                  <a:srgbClr val="ffffff"/>
+                </a:solidFill>
+              </a:uFill>
+              <a:latin typeface="Arial"/>
+            </a:endParaRPr>
+          </a:p>
+        </p:txBody>
+      </p:sp>
+      <p:sp>
+        <p:nvSpPr>
+          <p:cNvPr id="101" name="PlaceHolder 4"/>
+          <p:cNvSpPr>
+            <a:spLocks noGrp="1"/>
+          </p:cNvSpPr>
+          <p:nvPr>
+            <p:ph type="body"/>
+          </p:nvPr>
+        </p:nvSpPr>
+        <p:spPr>
+          <a:xfrm>
+            <a:off x="5152680" y="4058640"/>
+            <a:ext cx="4426920" cy="2090880"/>
+          </a:xfrm>
+          <a:prstGeom prst="rect">
+            <a:avLst/>
+          </a:prstGeom>
+        </p:spPr>
+        <p:txBody>
+          <a:bodyPr lIns="0" rIns="0" tIns="0" bIns="0"/>
+          <a:p>
+            <a:endParaRPr b="0" lang="en-US" sz="3200" spc="-1" strike="noStrike">
+              <a:solidFill>
+                <a:srgbClr val="000000"/>
+              </a:solidFill>
+              <a:uFill>
+                <a:solidFill>
+                  <a:srgbClr val="ffffff"/>
+                </a:solidFill>
+              </a:uFill>
+              <a:latin typeface="Arial"/>
+            </a:endParaRPr>
+          </a:p>
+        </p:txBody>
+      </p:sp>
+      <p:sp>
+        <p:nvSpPr>
+          <p:cNvPr id="102" name="PlaceHolder 5"/>
+          <p:cNvSpPr>
+            <a:spLocks noGrp="1"/>
+          </p:cNvSpPr>
+          <p:nvPr>
+            <p:ph type="body"/>
+          </p:nvPr>
+        </p:nvSpPr>
+        <p:spPr>
+          <a:xfrm>
+            <a:off x="504000" y="4058640"/>
+            <a:ext cx="4426920" cy="2090880"/>
+          </a:xfrm>
+          <a:prstGeom prst="rect">
+            <a:avLst/>
+          </a:prstGeom>
+        </p:spPr>
+        <p:txBody>
+          <a:bodyPr lIns="0" rIns="0" tIns="0" bIns="0"/>
+          <a:p>
+            <a:endParaRPr b="0" lang="en-US" sz="3200" spc="-1" strike="noStrike">
+              <a:solidFill>
+                <a:srgbClr val="000000"/>
+              </a:solidFill>
+              <a:uFill>
+                <a:solidFill>
+                  <a:srgbClr val="ffffff"/>
+                </a:solidFill>
+              </a:uFill>
+              <a:latin typeface="Arial"/>
+            </a:endParaRPr>
+          </a:p>
+        </p:txBody>
+      </p:sp>
+    </p:spTree>
+  </p:cSld>
+</p:sldLayout>
+</file>
+
+<file path=ppt/slideLayouts/slideLayout36.xml><?xml version="1.0" encoding="utf-8"?>
+<p:sldLayout xmlns:a="http://schemas.openxmlformats.org/drawingml/2006/main" xmlns:p="http://schemas.openxmlformats.org/presentationml/2006/main" xmlns:r="http://schemas.openxmlformats.org/officeDocument/2006/relationships" xmlns:p14="http://schemas.microsoft.com/office/powerpoint/2010/main" xmlns:p15="http://schemas.microsoft.com/office/powerpoint/2012/main" xmlns:mc="http://schemas.openxmlformats.org/markup-compatibility/2006" type="blank" preserve="1">
+  <p:cSld name="Title, 6 Content">
+    <p:spTree>
+      <p:nvGrpSpPr>
+        <p:cNvPr id="1" name=""/>
+        <p:cNvGrpSpPr/>
+        <p:nvPr/>
+      </p:nvGrpSpPr>
+      <p:grpSpPr>
+        <a:xfrm>
+          <a:off x="0" y="0"/>
+          <a:ext cx="0" cy="0"/>
+          <a:chOff x="0" y="0"/>
+          <a:chExt cx="0" cy="0"/>
+        </a:xfrm>
+      </p:grpSpPr>
+      <p:sp>
+        <p:nvSpPr>
+          <p:cNvPr id="103" name="PlaceHolder 1"/>
+          <p:cNvSpPr>
+            <a:spLocks noGrp="1"/>
+          </p:cNvSpPr>
+          <p:nvPr>
+            <p:ph type="title"/>
+          </p:nvPr>
+        </p:nvSpPr>
+        <p:spPr>
+          <a:xfrm>
+            <a:off x="504000" y="301320"/>
+            <a:ext cx="9072000" cy="1261800"/>
+          </a:xfrm>
+          <a:prstGeom prst="rect">
+            <a:avLst/>
+          </a:prstGeom>
+        </p:spPr>
+        <p:txBody>
+          <a:bodyPr lIns="0" rIns="0" tIns="0" bIns="0" anchor="ctr"/>
+          <a:p>
+            <a:pPr algn="ctr"/>
+            <a:endParaRPr b="0" lang="en-US" sz="4400" spc="-1" strike="noStrike">
+              <a:solidFill>
+                <a:srgbClr val="000000"/>
+              </a:solidFill>
+              <a:uFill>
+                <a:solidFill>
+                  <a:srgbClr val="ffffff"/>
+                </a:solidFill>
+              </a:uFill>
+              <a:latin typeface="Arial"/>
+            </a:endParaRPr>
+          </a:p>
+        </p:txBody>
+      </p:sp>
+      <p:sp>
+        <p:nvSpPr>
+          <p:cNvPr id="104" name="PlaceHolder 2"/>
+          <p:cNvSpPr>
+            <a:spLocks noGrp="1"/>
+          </p:cNvSpPr>
+          <p:nvPr>
+            <p:ph type="body"/>
+          </p:nvPr>
+        </p:nvSpPr>
+        <p:spPr>
+          <a:xfrm>
+            <a:off x="504000" y="1768680"/>
+            <a:ext cx="9072000" cy="4384080"/>
+          </a:xfrm>
+          <a:prstGeom prst="rect">
+            <a:avLst/>
+          </a:prstGeom>
+        </p:spPr>
+        <p:txBody>
+          <a:bodyPr lIns="0" rIns="0" tIns="0" bIns="0"/>
+          <a:p>
+            <a:endParaRPr b="0" lang="en-US" sz="3200" spc="-1" strike="noStrike">
+              <a:solidFill>
+                <a:srgbClr val="000000"/>
+              </a:solidFill>
+              <a:uFill>
+                <a:solidFill>
+                  <a:srgbClr val="ffffff"/>
+                </a:solidFill>
+              </a:uFill>
+              <a:latin typeface="Arial"/>
+            </a:endParaRPr>
+          </a:p>
+        </p:txBody>
+      </p:sp>
+      <p:sp>
+        <p:nvSpPr>
+          <p:cNvPr id="105" name="PlaceHolder 3"/>
+          <p:cNvSpPr>
+            <a:spLocks noGrp="1"/>
+          </p:cNvSpPr>
+          <p:nvPr>
+            <p:ph type="body"/>
+          </p:nvPr>
+        </p:nvSpPr>
+        <p:spPr>
+          <a:xfrm>
+            <a:off x="504000" y="1768680"/>
+            <a:ext cx="9072000" cy="4384080"/>
+          </a:xfrm>
+          <a:prstGeom prst="rect">
+            <a:avLst/>
+          </a:prstGeom>
+        </p:spPr>
+        <p:txBody>
+          <a:bodyPr lIns="0" rIns="0" tIns="0" bIns="0"/>
+          <a:p>
+            <a:endParaRPr b="0" lang="en-US" sz="3200" spc="-1" strike="noStrike">
+              <a:solidFill>
+                <a:srgbClr val="000000"/>
+              </a:solidFill>
+              <a:uFill>
+                <a:solidFill>
+                  <a:srgbClr val="ffffff"/>
+                </a:solidFill>
+              </a:uFill>
+              <a:latin typeface="Arial"/>
+            </a:endParaRPr>
+          </a:p>
+        </p:txBody>
+      </p:sp>
+      <p:pic>
+        <p:nvPicPr>
+          <p:cNvPr id="106" name="" descr=""/>
+          <p:cNvPicPr/>
+          <p:nvPr/>
+        </p:nvPicPr>
+        <p:blipFill>
+          <a:blip r:embed="rId2"/>
+          <a:stretch/>
+        </p:blipFill>
+        <p:spPr>
+          <a:xfrm>
+            <a:off x="2292480" y="1768680"/>
+            <a:ext cx="5494680" cy="4384080"/>
+          </a:xfrm>
+          <a:prstGeom prst="rect">
+            <a:avLst/>
+          </a:prstGeom>
+          <a:ln>
+            <a:noFill/>
+          </a:ln>
+        </p:spPr>
+      </p:pic>
+      <p:pic>
+        <p:nvPicPr>
+          <p:cNvPr id="107" name="" descr=""/>
+          <p:cNvPicPr/>
+          <p:nvPr/>
+        </p:nvPicPr>
+        <p:blipFill>
+          <a:blip r:embed="rId3"/>
+          <a:stretch/>
+        </p:blipFill>
+        <p:spPr>
+          <a:xfrm>
+            <a:off x="2292480" y="1768680"/>
+            <a:ext cx="5494680" cy="4384080"/>
+          </a:xfrm>
+          <a:prstGeom prst="rect">
+            <a:avLst/>
+          </a:prstGeom>
+          <a:ln>
+            <a:noFill/>
+          </a:ln>
+        </p:spPr>
+      </p:pic>
     </p:spTree>
   </p:cSld>
 </p:sldLayout>
@@ -2248,7 +3727,7 @@
         <p:spPr>
           <a:xfrm>
             <a:off x="504000" y="301320"/>
-            <a:ext cx="9071280" cy="1261800"/>
+            <a:ext cx="9072000" cy="1261800"/>
           </a:xfrm>
           <a:prstGeom prst="rect">
             <a:avLst/>
@@ -2284,8 +3763,8 @@
         </p:nvSpPr>
         <p:spPr>
           <a:xfrm>
-            <a:off x="504000" y="1769040"/>
-            <a:ext cx="4426560" cy="4384080"/>
+            <a:off x="504000" y="1768680"/>
+            <a:ext cx="4426920" cy="4384080"/>
           </a:xfrm>
           <a:prstGeom prst="rect">
             <a:avLst/>
@@ -2320,8 +3799,8 @@
         </p:nvSpPr>
         <p:spPr>
           <a:xfrm>
-            <a:off x="5152320" y="1769040"/>
-            <a:ext cx="4426560" cy="4384080"/>
+            <a:off x="5152680" y="1768680"/>
+            <a:ext cx="4426920" cy="4384080"/>
           </a:xfrm>
           <a:prstGeom prst="rect">
             <a:avLst/>
@@ -2379,7 +3858,7 @@
         <p:spPr>
           <a:xfrm>
             <a:off x="504000" y="301320"/>
-            <a:ext cx="9071280" cy="1261800"/>
+            <a:ext cx="9072000" cy="1261800"/>
           </a:xfrm>
           <a:prstGeom prst="rect">
             <a:avLst/>
@@ -2438,7 +3917,7 @@
         <p:spPr>
           <a:xfrm>
             <a:off x="504000" y="301320"/>
-            <a:ext cx="9071280" cy="5850360"/>
+            <a:ext cx="9072000" cy="5850360"/>
           </a:xfrm>
           <a:prstGeom prst="rect">
             <a:avLst/>
@@ -2497,7 +3976,7 @@
         <p:spPr>
           <a:xfrm>
             <a:off x="504000" y="301320"/>
-            <a:ext cx="9071280" cy="1261800"/>
+            <a:ext cx="9072000" cy="1261800"/>
           </a:xfrm>
           <a:prstGeom prst="rect">
             <a:avLst/>
@@ -2533,8 +4012,8 @@
         </p:nvSpPr>
         <p:spPr>
           <a:xfrm>
-            <a:off x="504000" y="1769040"/>
-            <a:ext cx="4426560" cy="2090880"/>
+            <a:off x="504000" y="1768680"/>
+            <a:ext cx="4426920" cy="2090880"/>
           </a:xfrm>
           <a:prstGeom prst="rect">
             <a:avLst/>
@@ -2569,8 +4048,8 @@
         </p:nvSpPr>
         <p:spPr>
           <a:xfrm>
-            <a:off x="504000" y="4059000"/>
-            <a:ext cx="4426560" cy="2090880"/>
+            <a:off x="504000" y="4058640"/>
+            <a:ext cx="4426920" cy="2090880"/>
           </a:xfrm>
           <a:prstGeom prst="rect">
             <a:avLst/>
@@ -2605,8 +4084,8 @@
         </p:nvSpPr>
         <p:spPr>
           <a:xfrm>
-            <a:off x="5152320" y="1769040"/>
-            <a:ext cx="4426560" cy="4384080"/>
+            <a:off x="5152680" y="1768680"/>
+            <a:ext cx="4426920" cy="4384080"/>
           </a:xfrm>
           <a:prstGeom prst="rect">
             <a:avLst/>
@@ -2664,7 +4143,7 @@
         <p:spPr>
           <a:xfrm>
             <a:off x="504000" y="301320"/>
-            <a:ext cx="9071280" cy="1261800"/>
+            <a:ext cx="9072000" cy="1261800"/>
           </a:xfrm>
           <a:prstGeom prst="rect">
             <a:avLst/>
@@ -2700,8 +4179,8 @@
         </p:nvSpPr>
         <p:spPr>
           <a:xfrm>
-            <a:off x="504000" y="1769040"/>
-            <a:ext cx="4426560" cy="4384080"/>
+            <a:off x="504000" y="1768680"/>
+            <a:ext cx="4426920" cy="4384080"/>
           </a:xfrm>
           <a:prstGeom prst="rect">
             <a:avLst/>
@@ -2736,8 +4215,8 @@
         </p:nvSpPr>
         <p:spPr>
           <a:xfrm>
-            <a:off x="5152320" y="1769040"/>
-            <a:ext cx="4426560" cy="2090880"/>
+            <a:off x="5152680" y="1768680"/>
+            <a:ext cx="4426920" cy="2090880"/>
           </a:xfrm>
           <a:prstGeom prst="rect">
             <a:avLst/>
@@ -2772,8 +4251,8 @@
         </p:nvSpPr>
         <p:spPr>
           <a:xfrm>
-            <a:off x="5152320" y="4059000"/>
-            <a:ext cx="4426560" cy="2090880"/>
+            <a:off x="5152680" y="4058640"/>
+            <a:ext cx="4426920" cy="2090880"/>
           </a:xfrm>
           <a:prstGeom prst="rect">
             <a:avLst/>
@@ -2831,7 +4310,7 @@
         <p:spPr>
           <a:xfrm>
             <a:off x="504000" y="301320"/>
-            <a:ext cx="9071280" cy="1261800"/>
+            <a:ext cx="9072000" cy="1261800"/>
           </a:xfrm>
           <a:prstGeom prst="rect">
             <a:avLst/>
@@ -2867,8 +4346,8 @@
         </p:nvSpPr>
         <p:spPr>
           <a:xfrm>
-            <a:off x="504000" y="1769040"/>
-            <a:ext cx="4426560" cy="2090880"/>
+            <a:off x="504000" y="1768680"/>
+            <a:ext cx="4426920" cy="2090880"/>
           </a:xfrm>
           <a:prstGeom prst="rect">
             <a:avLst/>
@@ -2903,8 +4382,8 @@
         </p:nvSpPr>
         <p:spPr>
           <a:xfrm>
-            <a:off x="5152320" y="1769040"/>
-            <a:ext cx="4426560" cy="2090880"/>
+            <a:off x="5152680" y="1768680"/>
+            <a:ext cx="4426920" cy="2090880"/>
           </a:xfrm>
           <a:prstGeom prst="rect">
             <a:avLst/>
@@ -2939,8 +4418,8 @@
         </p:nvSpPr>
         <p:spPr>
           <a:xfrm>
-            <a:off x="504000" y="4059000"/>
-            <a:ext cx="9071280" cy="2090880"/>
+            <a:off x="504000" y="4058640"/>
+            <a:ext cx="9072000" cy="2090880"/>
           </a:xfrm>
           <a:prstGeom prst="rect">
             <a:avLst/>
@@ -2998,7 +4477,7 @@
         <p:spPr>
           <a:xfrm>
             <a:off x="504000" y="301320"/>
-            <a:ext cx="9071280" cy="1261800"/>
+            <a:ext cx="9071640" cy="1261440"/>
           </a:xfrm>
           <a:prstGeom prst="rect">
             <a:avLst/>
@@ -3035,7 +4514,7 @@
         <p:spPr>
           <a:xfrm>
             <a:off x="504000" y="1768680"/>
-            <a:ext cx="9072000" cy="4384080"/>
+            <a:ext cx="9071640" cy="4383720"/>
           </a:xfrm>
           <a:prstGeom prst="rect">
             <a:avLst/>
@@ -3053,7 +4532,7 @@
               <a:buChar char=""/>
             </a:pPr>
             <a:r>
-              <a:rPr b="0" lang="en-US" sz="3200" spc="-1" strike="noStrike">
+              <a:rPr b="0" lang="en-US" sz="1800" spc="-1" strike="noStrike">
                 <a:solidFill>
                   <a:srgbClr val="000000"/>
                 </a:solidFill>
@@ -3066,7 +4545,7 @@
               </a:rPr>
               <a:t>Click to edit the outline text format</a:t>
             </a:r>
-            <a:endParaRPr b="0" lang="en-US" sz="3200" spc="-1" strike="noStrike">
+            <a:endParaRPr b="0" lang="en-US" sz="1800" spc="-1" strike="noStrike">
               <a:solidFill>
                 <a:srgbClr val="000000"/>
               </a:solidFill>
@@ -3088,7 +4567,7 @@
               <a:buChar char=""/>
             </a:pPr>
             <a:r>
-              <a:rPr b="0" lang="en-US" sz="2800" spc="-1" strike="noStrike">
+              <a:rPr b="0" lang="en-US" sz="1800" spc="-1" strike="noStrike">
                 <a:solidFill>
                   <a:srgbClr val="000000"/>
                 </a:solidFill>
@@ -3101,7 +4580,7 @@
               </a:rPr>
               <a:t>Second Outline Level</a:t>
             </a:r>
-            <a:endParaRPr b="0" lang="en-US" sz="2800" spc="-1" strike="noStrike">
+            <a:endParaRPr b="0" lang="en-US" sz="1800" spc="-1" strike="noStrike">
               <a:solidFill>
                 <a:srgbClr val="000000"/>
               </a:solidFill>
@@ -3123,7 +4602,7 @@
               <a:buChar char=""/>
             </a:pPr>
             <a:r>
-              <a:rPr b="0" lang="en-US" sz="2400" spc="-1" strike="noStrike">
+              <a:rPr b="0" lang="en-US" sz="1800" spc="-1" strike="noStrike">
                 <a:solidFill>
                   <a:srgbClr val="000000"/>
                 </a:solidFill>
@@ -3136,7 +4615,7 @@
               </a:rPr>
               <a:t>Third Outline Level</a:t>
             </a:r>
-            <a:endParaRPr b="0" lang="en-US" sz="2400" spc="-1" strike="noStrike">
+            <a:endParaRPr b="0" lang="en-US" sz="1800" spc="-1" strike="noStrike">
               <a:solidFill>
                 <a:srgbClr val="000000"/>
               </a:solidFill>
@@ -3158,7 +4637,7 @@
               <a:buChar char=""/>
             </a:pPr>
             <a:r>
-              <a:rPr b="0" lang="en-US" sz="2000" spc="-1" strike="noStrike">
+              <a:rPr b="0" lang="en-US" sz="1800" spc="-1" strike="noStrike">
                 <a:solidFill>
                   <a:srgbClr val="000000"/>
                 </a:solidFill>
@@ -3171,7 +4650,7 @@
               </a:rPr>
               <a:t>Fourth Outline Level</a:t>
             </a:r>
-            <a:endParaRPr b="0" lang="en-US" sz="2000" spc="-1" strike="noStrike">
+            <a:endParaRPr b="0" lang="en-US" sz="1800" spc="-1" strike="noStrike">
               <a:solidFill>
                 <a:srgbClr val="000000"/>
               </a:solidFill>
@@ -3193,7 +4672,7 @@
               <a:buChar char=""/>
             </a:pPr>
             <a:r>
-              <a:rPr b="0" lang="en-US" sz="2000" spc="-1" strike="noStrike">
+              <a:rPr b="0" lang="en-US" sz="1800" spc="-1" strike="noStrike">
                 <a:solidFill>
                   <a:srgbClr val="000000"/>
                 </a:solidFill>
@@ -3206,7 +4685,7 @@
               </a:rPr>
               <a:t>Fifth Outline Level</a:t>
             </a:r>
-            <a:endParaRPr b="0" lang="en-US" sz="2000" spc="-1" strike="noStrike">
+            <a:endParaRPr b="0" lang="en-US" sz="1800" spc="-1" strike="noStrike">
               <a:solidFill>
                 <a:srgbClr val="000000"/>
               </a:solidFill>
@@ -3228,7 +4707,7 @@
               <a:buChar char=""/>
             </a:pPr>
             <a:r>
-              <a:rPr b="0" lang="en-US" sz="2000" spc="-1" strike="noStrike">
+              <a:rPr b="0" lang="en-US" sz="1800" spc="-1" strike="noStrike">
                 <a:solidFill>
                   <a:srgbClr val="000000"/>
                 </a:solidFill>
@@ -3241,7 +4720,7 @@
               </a:rPr>
               <a:t>Sixth Outline Level</a:t>
             </a:r>
-            <a:endParaRPr b="0" lang="en-US" sz="2000" spc="-1" strike="noStrike">
+            <a:endParaRPr b="0" lang="en-US" sz="1800" spc="-1" strike="noStrike">
               <a:solidFill>
                 <a:srgbClr val="000000"/>
               </a:solidFill>
@@ -3263,7 +4742,7 @@
               <a:buChar char=""/>
             </a:pPr>
             <a:r>
-              <a:rPr b="0" lang="en-US" sz="2000" spc="-1" strike="noStrike">
+              <a:rPr b="0" lang="en-US" sz="1800" spc="-1" strike="noStrike">
                 <a:solidFill>
                   <a:srgbClr val="000000"/>
                 </a:solidFill>
@@ -3276,7 +4755,7 @@
               </a:rPr>
               <a:t>Seventh Outline Level</a:t>
             </a:r>
-            <a:endParaRPr b="0" lang="en-US" sz="2000" spc="-1" strike="noStrike">
+            <a:endParaRPr b="0" lang="en-US" sz="1800" spc="-1" strike="noStrike">
               <a:solidFill>
                 <a:srgbClr val="000000"/>
               </a:solidFill>
@@ -3340,7 +4819,7 @@
         <p:spPr>
           <a:xfrm>
             <a:off x="504000" y="301320"/>
-            <a:ext cx="9071280" cy="1261800"/>
+            <a:ext cx="9071640" cy="1261440"/>
           </a:xfrm>
           <a:prstGeom prst="rect">
             <a:avLst/>
@@ -3376,8 +4855,8 @@
         </p:nvSpPr>
         <p:spPr>
           <a:xfrm>
-            <a:off x="504000" y="1769040"/>
-            <a:ext cx="9071280" cy="4384080"/>
+            <a:off x="504000" y="1768680"/>
+            <a:ext cx="9072000" cy="4384080"/>
           </a:xfrm>
           <a:prstGeom prst="rect">
             <a:avLst/>
@@ -3395,7 +4874,7 @@
               <a:buChar char=""/>
             </a:pPr>
             <a:r>
-              <a:rPr b="0" lang="en-US" sz="1800" spc="-1" strike="noStrike">
+              <a:rPr b="0" lang="en-US" sz="3200" spc="-1" strike="noStrike">
                 <a:solidFill>
                   <a:srgbClr val="000000"/>
                 </a:solidFill>
@@ -3408,7 +4887,7 @@
               </a:rPr>
               <a:t>Click to edit the outline text format</a:t>
             </a:r>
-            <a:endParaRPr b="0" lang="en-US" sz="1800" spc="-1" strike="noStrike">
+            <a:endParaRPr b="0" lang="en-US" sz="3200" spc="-1" strike="noStrike">
               <a:solidFill>
                 <a:srgbClr val="000000"/>
               </a:solidFill>
@@ -3430,7 +4909,7 @@
               <a:buChar char=""/>
             </a:pPr>
             <a:r>
-              <a:rPr b="0" lang="en-US" sz="1800" spc="-1" strike="noStrike">
+              <a:rPr b="0" lang="en-US" sz="2800" spc="-1" strike="noStrike">
                 <a:solidFill>
                   <a:srgbClr val="000000"/>
                 </a:solidFill>
@@ -3443,7 +4922,7 @@
               </a:rPr>
               <a:t>Second Outline Level</a:t>
             </a:r>
-            <a:endParaRPr b="0" lang="en-US" sz="1800" spc="-1" strike="noStrike">
+            <a:endParaRPr b="0" lang="en-US" sz="2800" spc="-1" strike="noStrike">
               <a:solidFill>
                 <a:srgbClr val="000000"/>
               </a:solidFill>
@@ -3465,7 +4944,7 @@
               <a:buChar char=""/>
             </a:pPr>
             <a:r>
-              <a:rPr b="0" lang="en-US" sz="1800" spc="-1" strike="noStrike">
+              <a:rPr b="0" lang="en-US" sz="2400" spc="-1" strike="noStrike">
                 <a:solidFill>
                   <a:srgbClr val="000000"/>
                 </a:solidFill>
@@ -3478,7 +4957,7 @@
               </a:rPr>
               <a:t>Third Outline Level</a:t>
             </a:r>
-            <a:endParaRPr b="0" lang="en-US" sz="1800" spc="-1" strike="noStrike">
+            <a:endParaRPr b="0" lang="en-US" sz="2400" spc="-1" strike="noStrike">
               <a:solidFill>
                 <a:srgbClr val="000000"/>
               </a:solidFill>
@@ -3500,7 +4979,7 @@
               <a:buChar char=""/>
             </a:pPr>
             <a:r>
-              <a:rPr b="0" lang="en-US" sz="1800" spc="-1" strike="noStrike">
+              <a:rPr b="0" lang="en-US" sz="2000" spc="-1" strike="noStrike">
                 <a:solidFill>
                   <a:srgbClr val="000000"/>
                 </a:solidFill>
@@ -3513,7 +4992,7 @@
               </a:rPr>
               <a:t>Fourth Outline Level</a:t>
             </a:r>
-            <a:endParaRPr b="0" lang="en-US" sz="1800" spc="-1" strike="noStrike">
+            <a:endParaRPr b="0" lang="en-US" sz="2000" spc="-1" strike="noStrike">
               <a:solidFill>
                 <a:srgbClr val="000000"/>
               </a:solidFill>
@@ -3535,7 +5014,7 @@
               <a:buChar char=""/>
             </a:pPr>
             <a:r>
-              <a:rPr b="0" lang="en-US" sz="1800" spc="-1" strike="noStrike">
+              <a:rPr b="0" lang="en-US" sz="2000" spc="-1" strike="noStrike">
                 <a:solidFill>
                   <a:srgbClr val="000000"/>
                 </a:solidFill>
@@ -3548,7 +5027,7 @@
               </a:rPr>
               <a:t>Fifth Outline Level</a:t>
             </a:r>
-            <a:endParaRPr b="0" lang="en-US" sz="1800" spc="-1" strike="noStrike">
+            <a:endParaRPr b="0" lang="en-US" sz="2000" spc="-1" strike="noStrike">
               <a:solidFill>
                 <a:srgbClr val="000000"/>
               </a:solidFill>
@@ -3570,7 +5049,7 @@
               <a:buChar char=""/>
             </a:pPr>
             <a:r>
-              <a:rPr b="0" lang="en-US" sz="1800" spc="-1" strike="noStrike">
+              <a:rPr b="0" lang="en-US" sz="2000" spc="-1" strike="noStrike">
                 <a:solidFill>
                   <a:srgbClr val="000000"/>
                 </a:solidFill>
@@ -3583,7 +5062,7 @@
               </a:rPr>
               <a:t>Sixth Outline Level</a:t>
             </a:r>
-            <a:endParaRPr b="0" lang="en-US" sz="1800" spc="-1" strike="noStrike">
+            <a:endParaRPr b="0" lang="en-US" sz="2000" spc="-1" strike="noStrike">
               <a:solidFill>
                 <a:srgbClr val="000000"/>
               </a:solidFill>
@@ -3605,7 +5084,7 @@
               <a:buChar char=""/>
             </a:pPr>
             <a:r>
-              <a:rPr b="0" lang="en-US" sz="1800" spc="-1" strike="noStrike">
+              <a:rPr b="0" lang="en-US" sz="2000" spc="-1" strike="noStrike">
                 <a:solidFill>
                   <a:srgbClr val="000000"/>
                 </a:solidFill>
@@ -3618,7 +5097,7 @@
               </a:rPr>
               <a:t>Seventh Outline Level</a:t>
             </a:r>
-            <a:endParaRPr b="0" lang="en-US" sz="1800" spc="-1" strike="noStrike">
+            <a:endParaRPr b="0" lang="en-US" sz="2000" spc="-1" strike="noStrike">
               <a:solidFill>
                 <a:srgbClr val="000000"/>
               </a:solidFill>
@@ -3648,6 +5127,362 @@
     <p:sldLayoutId id="2147483671" r:id="rId11"/>
     <p:sldLayoutId id="2147483672" r:id="rId12"/>
     <p:sldLayoutId id="2147483673" r:id="rId13"/>
+  </p:sldLayoutIdLst>
+</p:sldMaster>
+</file>
+
+<file path=ppt/slideMasters/slideMaster3.xml><?xml version="1.0" encoding="utf-8"?>
+<p:sldMaster xmlns:a="http://schemas.openxmlformats.org/drawingml/2006/main" xmlns:p="http://schemas.openxmlformats.org/presentationml/2006/main" xmlns:r="http://schemas.openxmlformats.org/officeDocument/2006/relationships" xmlns:p14="http://schemas.microsoft.com/office/powerpoint/2010/main" xmlns:p15="http://schemas.microsoft.com/office/powerpoint/2012/main" xmlns:mc="http://schemas.openxmlformats.org/markup-compatibility/2006">
+  <p:cSld>
+    <p:spTree>
+      <p:nvGrpSpPr>
+        <p:cNvPr id="1" name=""/>
+        <p:cNvGrpSpPr/>
+        <p:nvPr/>
+      </p:nvGrpSpPr>
+      <p:grpSpPr>
+        <a:xfrm>
+          <a:off x="0" y="0"/>
+          <a:ext cx="0" cy="0"/>
+          <a:chOff x="0" y="0"/>
+          <a:chExt cx="0" cy="0"/>
+        </a:xfrm>
+      </p:grpSpPr>
+      <p:sp>
+        <p:nvSpPr>
+          <p:cNvPr id="72" name="PlaceHolder 1"/>
+          <p:cNvSpPr>
+            <a:spLocks noGrp="1"/>
+          </p:cNvSpPr>
+          <p:nvPr>
+            <p:ph type="title"/>
+          </p:nvPr>
+        </p:nvSpPr>
+        <p:spPr>
+          <a:xfrm>
+            <a:off x="504000" y="301320"/>
+            <a:ext cx="9072000" cy="1261800"/>
+          </a:xfrm>
+          <a:prstGeom prst="rect">
+            <a:avLst/>
+          </a:prstGeom>
+        </p:spPr>
+        <p:txBody>
+          <a:bodyPr lIns="0" rIns="0" tIns="0" bIns="0" anchor="ctr"/>
+          <a:p>
+            <a:pPr algn="ctr"/>
+            <a:r>
+              <a:rPr b="0" lang="en-US" sz="4400" spc="-1" strike="noStrike">
+                <a:solidFill>
+                  <a:srgbClr val="000000"/>
+                </a:solidFill>
+                <a:uFill>
+                  <a:solidFill>
+                    <a:srgbClr val="ffffff"/>
+                  </a:solidFill>
+                </a:uFill>
+                <a:latin typeface="Arial"/>
+              </a:rPr>
+              <a:t>Click to edit the title text format</a:t>
+            </a:r>
+            <a:endParaRPr b="0" lang="en-US" sz="4400" spc="-1" strike="noStrike">
+              <a:solidFill>
+                <a:srgbClr val="000000"/>
+              </a:solidFill>
+              <a:uFill>
+                <a:solidFill>
+                  <a:srgbClr val="ffffff"/>
+                </a:solidFill>
+              </a:uFill>
+              <a:latin typeface="Arial"/>
+            </a:endParaRPr>
+          </a:p>
+        </p:txBody>
+      </p:sp>
+      <p:sp>
+        <p:nvSpPr>
+          <p:cNvPr id="73" name="PlaceHolder 2"/>
+          <p:cNvSpPr>
+            <a:spLocks noGrp="1"/>
+          </p:cNvSpPr>
+          <p:nvPr>
+            <p:ph type="body"/>
+          </p:nvPr>
+        </p:nvSpPr>
+        <p:spPr>
+          <a:xfrm>
+            <a:off x="504000" y="1768680"/>
+            <a:ext cx="9072000" cy="4384080"/>
+          </a:xfrm>
+          <a:prstGeom prst="rect">
+            <a:avLst/>
+          </a:prstGeom>
+        </p:spPr>
+        <p:txBody>
+          <a:bodyPr lIns="0" rIns="0" tIns="0" bIns="0"/>
+          <a:p>
+            <a:pPr marL="432000" indent="-324000">
+              <a:buClr>
+                <a:srgbClr val="000000"/>
+              </a:buClr>
+              <a:buSzPct val="45000"/>
+              <a:buFont typeface="Wingdings" charset="2"/>
+              <a:buChar char=""/>
+            </a:pPr>
+            <a:r>
+              <a:rPr b="0" lang="en-US" sz="3200" spc="-1" strike="noStrike">
+                <a:solidFill>
+                  <a:srgbClr val="000000"/>
+                </a:solidFill>
+                <a:uFill>
+                  <a:solidFill>
+                    <a:srgbClr val="ffffff"/>
+                  </a:solidFill>
+                </a:uFill>
+                <a:latin typeface="Arial"/>
+              </a:rPr>
+              <a:t>Click to edit the outline text format</a:t>
+            </a:r>
+            <a:endParaRPr b="0" lang="en-US" sz="3200" spc="-1" strike="noStrike">
+              <a:solidFill>
+                <a:srgbClr val="000000"/>
+              </a:solidFill>
+              <a:uFill>
+                <a:solidFill>
+                  <a:srgbClr val="ffffff"/>
+                </a:solidFill>
+              </a:uFill>
+              <a:latin typeface="Arial"/>
+            </a:endParaRPr>
+          </a:p>
+          <a:p>
+            <a:pPr lvl="1" marL="864000" indent="-324000">
+              <a:buClr>
+                <a:srgbClr val="000000"/>
+              </a:buClr>
+              <a:buSzPct val="75000"/>
+              <a:buFont typeface="Symbol" charset="2"/>
+              <a:buChar char=""/>
+            </a:pPr>
+            <a:r>
+              <a:rPr b="0" lang="en-US" sz="2800" spc="-1" strike="noStrike">
+                <a:solidFill>
+                  <a:srgbClr val="000000"/>
+                </a:solidFill>
+                <a:uFill>
+                  <a:solidFill>
+                    <a:srgbClr val="ffffff"/>
+                  </a:solidFill>
+                </a:uFill>
+                <a:latin typeface="Arial"/>
+              </a:rPr>
+              <a:t>Second Outline Level</a:t>
+            </a:r>
+            <a:endParaRPr b="0" lang="en-US" sz="2800" spc="-1" strike="noStrike">
+              <a:solidFill>
+                <a:srgbClr val="000000"/>
+              </a:solidFill>
+              <a:uFill>
+                <a:solidFill>
+                  <a:srgbClr val="ffffff"/>
+                </a:solidFill>
+              </a:uFill>
+              <a:latin typeface="Arial"/>
+            </a:endParaRPr>
+          </a:p>
+          <a:p>
+            <a:pPr lvl="2" marL="1296000" indent="-288000">
+              <a:buClr>
+                <a:srgbClr val="000000"/>
+              </a:buClr>
+              <a:buSzPct val="45000"/>
+              <a:buFont typeface="Wingdings" charset="2"/>
+              <a:buChar char=""/>
+            </a:pPr>
+            <a:r>
+              <a:rPr b="0" lang="en-US" sz="2400" spc="-1" strike="noStrike">
+                <a:solidFill>
+                  <a:srgbClr val="000000"/>
+                </a:solidFill>
+                <a:uFill>
+                  <a:solidFill>
+                    <a:srgbClr val="ffffff"/>
+                  </a:solidFill>
+                </a:uFill>
+                <a:latin typeface="Arial"/>
+              </a:rPr>
+              <a:t>Third Outline Level</a:t>
+            </a:r>
+            <a:endParaRPr b="0" lang="en-US" sz="2400" spc="-1" strike="noStrike">
+              <a:solidFill>
+                <a:srgbClr val="000000"/>
+              </a:solidFill>
+              <a:uFill>
+                <a:solidFill>
+                  <a:srgbClr val="ffffff"/>
+                </a:solidFill>
+              </a:uFill>
+              <a:latin typeface="Arial"/>
+            </a:endParaRPr>
+          </a:p>
+          <a:p>
+            <a:pPr lvl="3" marL="1728000" indent="-216000">
+              <a:buClr>
+                <a:srgbClr val="000000"/>
+              </a:buClr>
+              <a:buSzPct val="75000"/>
+              <a:buFont typeface="Symbol" charset="2"/>
+              <a:buChar char=""/>
+            </a:pPr>
+            <a:r>
+              <a:rPr b="0" lang="en-US" sz="2000" spc="-1" strike="noStrike">
+                <a:solidFill>
+                  <a:srgbClr val="000000"/>
+                </a:solidFill>
+                <a:uFill>
+                  <a:solidFill>
+                    <a:srgbClr val="ffffff"/>
+                  </a:solidFill>
+                </a:uFill>
+                <a:latin typeface="Arial"/>
+              </a:rPr>
+              <a:t>Fourth Outline Level</a:t>
+            </a:r>
+            <a:endParaRPr b="0" lang="en-US" sz="2000" spc="-1" strike="noStrike">
+              <a:solidFill>
+                <a:srgbClr val="000000"/>
+              </a:solidFill>
+              <a:uFill>
+                <a:solidFill>
+                  <a:srgbClr val="ffffff"/>
+                </a:solidFill>
+              </a:uFill>
+              <a:latin typeface="Arial"/>
+            </a:endParaRPr>
+          </a:p>
+          <a:p>
+            <a:pPr lvl="4" marL="2160000" indent="-216000">
+              <a:buClr>
+                <a:srgbClr val="000000"/>
+              </a:buClr>
+              <a:buSzPct val="45000"/>
+              <a:buFont typeface="Wingdings" charset="2"/>
+              <a:buChar char=""/>
+            </a:pPr>
+            <a:r>
+              <a:rPr b="0" lang="en-US" sz="2000" spc="-1" strike="noStrike">
+                <a:solidFill>
+                  <a:srgbClr val="000000"/>
+                </a:solidFill>
+                <a:uFill>
+                  <a:solidFill>
+                    <a:srgbClr val="ffffff"/>
+                  </a:solidFill>
+                </a:uFill>
+                <a:latin typeface="Arial"/>
+              </a:rPr>
+              <a:t>Fifth Outline Level</a:t>
+            </a:r>
+            <a:endParaRPr b="0" lang="en-US" sz="2000" spc="-1" strike="noStrike">
+              <a:solidFill>
+                <a:srgbClr val="000000"/>
+              </a:solidFill>
+              <a:uFill>
+                <a:solidFill>
+                  <a:srgbClr val="ffffff"/>
+                </a:solidFill>
+              </a:uFill>
+              <a:latin typeface="Arial"/>
+            </a:endParaRPr>
+          </a:p>
+          <a:p>
+            <a:pPr lvl="5" marL="2592000" indent="-216000">
+              <a:buClr>
+                <a:srgbClr val="000000"/>
+              </a:buClr>
+              <a:buSzPct val="45000"/>
+              <a:buFont typeface="Wingdings" charset="2"/>
+              <a:buChar char=""/>
+            </a:pPr>
+            <a:r>
+              <a:rPr b="0" lang="en-US" sz="2000" spc="-1" strike="noStrike">
+                <a:solidFill>
+                  <a:srgbClr val="000000"/>
+                </a:solidFill>
+                <a:uFill>
+                  <a:solidFill>
+                    <a:srgbClr val="ffffff"/>
+                  </a:solidFill>
+                </a:uFill>
+                <a:latin typeface="Arial"/>
+              </a:rPr>
+              <a:t>Sixth Outline Level</a:t>
+            </a:r>
+            <a:endParaRPr b="0" lang="en-US" sz="2000" spc="-1" strike="noStrike">
+              <a:solidFill>
+                <a:srgbClr val="000000"/>
+              </a:solidFill>
+              <a:uFill>
+                <a:solidFill>
+                  <a:srgbClr val="ffffff"/>
+                </a:solidFill>
+              </a:uFill>
+              <a:latin typeface="Arial"/>
+            </a:endParaRPr>
+          </a:p>
+          <a:p>
+            <a:pPr lvl="6" marL="3024000" indent="-216000">
+              <a:buClr>
+                <a:srgbClr val="000000"/>
+              </a:buClr>
+              <a:buSzPct val="45000"/>
+              <a:buFont typeface="Wingdings" charset="2"/>
+              <a:buChar char=""/>
+            </a:pPr>
+            <a:r>
+              <a:rPr b="0" lang="en-US" sz="2000" spc="-1" strike="noStrike">
+                <a:solidFill>
+                  <a:srgbClr val="000000"/>
+                </a:solidFill>
+                <a:uFill>
+                  <a:solidFill>
+                    <a:srgbClr val="ffffff"/>
+                  </a:solidFill>
+                </a:uFill>
+                <a:latin typeface="Arial"/>
+              </a:rPr>
+              <a:t>Seventh Outline Level</a:t>
+            </a:r>
+            <a:endParaRPr b="0" lang="en-US" sz="2000" spc="-1" strike="noStrike">
+              <a:solidFill>
+                <a:srgbClr val="000000"/>
+              </a:solidFill>
+              <a:uFill>
+                <a:solidFill>
+                  <a:srgbClr val="ffffff"/>
+                </a:solidFill>
+              </a:uFill>
+              <a:latin typeface="Arial"/>
+            </a:endParaRPr>
+          </a:p>
+        </p:txBody>
+      </p:sp>
+    </p:spTree>
+  </p:cSld>
+  <p:clrMap bg1="lt1" bg2="lt2" tx1="dk1" tx2="dk2" accent1="accent1" accent2="accent2" accent3="accent3" accent4="accent4" accent5="accent5" accent6="accent6" hlink="hlink" folHlink="folHlink"/>
+  <p:sldLayoutIdLst>
+    <p:sldLayoutId id="2147483675" r:id="rId2"/>
+    <p:sldLayoutId id="2147483676" r:id="rId3"/>
+    <p:sldLayoutId id="2147483677" r:id="rId4"/>
+    <p:sldLayoutId id="2147483678" r:id="rId5"/>
+    <p:sldLayoutId id="2147483679" r:id="rId6"/>
+    <p:sldLayoutId id="2147483680" r:id="rId7"/>
+    <p:sldLayoutId id="2147483681" r:id="rId8"/>
+    <p:sldLayoutId id="2147483682" r:id="rId9"/>
+    <p:sldLayoutId id="2147483683" r:id="rId10"/>
+    <p:sldLayoutId id="2147483684" r:id="rId11"/>
+    <p:sldLayoutId id="2147483685" r:id="rId12"/>
+    <p:sldLayoutId id="2147483686" r:id="rId13"/>
   </p:sldLayoutIdLst>
 </p:sldMaster>
 </file>
@@ -3671,14 +5506,14 @@
       </p:grpSpPr>
       <p:sp>
         <p:nvSpPr>
-          <p:cNvPr id="72" name="CustomShape 1"/>
+          <p:cNvPr id="108" name="CustomShape 1"/>
           <p:cNvSpPr/>
           <p:nvPr/>
         </p:nvSpPr>
         <p:spPr>
           <a:xfrm>
             <a:off x="504000" y="301320"/>
-            <a:ext cx="9071280" cy="1261800"/>
+            <a:ext cx="9070560" cy="1261080"/>
           </a:xfrm>
           <a:prstGeom prst="rect">
             <a:avLst/>
@@ -3713,6 +5548,7 @@
                   </a:solidFill>
                 </a:uFill>
                 <a:latin typeface="Arial"/>
+                <a:ea typeface="DejaVu Sans"/>
               </a:rPr>
               <a:t>机器学习</a:t>
             </a:r>
@@ -3732,14 +5568,14 @@
       </p:sp>
       <p:sp>
         <p:nvSpPr>
-          <p:cNvPr id="73" name="CustomShape 2"/>
+          <p:cNvPr id="109" name="CustomShape 2"/>
           <p:cNvSpPr/>
           <p:nvPr/>
         </p:nvSpPr>
         <p:spPr>
           <a:xfrm>
             <a:off x="504000" y="1769040"/>
-            <a:ext cx="9071280" cy="4384080"/>
+            <a:ext cx="9070560" cy="4383360"/>
           </a:xfrm>
           <a:prstGeom prst="rect">
             <a:avLst/>
@@ -3755,6 +5591,84 @@
           <a:effectRef idx="0"/>
           <a:fontRef idx="minor"/>
         </p:style>
+      </p:sp>
+      <p:sp>
+        <p:nvSpPr>
+          <p:cNvPr id="110" name="CustomShape 3"/>
+          <p:cNvSpPr/>
+          <p:nvPr/>
+        </p:nvSpPr>
+        <p:spPr>
+          <a:xfrm>
+            <a:off x="8379360" y="3348360"/>
+            <a:ext cx="179640" cy="426240"/>
+          </a:xfrm>
+          <a:prstGeom prst="rect">
+            <a:avLst/>
+          </a:prstGeom>
+          <a:noFill/>
+          <a:ln>
+            <a:noFill/>
+          </a:ln>
+        </p:spPr>
+        <p:style>
+          <a:lnRef idx="0"/>
+          <a:fillRef idx="0"/>
+          <a:effectRef idx="0"/>
+          <a:fontRef idx="minor"/>
+        </p:style>
+      </p:sp>
+      <p:sp>
+        <p:nvSpPr>
+          <p:cNvPr id="111" name="CustomShape 4"/>
+          <p:cNvSpPr/>
+          <p:nvPr/>
+        </p:nvSpPr>
+        <p:spPr>
+          <a:xfrm>
+            <a:off x="7436160" y="3974040"/>
+            <a:ext cx="179640" cy="426240"/>
+          </a:xfrm>
+          <a:prstGeom prst="rect">
+            <a:avLst/>
+          </a:prstGeom>
+          <a:noFill/>
+          <a:ln>
+            <a:noFill/>
+          </a:ln>
+        </p:spPr>
+        <p:style>
+          <a:lnRef idx="0"/>
+          <a:fillRef idx="0"/>
+          <a:effectRef idx="0"/>
+          <a:fontRef idx="minor"/>
+        </p:style>
+      </p:sp>
+      <p:sp>
+        <p:nvSpPr>
+          <p:cNvPr id="112" name="CustomShape 5"/>
+          <p:cNvSpPr/>
+          <p:nvPr/>
+        </p:nvSpPr>
+        <p:spPr>
+          <a:xfrm>
+            <a:off x="504000" y="301320"/>
+            <a:ext cx="9070560" cy="1261080"/>
+          </a:xfrm>
+          <a:prstGeom prst="rect">
+            <a:avLst/>
+          </a:prstGeom>
+          <a:noFill/>
+          <a:ln>
+            <a:noFill/>
+          </a:ln>
+        </p:spPr>
+        <p:style>
+          <a:lnRef idx="0"/>
+          <a:fillRef idx="0"/>
+          <a:effectRef idx="0"/>
+          <a:fontRef idx="minor"/>
+        </p:style>
         <p:txBody>
           <a:bodyPr lIns="0" rIns="0" tIns="0" bIns="0" anchor="ctr"/>
           <a:p>
@@ -3764,7 +5678,7 @@
               </a:lnSpc>
             </a:pPr>
             <a:r>
-              <a:rPr b="0" lang="en-US" sz="3200" spc="-1" strike="noStrike">
+              <a:rPr b="0" lang="en-US" sz="4400" spc="-1" strike="noStrike">
                 <a:solidFill>
                   <a:srgbClr val="000000"/>
                 </a:solidFill>
@@ -3775,7 +5689,7 @@
                 </a:uFill>
                 <a:latin typeface="Arial"/>
               </a:rPr>
-              <a:t>概念</a:t>
+              <a:t>                  </a:t>
             </a:r>
             <a:endParaRPr b="0" lang="en-US" sz="1800" spc="-1" strike="noStrike">
               <a:solidFill>
@@ -3793,40 +5707,14 @@
       </p:sp>
       <p:sp>
         <p:nvSpPr>
-          <p:cNvPr id="74" name="CustomShape 3"/>
+          <p:cNvPr id="113" name="CustomShape 6"/>
           <p:cNvSpPr/>
           <p:nvPr/>
         </p:nvSpPr>
         <p:spPr>
           <a:xfrm>
-            <a:off x="8379360" y="3348360"/>
-            <a:ext cx="180360" cy="426960"/>
-          </a:xfrm>
-          <a:prstGeom prst="rect">
-            <a:avLst/>
-          </a:prstGeom>
-          <a:noFill/>
-          <a:ln>
-            <a:noFill/>
-          </a:ln>
-        </p:spPr>
-        <p:style>
-          <a:lnRef idx="0"/>
-          <a:fillRef idx="0"/>
-          <a:effectRef idx="0"/>
-          <a:fontRef idx="minor"/>
-        </p:style>
-      </p:sp>
-      <p:sp>
-        <p:nvSpPr>
-          <p:cNvPr id="75" name="CustomShape 4"/>
-          <p:cNvSpPr/>
-          <p:nvPr/>
-        </p:nvSpPr>
-        <p:spPr>
-          <a:xfrm>
-            <a:off x="7436160" y="3974040"/>
-            <a:ext cx="180360" cy="426960"/>
+            <a:off x="504000" y="1769040"/>
+            <a:ext cx="9070560" cy="4383360"/>
           </a:xfrm>
           <a:prstGeom prst="rect">
             <a:avLst/>
@@ -3852,6 +5740,551 @@
           <p:childTnLst>
             <p:seq>
               <p:cTn id="2" nodeType="mainSeq"/>
+              <p:prevCondLst>
+                <p:cond delay="0" evt="onPrev">
+                  <p:tgtEl>
+                    <p:sldTgt/>
+                  </p:tgtEl>
+                </p:cond>
+              </p:prevCondLst>
+              <p:nextCondLst>
+                <p:cond delay="0" evt="onNext">
+                  <p:tgtEl>
+                    <p:sldTgt/>
+                  </p:tgtEl>
+                </p:cond>
+              </p:nextCondLst>
+            </p:seq>
+          </p:childTnLst>
+        </p:cTn>
+      </p:par>
+    </p:tnLst>
+  </p:timing>
+</p:sld>
+</file>
+
+<file path=ppt/slides/slide10.xml><?xml version="1.0" encoding="utf-8"?>
+<p:sld xmlns:a="http://schemas.openxmlformats.org/drawingml/2006/main" xmlns:p="http://schemas.openxmlformats.org/presentationml/2006/main" xmlns:r="http://schemas.openxmlformats.org/officeDocument/2006/relationships" xmlns:p14="http://schemas.microsoft.com/office/powerpoint/2010/main" xmlns:p15="http://schemas.microsoft.com/office/powerpoint/2012/main" xmlns:mc="http://schemas.openxmlformats.org/markup-compatibility/2006">
+  <p:cSld>
+    <p:spTree>
+      <p:nvGrpSpPr>
+        <p:cNvPr id="1" name=""/>
+        <p:cNvGrpSpPr/>
+        <p:nvPr/>
+      </p:nvGrpSpPr>
+      <p:grpSpPr>
+        <a:xfrm>
+          <a:off x="0" y="0"/>
+          <a:ext cx="0" cy="0"/>
+          <a:chOff x="0" y="0"/>
+          <a:chExt cx="0" cy="0"/>
+        </a:xfrm>
+      </p:grpSpPr>
+      <p:sp>
+        <p:nvSpPr>
+          <p:cNvPr id="141" name="CustomShape 1"/>
+          <p:cNvSpPr/>
+          <p:nvPr/>
+        </p:nvSpPr>
+        <p:spPr>
+          <a:xfrm>
+            <a:off x="504000" y="301320"/>
+            <a:ext cx="9070560" cy="1261080"/>
+          </a:xfrm>
+          <a:prstGeom prst="rect">
+            <a:avLst/>
+          </a:prstGeom>
+          <a:noFill/>
+          <a:ln>
+            <a:noFill/>
+          </a:ln>
+        </p:spPr>
+        <p:style>
+          <a:lnRef idx="0"/>
+          <a:fillRef idx="0"/>
+          <a:effectRef idx="0"/>
+          <a:fontRef idx="minor"/>
+        </p:style>
+        <p:txBody>
+          <a:bodyPr lIns="0" rIns="0" tIns="0" bIns="0" anchor="ctr"/>
+          <a:p>
+            <a:pPr algn="ctr">
+              <a:lnSpc>
+                <a:spcPct val="100000"/>
+              </a:lnSpc>
+            </a:pPr>
+            <a:r>
+              <a:rPr b="0" lang="en-US" sz="4400" spc="-1" strike="noStrike">
+                <a:solidFill>
+                  <a:srgbClr val="000000"/>
+                </a:solidFill>
+                <a:uFill>
+                  <a:solidFill>
+                    <a:srgbClr val="ffffff"/>
+                  </a:solidFill>
+                </a:uFill>
+                <a:latin typeface="Arial"/>
+                <a:ea typeface="DejaVu Sans"/>
+              </a:rPr>
+              <a:t>非监督学习</a:t>
+            </a:r>
+            <a:endParaRPr b="0" lang="en-US" sz="1800" spc="-1" strike="noStrike">
+              <a:solidFill>
+                <a:srgbClr val="000000"/>
+              </a:solidFill>
+              <a:uFill>
+                <a:solidFill>
+                  <a:srgbClr val="ffffff"/>
+                </a:solidFill>
+              </a:uFill>
+              <a:latin typeface="Arial"/>
+            </a:endParaRPr>
+          </a:p>
+        </p:txBody>
+      </p:sp>
+      <p:sp>
+        <p:nvSpPr>
+          <p:cNvPr id="142" name="CustomShape 2"/>
+          <p:cNvSpPr/>
+          <p:nvPr/>
+        </p:nvSpPr>
+        <p:spPr>
+          <a:xfrm>
+            <a:off x="504000" y="301320"/>
+            <a:ext cx="9071640" cy="1261440"/>
+          </a:xfrm>
+          <a:prstGeom prst="rect">
+            <a:avLst/>
+          </a:prstGeom>
+          <a:noFill/>
+          <a:ln>
+            <a:noFill/>
+          </a:ln>
+        </p:spPr>
+        <p:style>
+          <a:lnRef idx="0"/>
+          <a:fillRef idx="0"/>
+          <a:effectRef idx="0"/>
+          <a:fontRef idx="minor"/>
+        </p:style>
+        <p:txBody>
+          <a:bodyPr lIns="0" rIns="0" tIns="0" bIns="0" anchor="ctr"/>
+          <a:p>
+            <a:pPr algn="ctr">
+              <a:lnSpc>
+                <a:spcPct val="100000"/>
+              </a:lnSpc>
+            </a:pPr>
+            <a:r>
+              <a:rPr b="0" lang="en-US" sz="4400" spc="-1" strike="noStrike">
+                <a:solidFill>
+                  <a:srgbClr val="000000"/>
+                </a:solidFill>
+                <a:uFill>
+                  <a:solidFill>
+                    <a:srgbClr val="ffffff"/>
+                  </a:solidFill>
+                </a:uFill>
+                <a:latin typeface="Arial"/>
+              </a:rPr>
+              <a:t> </a:t>
+            </a:r>
+            <a:endParaRPr b="0" lang="en-US" sz="1800" spc="-1" strike="noStrike">
+              <a:solidFill>
+                <a:srgbClr val="000000"/>
+              </a:solidFill>
+              <a:uFill>
+                <a:solidFill>
+                  <a:srgbClr val="ffffff"/>
+                </a:solidFill>
+              </a:uFill>
+              <a:latin typeface="Arial"/>
+            </a:endParaRPr>
+          </a:p>
+        </p:txBody>
+      </p:sp>
+      <p:sp>
+        <p:nvSpPr>
+          <p:cNvPr id="143" name="CustomShape 3"/>
+          <p:cNvSpPr/>
+          <p:nvPr/>
+        </p:nvSpPr>
+        <p:spPr>
+          <a:xfrm>
+            <a:off x="504000" y="1768680"/>
+            <a:ext cx="9071640" cy="4383720"/>
+          </a:xfrm>
+          <a:prstGeom prst="rect">
+            <a:avLst/>
+          </a:prstGeom>
+          <a:noFill/>
+          <a:ln>
+            <a:noFill/>
+          </a:ln>
+        </p:spPr>
+        <p:style>
+          <a:lnRef idx="0"/>
+          <a:fillRef idx="0"/>
+          <a:effectRef idx="0"/>
+          <a:fontRef idx="minor"/>
+        </p:style>
+        <p:txBody>
+          <a:bodyPr lIns="0" rIns="0" tIns="0" bIns="0" anchor="ctr"/>
+          <a:p>
+            <a:pPr marL="216000" indent="-215640">
+              <a:lnSpc>
+                <a:spcPct val="100000"/>
+              </a:lnSpc>
+              <a:buClr>
+                <a:srgbClr val="000000"/>
+              </a:buClr>
+              <a:buSzPct val="45000"/>
+              <a:buFont typeface="Wingdings" charset="2"/>
+              <a:buChar char=""/>
+            </a:pPr>
+            <a:r>
+              <a:rPr b="0" lang="en-US" sz="3200" spc="-1" strike="noStrike">
+                <a:solidFill>
+                  <a:srgbClr val="000000"/>
+                </a:solidFill>
+                <a:uFill>
+                  <a:solidFill>
+                    <a:srgbClr val="ffffff"/>
+                  </a:solidFill>
+                </a:uFill>
+                <a:latin typeface="Arial"/>
+              </a:rPr>
+              <a:t>聚类</a:t>
+            </a:r>
+            <a:endParaRPr b="0" lang="en-US" sz="1800" spc="-1" strike="noStrike">
+              <a:solidFill>
+                <a:srgbClr val="000000"/>
+              </a:solidFill>
+              <a:uFill>
+                <a:solidFill>
+                  <a:srgbClr val="ffffff"/>
+                </a:solidFill>
+              </a:uFill>
+              <a:latin typeface="Arial"/>
+            </a:endParaRPr>
+          </a:p>
+          <a:p>
+            <a:pPr marL="216000" indent="-215640">
+              <a:lnSpc>
+                <a:spcPct val="100000"/>
+              </a:lnSpc>
+              <a:buClr>
+                <a:srgbClr val="000000"/>
+              </a:buClr>
+              <a:buSzPct val="45000"/>
+              <a:buFont typeface="Wingdings" charset="2"/>
+              <a:buChar char=""/>
+            </a:pPr>
+            <a:r>
+              <a:rPr b="0" lang="en-US" sz="3200" spc="-1" strike="noStrike">
+                <a:solidFill>
+                  <a:srgbClr val="000000"/>
+                </a:solidFill>
+                <a:uFill>
+                  <a:solidFill>
+                    <a:srgbClr val="ffffff"/>
+                  </a:solidFill>
+                </a:uFill>
+                <a:latin typeface="Arial"/>
+              </a:rPr>
+              <a:t>ＰＣＡ</a:t>
+            </a:r>
+            <a:endParaRPr b="0" lang="en-US" sz="1800" spc="-1" strike="noStrike">
+              <a:solidFill>
+                <a:srgbClr val="000000"/>
+              </a:solidFill>
+              <a:uFill>
+                <a:solidFill>
+                  <a:srgbClr val="ffffff"/>
+                </a:solidFill>
+              </a:uFill>
+              <a:latin typeface="Arial"/>
+            </a:endParaRPr>
+          </a:p>
+        </p:txBody>
+      </p:sp>
+    </p:spTree>
+  </p:cSld>
+  <p:timing>
+    <p:tnLst>
+      <p:par>
+        <p:cTn id="19" dur="indefinite" restart="never" nodeType="tmRoot">
+          <p:childTnLst>
+            <p:seq>
+              <p:cTn id="20" nodeType="mainSeq"/>
+              <p:prevCondLst>
+                <p:cond delay="0" evt="onPrev">
+                  <p:tgtEl>
+                    <p:sldTgt/>
+                  </p:tgtEl>
+                </p:cond>
+              </p:prevCondLst>
+              <p:nextCondLst>
+                <p:cond delay="0" evt="onNext">
+                  <p:tgtEl>
+                    <p:sldTgt/>
+                  </p:tgtEl>
+                </p:cond>
+              </p:nextCondLst>
+            </p:seq>
+          </p:childTnLst>
+        </p:cTn>
+      </p:par>
+    </p:tnLst>
+  </p:timing>
+</p:sld>
+</file>
+
+<file path=ppt/slides/slide11.xml><?xml version="1.0" encoding="utf-8"?>
+<p:sld xmlns:a="http://schemas.openxmlformats.org/drawingml/2006/main" xmlns:p="http://schemas.openxmlformats.org/presentationml/2006/main" xmlns:r="http://schemas.openxmlformats.org/officeDocument/2006/relationships" xmlns:p14="http://schemas.microsoft.com/office/powerpoint/2010/main" xmlns:p15="http://schemas.microsoft.com/office/powerpoint/2012/main" xmlns:mc="http://schemas.openxmlformats.org/markup-compatibility/2006">
+  <p:cSld>
+    <p:spTree>
+      <p:nvGrpSpPr>
+        <p:cNvPr id="1" name=""/>
+        <p:cNvGrpSpPr/>
+        <p:nvPr/>
+      </p:nvGrpSpPr>
+      <p:grpSpPr>
+        <a:xfrm>
+          <a:off x="0" y="0"/>
+          <a:ext cx="0" cy="0"/>
+          <a:chOff x="0" y="0"/>
+          <a:chExt cx="0" cy="0"/>
+        </a:xfrm>
+      </p:grpSpPr>
+      <p:sp>
+        <p:nvSpPr>
+          <p:cNvPr id="144" name="CustomShape 1"/>
+          <p:cNvSpPr/>
+          <p:nvPr/>
+        </p:nvSpPr>
+        <p:spPr>
+          <a:xfrm>
+            <a:off x="504000" y="301320"/>
+            <a:ext cx="9070560" cy="1261080"/>
+          </a:xfrm>
+          <a:prstGeom prst="rect">
+            <a:avLst/>
+          </a:prstGeom>
+          <a:noFill/>
+          <a:ln>
+            <a:noFill/>
+          </a:ln>
+        </p:spPr>
+        <p:style>
+          <a:lnRef idx="0"/>
+          <a:fillRef idx="0"/>
+          <a:effectRef idx="0"/>
+          <a:fontRef idx="minor"/>
+        </p:style>
+        <p:txBody>
+          <a:bodyPr lIns="0" rIns="0" tIns="0" bIns="0" anchor="ctr"/>
+          <a:p>
+            <a:pPr algn="ctr">
+              <a:lnSpc>
+                <a:spcPct val="100000"/>
+              </a:lnSpc>
+            </a:pPr>
+            <a:r>
+              <a:rPr b="0" lang="en-US" sz="4400" spc="-1" strike="noStrike">
+                <a:solidFill>
+                  <a:srgbClr val="000000"/>
+                </a:solidFill>
+                <a:uFill>
+                  <a:solidFill>
+                    <a:srgbClr val="ffffff"/>
+                  </a:solidFill>
+                </a:uFill>
+                <a:latin typeface="Arial"/>
+                <a:ea typeface="DejaVu Sans"/>
+              </a:rPr>
+              <a:t>Logistic regression</a:t>
+            </a:r>
+            <a:endParaRPr b="0" lang="en-US" sz="1800" spc="-1" strike="noStrike">
+              <a:solidFill>
+                <a:srgbClr val="000000"/>
+              </a:solidFill>
+              <a:uFill>
+                <a:solidFill>
+                  <a:srgbClr val="ffffff"/>
+                </a:solidFill>
+              </a:uFill>
+              <a:latin typeface="Arial"/>
+            </a:endParaRPr>
+          </a:p>
+        </p:txBody>
+      </p:sp>
+      <p:pic>
+        <p:nvPicPr>
+          <p:cNvPr id="145" name="" descr=""/>
+          <p:cNvPicPr/>
+          <p:nvPr/>
+        </p:nvPicPr>
+        <p:blipFill>
+          <a:blip r:embed="rId1"/>
+          <a:stretch/>
+        </p:blipFill>
+        <p:spPr>
+          <a:xfrm>
+            <a:off x="2011680" y="2471400"/>
+            <a:ext cx="5228280" cy="1094400"/>
+          </a:xfrm>
+          <a:prstGeom prst="rect">
+            <a:avLst/>
+          </a:prstGeom>
+          <a:ln>
+            <a:noFill/>
+          </a:ln>
+        </p:spPr>
+      </p:pic>
+      <p:pic>
+        <p:nvPicPr>
+          <p:cNvPr id="146" name="" descr=""/>
+          <p:cNvPicPr/>
+          <p:nvPr/>
+        </p:nvPicPr>
+        <p:blipFill>
+          <a:blip r:embed="rId2"/>
+          <a:stretch/>
+        </p:blipFill>
+        <p:spPr>
+          <a:xfrm>
+            <a:off x="2707560" y="3776400"/>
+            <a:ext cx="3875760" cy="2532600"/>
+          </a:xfrm>
+          <a:prstGeom prst="rect">
+            <a:avLst/>
+          </a:prstGeom>
+          <a:ln>
+            <a:noFill/>
+          </a:ln>
+        </p:spPr>
+      </p:pic>
+    </p:spTree>
+  </p:cSld>
+  <p:timing>
+    <p:tnLst>
+      <p:par>
+        <p:cTn id="21" dur="indefinite" restart="never" nodeType="tmRoot">
+          <p:childTnLst>
+            <p:seq>
+              <p:cTn id="22" nodeType="mainSeq"/>
+              <p:prevCondLst>
+                <p:cond delay="0" evt="onPrev">
+                  <p:tgtEl>
+                    <p:sldTgt/>
+                  </p:tgtEl>
+                </p:cond>
+              </p:prevCondLst>
+              <p:nextCondLst>
+                <p:cond delay="0" evt="onNext">
+                  <p:tgtEl>
+                    <p:sldTgt/>
+                  </p:tgtEl>
+                </p:cond>
+              </p:nextCondLst>
+            </p:seq>
+          </p:childTnLst>
+        </p:cTn>
+      </p:par>
+    </p:tnLst>
+  </p:timing>
+</p:sld>
+</file>
+
+<file path=ppt/slides/slide12.xml><?xml version="1.0" encoding="utf-8"?>
+<p:sld xmlns:a="http://schemas.openxmlformats.org/drawingml/2006/main" xmlns:p="http://schemas.openxmlformats.org/presentationml/2006/main" xmlns:r="http://schemas.openxmlformats.org/officeDocument/2006/relationships" xmlns:p14="http://schemas.microsoft.com/office/powerpoint/2010/main" xmlns:p15="http://schemas.microsoft.com/office/powerpoint/2012/main" xmlns:mc="http://schemas.openxmlformats.org/markup-compatibility/2006">
+  <p:cSld>
+    <p:spTree>
+      <p:nvGrpSpPr>
+        <p:cNvPr id="1" name=""/>
+        <p:cNvGrpSpPr/>
+        <p:nvPr/>
+      </p:nvGrpSpPr>
+      <p:grpSpPr>
+        <a:xfrm>
+          <a:off x="0" y="0"/>
+          <a:ext cx="0" cy="0"/>
+          <a:chOff x="0" y="0"/>
+          <a:chExt cx="0" cy="0"/>
+        </a:xfrm>
+      </p:grpSpPr>
+      <p:sp>
+        <p:nvSpPr>
+          <p:cNvPr id="147" name="CustomShape 1"/>
+          <p:cNvSpPr/>
+          <p:nvPr/>
+        </p:nvSpPr>
+        <p:spPr>
+          <a:xfrm>
+            <a:off x="504000" y="301320"/>
+            <a:ext cx="9070560" cy="1261080"/>
+          </a:xfrm>
+          <a:prstGeom prst="rect">
+            <a:avLst/>
+          </a:prstGeom>
+          <a:noFill/>
+          <a:ln>
+            <a:noFill/>
+          </a:ln>
+        </p:spPr>
+        <p:style>
+          <a:lnRef idx="0"/>
+          <a:fillRef idx="0"/>
+          <a:effectRef idx="0"/>
+          <a:fontRef idx="minor"/>
+        </p:style>
+        <p:txBody>
+          <a:bodyPr lIns="0" rIns="0" tIns="0" bIns="0" anchor="ctr"/>
+          <a:p>
+            <a:pPr algn="ctr">
+              <a:lnSpc>
+                <a:spcPct val="100000"/>
+              </a:lnSpc>
+            </a:pPr>
+            <a:r>
+              <a:rPr b="0" lang="en-US" sz="4400" spc="-1" strike="noStrike">
+                <a:solidFill>
+                  <a:srgbClr val="000000"/>
+                </a:solidFill>
+                <a:uFill>
+                  <a:solidFill>
+                    <a:srgbClr val="ffffff"/>
+                  </a:solidFill>
+                </a:uFill>
+                <a:latin typeface="Arial"/>
+                <a:ea typeface="DejaVu Sans"/>
+              </a:rPr>
+              <a:t>Logistic regression</a:t>
+            </a:r>
+            <a:endParaRPr b="0" lang="en-US" sz="1800" spc="-1" strike="noStrike">
+              <a:solidFill>
+                <a:srgbClr val="000000"/>
+              </a:solidFill>
+              <a:uFill>
+                <a:solidFill>
+                  <a:srgbClr val="ffffff"/>
+                </a:solidFill>
+              </a:uFill>
+              <a:latin typeface="Arial"/>
+            </a:endParaRPr>
+          </a:p>
+        </p:txBody>
+      </p:sp>
+    </p:spTree>
+  </p:cSld>
+  <p:timing>
+    <p:tnLst>
+      <p:par>
+        <p:cTn id="23" dur="indefinite" restart="never" nodeType="tmRoot">
+          <p:childTnLst>
+            <p:seq>
+              <p:cTn id="24" nodeType="mainSeq"/>
               <p:prevCondLst>
                 <p:cond delay="0" evt="onPrev">
                   <p:tgtEl>
@@ -3894,14 +6327,14 @@
       </p:grpSpPr>
       <p:sp>
         <p:nvSpPr>
-          <p:cNvPr id="76" name="CustomShape 1"/>
+          <p:cNvPr id="114" name="CustomShape 1"/>
           <p:cNvSpPr/>
           <p:nvPr/>
         </p:nvSpPr>
         <p:spPr>
           <a:xfrm>
             <a:off x="504000" y="301320"/>
-            <a:ext cx="9071280" cy="1261800"/>
+            <a:ext cx="9070560" cy="1261080"/>
           </a:xfrm>
           <a:prstGeom prst="rect">
             <a:avLst/>
@@ -3937,35 +6370,7 @@
                 </a:uFill>
                 <a:latin typeface="Arial"/>
               </a:rPr>
-              <a:t>交叉熵（</a:t>
-            </a:r>
-            <a:r>
-              <a:rPr b="0" lang="en-US" sz="4400" spc="-1" strike="noStrike">
-                <a:solidFill>
-                  <a:srgbClr val="000000"/>
-                </a:solidFill>
-                <a:uFill>
-                  <a:solidFill>
-                    <a:srgbClr val="ffffff"/>
-                  </a:solidFill>
-                </a:uFill>
-                <a:latin typeface="Arial"/>
-              </a:rPr>
-              <a:t>Cross entropy</a:t>
-            </a:r>
-            <a:r>
-              <a:rPr b="0" lang="en-US" sz="4400" spc="-1" strike="noStrike">
-                <a:solidFill>
-                  <a:srgbClr val="000000"/>
-                </a:solidFill>
-                <a:uFill>
-                  <a:solidFill>
-                    <a:srgbClr val="ffffff"/>
-                  </a:solidFill>
-                </a:uFill>
-                <a:latin typeface="Arial"/>
-              </a:rPr>
-              <a:t>）</a:t>
+              <a:t>房价预测</a:t>
             </a:r>
             <a:endParaRPr b="0" lang="en-US" sz="1800" spc="-1" strike="noStrike">
               <a:solidFill>
@@ -3981,171 +6386,9 @@
           </a:p>
         </p:txBody>
       </p:sp>
-      <p:sp>
-        <p:nvSpPr>
-          <p:cNvPr id="77" name="CustomShape 2"/>
-          <p:cNvSpPr/>
-          <p:nvPr/>
-        </p:nvSpPr>
-        <p:spPr>
-          <a:xfrm>
-            <a:off x="504000" y="1769040"/>
-            <a:ext cx="9071280" cy="4384080"/>
-          </a:xfrm>
-          <a:prstGeom prst="rect">
-            <a:avLst/>
-          </a:prstGeom>
-          <a:noFill/>
-          <a:ln>
-            <a:noFill/>
-          </a:ln>
-        </p:spPr>
-        <p:style>
-          <a:lnRef idx="0"/>
-          <a:fillRef idx="0"/>
-          <a:effectRef idx="0"/>
-          <a:fontRef idx="minor"/>
-        </p:style>
-        <p:txBody>
-          <a:bodyPr lIns="0" rIns="0" tIns="0" bIns="0"/>
-          <a:p>
-            <a:r>
-              <a:rPr b="0" lang="en-US" sz="3200" spc="-1" strike="noStrike">
-                <a:solidFill>
-                  <a:srgbClr val="000000"/>
-                </a:solidFill>
-                <a:uFill>
-                  <a:solidFill>
-                    <a:srgbClr val="ffffff"/>
-                  </a:solidFill>
-                </a:uFill>
-                <a:latin typeface="Arial"/>
-              </a:rPr>
-              <a:t>熵：</a:t>
-            </a:r>
-            <a:endParaRPr b="0" lang="en-US" sz="1800" spc="-1" strike="noStrike">
-              <a:solidFill>
-                <a:srgbClr val="000000"/>
-              </a:solidFill>
-              <a:uFill>
-                <a:solidFill>
-                  <a:srgbClr val="ffffff"/>
-                </a:solidFill>
-              </a:uFill>
-              <a:latin typeface="Arial"/>
-            </a:endParaRPr>
-          </a:p>
-          <a:p>
-            <a:r>
-              <a:rPr b="0" lang="en-US" sz="3200" spc="-1" strike="noStrike">
-                <a:solidFill>
-                  <a:srgbClr val="000000"/>
-                </a:solidFill>
-                <a:uFill>
-                  <a:solidFill>
-                    <a:srgbClr val="ffffff"/>
-                  </a:solidFill>
-                </a:uFill>
-                <a:latin typeface="Arial"/>
-              </a:rPr>
-              <a:t>ＫＬ离散度：</a:t>
-            </a:r>
-            <a:endParaRPr b="0" lang="en-US" sz="1800" spc="-1" strike="noStrike">
-              <a:solidFill>
-                <a:srgbClr val="000000"/>
-              </a:solidFill>
-              <a:uFill>
-                <a:solidFill>
-                  <a:srgbClr val="ffffff"/>
-                </a:solidFill>
-              </a:uFill>
-              <a:latin typeface="Arial"/>
-            </a:endParaRPr>
-          </a:p>
-          <a:p>
-            <a:endParaRPr b="0" lang="en-US" sz="1800" spc="-1" strike="noStrike">
-              <a:solidFill>
-                <a:srgbClr val="000000"/>
-              </a:solidFill>
-              <a:uFill>
-                <a:solidFill>
-                  <a:srgbClr val="ffffff"/>
-                </a:solidFill>
-              </a:uFill>
-              <a:latin typeface="Arial"/>
-            </a:endParaRPr>
-          </a:p>
-          <a:p>
-            <a:r>
-              <a:rPr b="0" lang="en-US" sz="3200" spc="-1" strike="noStrike">
-                <a:solidFill>
-                  <a:srgbClr val="000000"/>
-                </a:solidFill>
-                <a:uFill>
-                  <a:solidFill>
-                    <a:srgbClr val="ffffff"/>
-                  </a:solidFill>
-                </a:uFill>
-                <a:latin typeface="Arial"/>
-              </a:rPr>
-              <a:t>交叉熵：</a:t>
-            </a:r>
-            <a:endParaRPr b="0" lang="en-US" sz="1800" spc="-1" strike="noStrike">
-              <a:solidFill>
-                <a:srgbClr val="000000"/>
-              </a:solidFill>
-              <a:uFill>
-                <a:solidFill>
-                  <a:srgbClr val="ffffff"/>
-                </a:solidFill>
-              </a:uFill>
-              <a:latin typeface="Arial"/>
-            </a:endParaRPr>
-          </a:p>
-          <a:p>
-            <a:endParaRPr b="0" lang="en-US" sz="1800" spc="-1" strike="noStrike">
-              <a:solidFill>
-                <a:srgbClr val="000000"/>
-              </a:solidFill>
-              <a:uFill>
-                <a:solidFill>
-                  <a:srgbClr val="ffffff"/>
-                </a:solidFill>
-              </a:uFill>
-              <a:latin typeface="Arial"/>
-            </a:endParaRPr>
-          </a:p>
-          <a:p>
-            <a:endParaRPr b="0" lang="en-US" sz="1800" spc="-1" strike="noStrike">
-              <a:solidFill>
-                <a:srgbClr val="000000"/>
-              </a:solidFill>
-              <a:uFill>
-                <a:solidFill>
-                  <a:srgbClr val="ffffff"/>
-                </a:solidFill>
-              </a:uFill>
-              <a:latin typeface="Arial"/>
-            </a:endParaRPr>
-          </a:p>
-          <a:p>
-            <a:endParaRPr b="0" lang="en-US" sz="1800" spc="-1" strike="noStrike">
-              <a:solidFill>
-                <a:srgbClr val="000000"/>
-              </a:solidFill>
-              <a:uFill>
-                <a:solidFill>
-                  <a:srgbClr val="ffffff"/>
-                </a:solidFill>
-              </a:uFill>
-              <a:latin typeface="Arial"/>
-            </a:endParaRPr>
-          </a:p>
-        </p:txBody>
-      </p:sp>
       <p:pic>
         <p:nvPicPr>
-          <p:cNvPr id="78" name="" descr=""/>
+          <p:cNvPr id="115" name="" descr=""/>
           <p:cNvPicPr/>
           <p:nvPr/>
         </p:nvPicPr>
@@ -4155,54 +6398,8 @@
         </p:blipFill>
         <p:spPr>
           <a:xfrm>
-            <a:off x="849960" y="3291840"/>
-            <a:ext cx="5733360" cy="456480"/>
-          </a:xfrm>
-          <a:prstGeom prst="rect">
-            <a:avLst/>
-          </a:prstGeom>
-          <a:ln>
-            <a:noFill/>
-          </a:ln>
-        </p:spPr>
-      </p:pic>
-      <p:pic>
-        <p:nvPicPr>
-          <p:cNvPr id="79" name="" descr=""/>
-          <p:cNvPicPr/>
-          <p:nvPr/>
-        </p:nvPicPr>
-        <p:blipFill>
-          <a:blip r:embed="rId2"/>
-          <a:stretch/>
-        </p:blipFill>
-        <p:spPr>
-          <a:xfrm>
-            <a:off x="1600560" y="2006280"/>
-            <a:ext cx="2056680" cy="370800"/>
-          </a:xfrm>
-          <a:prstGeom prst="rect">
-            <a:avLst/>
-          </a:prstGeom>
-          <a:ln>
-            <a:noFill/>
-          </a:ln>
-        </p:spPr>
-      </p:pic>
-      <p:pic>
-        <p:nvPicPr>
-          <p:cNvPr id="80" name="" descr=""/>
-          <p:cNvPicPr/>
-          <p:nvPr/>
-        </p:nvPicPr>
-        <p:blipFill>
-          <a:blip r:embed="rId3"/>
-          <a:stretch/>
-        </p:blipFill>
-        <p:spPr>
-          <a:xfrm>
-            <a:off x="1074600" y="5023800"/>
-            <a:ext cx="2399760" cy="370800"/>
+            <a:off x="1915920" y="1768680"/>
+            <a:ext cx="6246360" cy="4383360"/>
           </a:xfrm>
           <a:prstGeom prst="rect">
             <a:avLst/>
@@ -4263,14 +6460,14 @@
       </p:grpSpPr>
       <p:sp>
         <p:nvSpPr>
-          <p:cNvPr id="81" name="CustomShape 1"/>
+          <p:cNvPr id="116" name="CustomShape 1"/>
           <p:cNvSpPr/>
           <p:nvPr/>
         </p:nvSpPr>
         <p:spPr>
           <a:xfrm>
             <a:off x="504000" y="301320"/>
-            <a:ext cx="9071280" cy="1261800"/>
+            <a:ext cx="9070560" cy="1261080"/>
           </a:xfrm>
           <a:prstGeom prst="rect">
             <a:avLst/>
@@ -4306,7 +6503,7 @@
                 </a:uFill>
                 <a:latin typeface="Arial"/>
               </a:rPr>
-              <a:t>分类</a:t>
+              <a:t>机器学习－模型</a:t>
             </a:r>
             <a:endParaRPr b="0" lang="en-US" sz="1800" spc="-1" strike="noStrike">
               <a:solidFill>
@@ -4322,111 +6519,29 @@
           </a:p>
         </p:txBody>
       </p:sp>
-      <p:sp>
-        <p:nvSpPr>
-          <p:cNvPr id="82" name="CustomShape 2"/>
-          <p:cNvSpPr/>
+      <p:pic>
+        <p:nvPicPr>
+          <p:cNvPr id="117" name="" descr=""/>
+          <p:cNvPicPr/>
           <p:nvPr/>
-        </p:nvSpPr>
-        <p:spPr>
-          <a:xfrm>
-            <a:off x="504000" y="1769040"/>
-            <a:ext cx="9071280" cy="4384080"/>
-          </a:xfrm>
-          <a:prstGeom prst="rect">
-            <a:avLst/>
-          </a:prstGeom>
-          <a:noFill/>
+        </p:nvPicPr>
+        <p:blipFill>
+          <a:blip r:embed="rId1"/>
+          <a:stretch/>
+        </p:blipFill>
+        <p:spPr>
+          <a:xfrm>
+            <a:off x="1261800" y="1624680"/>
+            <a:ext cx="9070560" cy="4135680"/>
+          </a:xfrm>
+          <a:prstGeom prst="rect">
+            <a:avLst/>
+          </a:prstGeom>
           <a:ln>
             <a:noFill/>
           </a:ln>
         </p:spPr>
-        <p:style>
-          <a:lnRef idx="0"/>
-          <a:fillRef idx="0"/>
-          <a:effectRef idx="0"/>
-          <a:fontRef idx="minor"/>
-        </p:style>
-        <p:txBody>
-          <a:bodyPr lIns="0" rIns="0" tIns="0" bIns="0"/>
-          <a:p>
-            <a:pPr marL="432000" indent="-323640">
-              <a:lnSpc>
-                <a:spcPct val="100000"/>
-              </a:lnSpc>
-              <a:buClr>
-                <a:srgbClr val="000000"/>
-              </a:buClr>
-              <a:buSzPct val="45000"/>
-              <a:buFont typeface="Wingdings" charset="2"/>
-              <a:buChar char=""/>
-            </a:pPr>
-            <a:r>
-              <a:rPr b="0" lang="en-US" sz="3200" spc="-1" strike="noStrike">
-                <a:solidFill>
-                  <a:srgbClr val="000000"/>
-                </a:solidFill>
-                <a:uFill>
-                  <a:solidFill>
-                    <a:srgbClr val="ffffff"/>
-                  </a:solidFill>
-                </a:uFill>
-                <a:latin typeface="Arial"/>
-              </a:rPr>
-              <a:t>监督学习</a:t>
-            </a:r>
-            <a:endParaRPr b="0" lang="en-US" sz="1800" spc="-1" strike="noStrike">
-              <a:solidFill>
-                <a:srgbClr val="000000"/>
-              </a:solidFill>
-              <a:uFill>
-                <a:solidFill>
-                  <a:srgbClr val="ffffff"/>
-                </a:solidFill>
-              </a:uFill>
-              <a:latin typeface="Arial"/>
-            </a:endParaRPr>
-          </a:p>
-          <a:p>
-            <a:pPr marL="432000" indent="-323640">
-              <a:lnSpc>
-                <a:spcPct val="100000"/>
-              </a:lnSpc>
-              <a:buClr>
-                <a:srgbClr val="000000"/>
-              </a:buClr>
-              <a:buSzPct val="45000"/>
-              <a:buFont typeface="Wingdings" charset="2"/>
-              <a:buChar char=""/>
-            </a:pPr>
-            <a:r>
-              <a:rPr b="0" lang="en-US" sz="3200" spc="-1" strike="noStrike">
-                <a:solidFill>
-                  <a:srgbClr val="000000"/>
-                </a:solidFill>
-                <a:uFill>
-                  <a:solidFill>
-                    <a:srgbClr val="ffffff"/>
-                  </a:solidFill>
-                </a:uFill>
-                <a:latin typeface="Arial"/>
-              </a:rPr>
-              <a:t>非监督学习</a:t>
-            </a:r>
-            <a:endParaRPr b="0" lang="en-US" sz="1800" spc="-1" strike="noStrike">
-              <a:solidFill>
-                <a:srgbClr val="000000"/>
-              </a:solidFill>
-              <a:uFill>
-                <a:solidFill>
-                  <a:srgbClr val="ffffff"/>
-                </a:solidFill>
-              </a:uFill>
-              <a:latin typeface="Arial"/>
-            </a:endParaRPr>
-          </a:p>
-        </p:txBody>
-      </p:sp>
+      </p:pic>
     </p:spTree>
   </p:cSld>
   <p:timing>
@@ -4478,14 +6593,14 @@
       </p:grpSpPr>
       <p:sp>
         <p:nvSpPr>
-          <p:cNvPr id="83" name="CustomShape 1"/>
+          <p:cNvPr id="118" name="CustomShape 1"/>
           <p:cNvSpPr/>
           <p:nvPr/>
         </p:nvSpPr>
         <p:spPr>
           <a:xfrm>
             <a:off x="504000" y="301320"/>
-            <a:ext cx="9071280" cy="1261800"/>
+            <a:ext cx="9070560" cy="1261080"/>
           </a:xfrm>
           <a:prstGeom prst="rect">
             <a:avLst/>
@@ -4520,8 +6635,9 @@
                   </a:solidFill>
                 </a:uFill>
                 <a:latin typeface="Arial"/>
+                <a:ea typeface="DejaVu Sans"/>
               </a:rPr>
-              <a:t>监督学习</a:t>
+              <a:t>Linear regression</a:t>
             </a:r>
             <a:endParaRPr b="0" lang="en-US" sz="1800" spc="-1" strike="noStrike">
               <a:solidFill>
@@ -4539,14 +6655,14 @@
       </p:sp>
       <p:sp>
         <p:nvSpPr>
-          <p:cNvPr id="84" name="CustomShape 2"/>
+          <p:cNvPr id="119" name="CustomShape 2"/>
           <p:cNvSpPr/>
           <p:nvPr/>
         </p:nvSpPr>
         <p:spPr>
           <a:xfrm>
-            <a:off x="504000" y="1769040"/>
-            <a:ext cx="9071280" cy="4384080"/>
+            <a:off x="504000" y="301320"/>
+            <a:ext cx="9071640" cy="1261440"/>
           </a:xfrm>
           <a:prstGeom prst="rect">
             <a:avLst/>
@@ -4562,22 +6678,132 @@
           <a:effectRef idx="0"/>
           <a:fontRef idx="minor"/>
         </p:style>
-        <p:txBody>
-          <a:bodyPr lIns="0" rIns="0" tIns="0" bIns="0"/>
-          <a:p>
-            <a:pPr marL="432000" indent="-323640">
-              <a:lnSpc>
-                <a:spcPct val="100000"/>
-              </a:lnSpc>
-              <a:buClr>
-                <a:srgbClr val="000000"/>
-              </a:buClr>
-              <a:buSzPct val="45000"/>
-              <a:buFont typeface="Wingdings" charset="2"/>
-              <a:buChar char=""/>
-            </a:pPr>
+      </p:sp>
+      <p:sp>
+        <p:nvSpPr>
+          <p:cNvPr id="120" name="CustomShape 3"/>
+          <p:cNvSpPr/>
+          <p:nvPr/>
+        </p:nvSpPr>
+        <p:spPr>
+          <a:xfrm>
+            <a:off x="504000" y="1768680"/>
+            <a:ext cx="9071640" cy="4383720"/>
+          </a:xfrm>
+          <a:prstGeom prst="rect">
+            <a:avLst/>
+          </a:prstGeom>
+          <a:noFill/>
+          <a:ln>
+            <a:noFill/>
+          </a:ln>
+        </p:spPr>
+        <p:style>
+          <a:lnRef idx="0"/>
+          <a:fillRef idx="0"/>
+          <a:effectRef idx="0"/>
+          <a:fontRef idx="minor"/>
+        </p:style>
+      </p:sp>
+      <p:pic>
+        <p:nvPicPr>
+          <p:cNvPr id="121" name="" descr=""/>
+          <p:cNvPicPr/>
+          <p:nvPr/>
+        </p:nvPicPr>
+        <p:blipFill>
+          <a:blip r:embed="rId1"/>
+          <a:stretch/>
+        </p:blipFill>
+        <p:spPr>
+          <a:xfrm>
+            <a:off x="1920240" y="1966320"/>
+            <a:ext cx="5533200" cy="1599480"/>
+          </a:xfrm>
+          <a:prstGeom prst="rect">
+            <a:avLst/>
+          </a:prstGeom>
+          <a:ln>
+            <a:noFill/>
+          </a:ln>
+        </p:spPr>
+      </p:pic>
+      <p:pic>
+        <p:nvPicPr>
+          <p:cNvPr id="122" name="" descr=""/>
+          <p:cNvPicPr/>
+          <p:nvPr/>
+        </p:nvPicPr>
+        <p:blipFill>
+          <a:blip r:embed="rId2"/>
+          <a:stretch/>
+        </p:blipFill>
+        <p:spPr>
+          <a:xfrm>
+            <a:off x="2651760" y="3865680"/>
+            <a:ext cx="5600160" cy="523080"/>
+          </a:xfrm>
+          <a:prstGeom prst="rect">
+            <a:avLst/>
+          </a:prstGeom>
+          <a:ln>
+            <a:noFill/>
+          </a:ln>
+        </p:spPr>
+      </p:pic>
+      <p:pic>
+        <p:nvPicPr>
+          <p:cNvPr id="123" name="" descr=""/>
+          <p:cNvPicPr/>
+          <p:nvPr/>
+        </p:nvPicPr>
+        <p:blipFill>
+          <a:blip r:embed="rId3"/>
+          <a:stretch/>
+        </p:blipFill>
+        <p:spPr>
+          <a:xfrm>
+            <a:off x="2520720" y="4776120"/>
+            <a:ext cx="5799960" cy="618480"/>
+          </a:xfrm>
+          <a:prstGeom prst="rect">
+            <a:avLst/>
+          </a:prstGeom>
+          <a:ln>
+            <a:noFill/>
+          </a:ln>
+        </p:spPr>
+      </p:pic>
+      <p:sp>
+        <p:nvSpPr>
+          <p:cNvPr id="124" name="CustomShape 4"/>
+          <p:cNvSpPr/>
+          <p:nvPr/>
+        </p:nvSpPr>
+        <p:spPr>
+          <a:xfrm>
+            <a:off x="1554480" y="3931920"/>
+            <a:ext cx="1828440" cy="428400"/>
+          </a:xfrm>
+          <a:prstGeom prst="rect">
+            <a:avLst/>
+          </a:prstGeom>
+          <a:noFill/>
+          <a:ln>
+            <a:noFill/>
+          </a:ln>
+        </p:spPr>
+        <p:style>
+          <a:lnRef idx="0"/>
+          <a:fillRef idx="0"/>
+          <a:effectRef idx="0"/>
+          <a:fontRef idx="minor"/>
+        </p:style>
+        <p:txBody>
+          <a:bodyPr lIns="90000" rIns="90000" tIns="45000" bIns="45000"/>
+          <a:p>
             <a:r>
-              <a:rPr b="0" lang="en-US" sz="3200" spc="-1" strike="noStrike">
+              <a:rPr b="0" lang="en-US" sz="1800" spc="-1" strike="noStrike">
                 <a:solidFill>
                   <a:srgbClr val="000000"/>
                 </a:solidFill>
@@ -4588,10 +6814,52 @@
                 </a:uFill>
                 <a:latin typeface="Arial"/>
               </a:rPr>
-              <a:t>线性回归</a:t>
+              <a:t>目标函数：</a:t>
             </a:r>
+            <a:endParaRPr b="0" lang="en-US" sz="1800" spc="-1" strike="noStrike">
+              <a:solidFill>
+                <a:srgbClr val="000000"/>
+              </a:solidFill>
+              <a:uFill>
+                <a:solidFill>
+                  <a:srgbClr val="ffffff"/>
+                </a:solidFill>
+              </a:uFill>
+              <a:latin typeface="Arial"/>
+            </a:endParaRPr>
+          </a:p>
+        </p:txBody>
+      </p:sp>
+      <p:sp>
+        <p:nvSpPr>
+          <p:cNvPr id="125" name="CustomShape 5"/>
+          <p:cNvSpPr/>
+          <p:nvPr/>
+        </p:nvSpPr>
+        <p:spPr>
+          <a:xfrm>
+            <a:off x="1554480" y="4937760"/>
+            <a:ext cx="1645560" cy="428400"/>
+          </a:xfrm>
+          <a:prstGeom prst="rect">
+            <a:avLst/>
+          </a:prstGeom>
+          <a:noFill/>
+          <a:ln>
+            <a:noFill/>
+          </a:ln>
+        </p:spPr>
+        <p:style>
+          <a:lnRef idx="0"/>
+          <a:fillRef idx="0"/>
+          <a:effectRef idx="0"/>
+          <a:fontRef idx="minor"/>
+        </p:style>
+        <p:txBody>
+          <a:bodyPr lIns="90000" rIns="90000" tIns="45000" bIns="45000"/>
+          <a:p>
             <a:r>
-              <a:rPr b="0" lang="en-US" sz="3200" spc="-1" strike="noStrike">
+              <a:rPr b="0" lang="en-US" sz="1800" spc="-1" strike="noStrike">
                 <a:solidFill>
                   <a:srgbClr val="000000"/>
                 </a:solidFill>
@@ -4602,121 +6870,7 @@
                 </a:uFill>
                 <a:latin typeface="Arial"/>
               </a:rPr>
-              <a:t>:linear regression </a:t>
-            </a:r>
-            <a:endParaRPr b="0" lang="en-US" sz="1800" spc="-1" strike="noStrike">
-              <a:solidFill>
-                <a:srgbClr val="000000"/>
-              </a:solidFill>
-              <a:uFill>
-                <a:solidFill>
-                  <a:srgbClr val="ffffff"/>
-                </a:solidFill>
-              </a:uFill>
-              <a:latin typeface="Arial"/>
-            </a:endParaRPr>
-          </a:p>
-          <a:p>
-            <a:pPr marL="432000" indent="-323640">
-              <a:lnSpc>
-                <a:spcPct val="100000"/>
-              </a:lnSpc>
-              <a:buClr>
-                <a:srgbClr val="000000"/>
-              </a:buClr>
-              <a:buSzPct val="45000"/>
-              <a:buFont typeface="Wingdings" charset="2"/>
-              <a:buChar char=""/>
-            </a:pPr>
-            <a:r>
-              <a:rPr b="0" lang="en-US" sz="3200" spc="-1" strike="noStrike">
-                <a:solidFill>
-                  <a:srgbClr val="000000"/>
-                </a:solidFill>
-                <a:uFill>
-                  <a:solidFill>
-                    <a:srgbClr val="ffffff"/>
-                  </a:solidFill>
-                </a:uFill>
-                <a:latin typeface="Arial"/>
-              </a:rPr>
-              <a:t>SVM</a:t>
-            </a:r>
-            <a:endParaRPr b="0" lang="en-US" sz="1800" spc="-1" strike="noStrike">
-              <a:solidFill>
-                <a:srgbClr val="000000"/>
-              </a:solidFill>
-              <a:uFill>
-                <a:solidFill>
-                  <a:srgbClr val="ffffff"/>
-                </a:solidFill>
-              </a:uFill>
-              <a:latin typeface="Arial"/>
-            </a:endParaRPr>
-          </a:p>
-          <a:p>
-            <a:pPr marL="432000" indent="-323640">
-              <a:lnSpc>
-                <a:spcPct val="100000"/>
-              </a:lnSpc>
-              <a:buClr>
-                <a:srgbClr val="000000"/>
-              </a:buClr>
-              <a:buSzPct val="45000"/>
-              <a:buFont typeface="Wingdings" charset="2"/>
-              <a:buChar char=""/>
-            </a:pPr>
-            <a:r>
-              <a:rPr b="0" lang="en-US" sz="3200" spc="-1" strike="noStrike">
-                <a:solidFill>
-                  <a:srgbClr val="000000"/>
-                </a:solidFill>
-                <a:uFill>
-                  <a:solidFill>
-                    <a:srgbClr val="ffffff"/>
-                  </a:solidFill>
-                </a:uFill>
-                <a:latin typeface="Arial"/>
-              </a:rPr>
-              <a:t>Logistic regression </a:t>
-            </a:r>
-            <a:endParaRPr b="0" lang="en-US" sz="1800" spc="-1" strike="noStrike">
-              <a:solidFill>
-                <a:srgbClr val="000000"/>
-              </a:solidFill>
-              <a:uFill>
-                <a:solidFill>
-                  <a:srgbClr val="ffffff"/>
-                </a:solidFill>
-              </a:uFill>
-              <a:latin typeface="Arial"/>
-            </a:endParaRPr>
-          </a:p>
-          <a:p>
-            <a:pPr marL="432000" indent="-323640">
-              <a:lnSpc>
-                <a:spcPct val="100000"/>
-              </a:lnSpc>
-              <a:buClr>
-                <a:srgbClr val="000000"/>
-              </a:buClr>
-              <a:buSzPct val="45000"/>
-              <a:buFont typeface="Wingdings" charset="2"/>
-              <a:buChar char=""/>
-            </a:pPr>
-            <a:r>
-              <a:rPr b="0" lang="en-US" sz="3200" spc="-1" strike="noStrike">
-                <a:solidFill>
-                  <a:srgbClr val="000000"/>
-                </a:solidFill>
-                <a:uFill>
-                  <a:solidFill>
-                    <a:srgbClr val="ffffff"/>
-                  </a:solidFill>
-                </a:uFill>
-                <a:latin typeface="Arial"/>
-              </a:rPr>
-              <a:t> </a:t>
+              <a:t>损失函数：</a:t>
             </a:r>
             <a:endParaRPr b="0" lang="en-US" sz="1800" spc="-1" strike="noStrike">
               <a:solidFill>
@@ -4783,14 +6937,14 @@
       </p:grpSpPr>
       <p:sp>
         <p:nvSpPr>
-          <p:cNvPr id="85" name="TextShape 1"/>
+          <p:cNvPr id="126" name="TextShape 1"/>
           <p:cNvSpPr txBox="1"/>
           <p:nvPr/>
         </p:nvSpPr>
         <p:spPr>
           <a:xfrm>
             <a:off x="504000" y="301320"/>
-            <a:ext cx="9071280" cy="1261800"/>
+            <a:ext cx="9071640" cy="1261440"/>
           </a:xfrm>
           <a:prstGeom prst="rect">
             <a:avLst/>
@@ -4816,7 +6970,7 @@
                 </a:uFill>
                 <a:latin typeface="Arial"/>
               </a:rPr>
-              <a:t>非监督学习</a:t>
+              <a:t>最优化－梯度下降</a:t>
             </a:r>
             <a:endParaRPr b="0" lang="en-US" sz="4400" spc="-1" strike="noStrike">
               <a:solidFill>
@@ -4832,6 +6986,52 @@
           </a:p>
         </p:txBody>
       </p:sp>
+      <p:pic>
+        <p:nvPicPr>
+          <p:cNvPr id="127" name="" descr=""/>
+          <p:cNvPicPr/>
+          <p:nvPr/>
+        </p:nvPicPr>
+        <p:blipFill>
+          <a:blip r:embed="rId1"/>
+          <a:stretch/>
+        </p:blipFill>
+        <p:spPr>
+          <a:xfrm>
+            <a:off x="822960" y="1823400"/>
+            <a:ext cx="9072000" cy="645480"/>
+          </a:xfrm>
+          <a:prstGeom prst="rect">
+            <a:avLst/>
+          </a:prstGeom>
+          <a:ln>
+            <a:noFill/>
+          </a:ln>
+        </p:spPr>
+      </p:pic>
+      <p:pic>
+        <p:nvPicPr>
+          <p:cNvPr id="128" name="" descr=""/>
+          <p:cNvPicPr/>
+          <p:nvPr/>
+        </p:nvPicPr>
+        <p:blipFill>
+          <a:blip r:embed="rId2"/>
+          <a:stretch/>
+        </p:blipFill>
+        <p:spPr>
+          <a:xfrm>
+            <a:off x="2103120" y="3017520"/>
+            <a:ext cx="5790960" cy="1771200"/>
+          </a:xfrm>
+          <a:prstGeom prst="rect">
+            <a:avLst/>
+          </a:prstGeom>
+          <a:ln>
+            <a:noFill/>
+          </a:ln>
+        </p:spPr>
+      </p:pic>
     </p:spTree>
   </p:cSld>
   <p:timing>
@@ -4883,14 +7083,14 @@
       </p:grpSpPr>
       <p:sp>
         <p:nvSpPr>
-          <p:cNvPr id="86" name="TextShape 1"/>
-          <p:cNvSpPr txBox="1"/>
+          <p:cNvPr id="129" name="CustomShape 1"/>
+          <p:cNvSpPr/>
           <p:nvPr/>
         </p:nvSpPr>
         <p:spPr>
           <a:xfrm>
             <a:off x="504000" y="301320"/>
-            <a:ext cx="9071280" cy="1261800"/>
+            <a:ext cx="9070560" cy="1261080"/>
           </a:xfrm>
           <a:prstGeom prst="rect">
             <a:avLst/>
@@ -4900,10 +7100,20 @@
             <a:noFill/>
           </a:ln>
         </p:spPr>
+        <p:style>
+          <a:lnRef idx="0"/>
+          <a:fillRef idx="0"/>
+          <a:effectRef idx="0"/>
+          <a:fontRef idx="minor"/>
+        </p:style>
         <p:txBody>
           <a:bodyPr lIns="0" rIns="0" tIns="0" bIns="0" anchor="ctr"/>
           <a:p>
-            <a:pPr algn="ctr"/>
+            <a:pPr algn="ctr">
+              <a:lnSpc>
+                <a:spcPct val="100000"/>
+              </a:lnSpc>
+            </a:pPr>
             <a:r>
               <a:rPr b="0" lang="en-US" sz="4400" spc="-1" strike="noStrike">
                 <a:solidFill>
@@ -4915,10 +7125,206 @@
                   </a:solidFill>
                 </a:uFill>
                 <a:latin typeface="Arial"/>
+                <a:ea typeface="DejaVu Sans"/>
               </a:rPr>
-              <a:t>Logistic regression</a:t>
+              <a:t>交叉熵（</a:t>
             </a:r>
-            <a:endParaRPr b="0" lang="en-US" sz="4400" spc="-1" strike="noStrike">
+            <a:r>
+              <a:rPr b="0" lang="en-US" sz="4400" spc="-1" strike="noStrike">
+                <a:solidFill>
+                  <a:srgbClr val="000000"/>
+                </a:solidFill>
+                <a:uFill>
+                  <a:solidFill>
+                    <a:srgbClr val="ffffff"/>
+                  </a:solidFill>
+                </a:uFill>
+                <a:latin typeface="Arial"/>
+                <a:ea typeface="DejaVu Sans"/>
+              </a:rPr>
+              <a:t>Cross entropy</a:t>
+            </a:r>
+            <a:r>
+              <a:rPr b="0" lang="en-US" sz="4400" spc="-1" strike="noStrike">
+                <a:solidFill>
+                  <a:srgbClr val="000000"/>
+                </a:solidFill>
+                <a:uFill>
+                  <a:solidFill>
+                    <a:srgbClr val="ffffff"/>
+                  </a:solidFill>
+                </a:uFill>
+                <a:latin typeface="Arial"/>
+                <a:ea typeface="DejaVu Sans"/>
+              </a:rPr>
+              <a:t>）</a:t>
+            </a:r>
+            <a:endParaRPr b="0" lang="en-US" sz="1800" spc="-1" strike="noStrike">
+              <a:solidFill>
+                <a:srgbClr val="000000"/>
+              </a:solidFill>
+              <a:uFill>
+                <a:solidFill>
+                  <a:srgbClr val="ffffff"/>
+                </a:solidFill>
+              </a:uFill>
+              <a:latin typeface="Arial"/>
+            </a:endParaRPr>
+          </a:p>
+        </p:txBody>
+      </p:sp>
+      <p:sp>
+        <p:nvSpPr>
+          <p:cNvPr id="130" name="CustomShape 2"/>
+          <p:cNvSpPr/>
+          <p:nvPr/>
+        </p:nvSpPr>
+        <p:spPr>
+          <a:xfrm>
+            <a:off x="504000" y="1769040"/>
+            <a:ext cx="9070560" cy="4383360"/>
+          </a:xfrm>
+          <a:prstGeom prst="rect">
+            <a:avLst/>
+          </a:prstGeom>
+          <a:noFill/>
+          <a:ln>
+            <a:noFill/>
+          </a:ln>
+        </p:spPr>
+        <p:style>
+          <a:lnRef idx="0"/>
+          <a:fillRef idx="0"/>
+          <a:effectRef idx="0"/>
+          <a:fontRef idx="minor"/>
+        </p:style>
+        <p:txBody>
+          <a:bodyPr lIns="0" rIns="0" tIns="0" bIns="0"/>
+          <a:p>
+            <a:r>
+              <a:rPr b="0" lang="en-US" sz="3200" spc="-1" strike="noStrike">
+                <a:solidFill>
+                  <a:srgbClr val="000000"/>
+                </a:solidFill>
+                <a:uFill>
+                  <a:solidFill>
+                    <a:srgbClr val="ffffff"/>
+                  </a:solidFill>
+                </a:uFill>
+                <a:latin typeface="Arial"/>
+                <a:ea typeface="DejaVu Sans"/>
+              </a:rPr>
+              <a:t>熵：</a:t>
+            </a:r>
+            <a:endParaRPr b="0" lang="en-US" sz="1800" spc="-1" strike="noStrike">
+              <a:solidFill>
+                <a:srgbClr val="000000"/>
+              </a:solidFill>
+              <a:uFill>
+                <a:solidFill>
+                  <a:srgbClr val="ffffff"/>
+                </a:solidFill>
+              </a:uFill>
+              <a:latin typeface="Arial"/>
+            </a:endParaRPr>
+          </a:p>
+          <a:p>
+            <a:r>
+              <a:rPr b="0" lang="en-US" sz="3200" spc="-1" strike="noStrike">
+                <a:solidFill>
+                  <a:srgbClr val="000000"/>
+                </a:solidFill>
+                <a:uFill>
+                  <a:solidFill>
+                    <a:srgbClr val="ffffff"/>
+                  </a:solidFill>
+                </a:uFill>
+                <a:latin typeface="Arial"/>
+                <a:ea typeface="DejaVu Sans"/>
+              </a:rPr>
+              <a:t>ＫＬ离散度：</a:t>
+            </a:r>
+            <a:endParaRPr b="0" lang="en-US" sz="1800" spc="-1" strike="noStrike">
+              <a:solidFill>
+                <a:srgbClr val="000000"/>
+              </a:solidFill>
+              <a:uFill>
+                <a:solidFill>
+                  <a:srgbClr val="ffffff"/>
+                </a:solidFill>
+              </a:uFill>
+              <a:latin typeface="Arial"/>
+            </a:endParaRPr>
+          </a:p>
+          <a:p>
+            <a:endParaRPr b="0" lang="en-US" sz="1800" spc="-1" strike="noStrike">
+              <a:solidFill>
+                <a:srgbClr val="000000"/>
+              </a:solidFill>
+              <a:uFill>
+                <a:solidFill>
+                  <a:srgbClr val="ffffff"/>
+                </a:solidFill>
+              </a:uFill>
+              <a:latin typeface="Arial"/>
+            </a:endParaRPr>
+          </a:p>
+          <a:p>
+            <a:r>
+              <a:rPr b="0" lang="en-US" sz="3200" spc="-1" strike="noStrike">
+                <a:solidFill>
+                  <a:srgbClr val="000000"/>
+                </a:solidFill>
+                <a:uFill>
+                  <a:solidFill>
+                    <a:srgbClr val="ffffff"/>
+                  </a:solidFill>
+                </a:uFill>
+                <a:latin typeface="Arial"/>
+                <a:ea typeface="DejaVu Sans"/>
+              </a:rPr>
+              <a:t>交叉熵：</a:t>
+            </a:r>
+            <a:endParaRPr b="0" lang="en-US" sz="1800" spc="-1" strike="noStrike">
+              <a:solidFill>
+                <a:srgbClr val="000000"/>
+              </a:solidFill>
+              <a:uFill>
+                <a:solidFill>
+                  <a:srgbClr val="ffffff"/>
+                </a:solidFill>
+              </a:uFill>
+              <a:latin typeface="Arial"/>
+            </a:endParaRPr>
+          </a:p>
+          <a:p>
+            <a:endParaRPr b="0" lang="en-US" sz="1800" spc="-1" strike="noStrike">
+              <a:solidFill>
+                <a:srgbClr val="000000"/>
+              </a:solidFill>
+              <a:uFill>
+                <a:solidFill>
+                  <a:srgbClr val="ffffff"/>
+                </a:solidFill>
+              </a:uFill>
+              <a:latin typeface="Arial"/>
+            </a:endParaRPr>
+          </a:p>
+          <a:p>
+            <a:endParaRPr b="0" lang="en-US" sz="1800" spc="-1" strike="noStrike">
+              <a:solidFill>
+                <a:srgbClr val="000000"/>
+              </a:solidFill>
+              <a:uFill>
+                <a:solidFill>
+                  <a:srgbClr val="ffffff"/>
+                </a:solidFill>
+              </a:uFill>
+              <a:latin typeface="Arial"/>
+            </a:endParaRPr>
+          </a:p>
+          <a:p>
+            <a:endParaRPr b="0" lang="en-US" sz="1800" spc="-1" strike="noStrike">
               <a:solidFill>
                 <a:srgbClr val="000000"/>
               </a:solidFill>
@@ -4934,7 +7340,7 @@
       </p:sp>
       <p:pic>
         <p:nvPicPr>
-          <p:cNvPr id="87" name="" descr=""/>
+          <p:cNvPr id="131" name="" descr=""/>
           <p:cNvPicPr/>
           <p:nvPr/>
         </p:nvPicPr>
@@ -4944,8 +7350,8 @@
         </p:blipFill>
         <p:spPr>
           <a:xfrm>
-            <a:off x="1263240" y="1922400"/>
-            <a:ext cx="5229000" cy="1095120"/>
+            <a:off x="2953800" y="2560320"/>
+            <a:ext cx="5732640" cy="455760"/>
           </a:xfrm>
           <a:prstGeom prst="rect">
             <a:avLst/>
@@ -4957,7 +7363,7 @@
       </p:pic>
       <p:pic>
         <p:nvPicPr>
-          <p:cNvPr id="88" name="" descr=""/>
+          <p:cNvPr id="132" name="" descr=""/>
           <p:cNvPicPr/>
           <p:nvPr/>
         </p:nvPicPr>
@@ -4967,8 +7373,31 @@
         </p:blipFill>
         <p:spPr>
           <a:xfrm>
-            <a:off x="1335600" y="3200400"/>
-            <a:ext cx="3876480" cy="2533320"/>
+            <a:off x="1600560" y="2006280"/>
+            <a:ext cx="2055960" cy="370080"/>
+          </a:xfrm>
+          <a:prstGeom prst="rect">
+            <a:avLst/>
+          </a:prstGeom>
+          <a:ln>
+            <a:noFill/>
+          </a:ln>
+        </p:spPr>
+      </p:pic>
+      <p:pic>
+        <p:nvPicPr>
+          <p:cNvPr id="133" name="" descr=""/>
+          <p:cNvPicPr/>
+          <p:nvPr/>
+        </p:nvPicPr>
+        <p:blipFill>
+          <a:blip r:embed="rId3"/>
+          <a:stretch/>
+        </p:blipFill>
+        <p:spPr>
+          <a:xfrm>
+            <a:off x="2651760" y="3470040"/>
+            <a:ext cx="2399040" cy="370080"/>
           </a:xfrm>
           <a:prstGeom prst="rect">
             <a:avLst/>
@@ -5029,14 +7458,14 @@
       </p:grpSpPr>
       <p:sp>
         <p:nvSpPr>
-          <p:cNvPr id="89" name="TextShape 1"/>
-          <p:cNvSpPr txBox="1"/>
+          <p:cNvPr id="134" name="CustomShape 1"/>
+          <p:cNvSpPr/>
           <p:nvPr/>
         </p:nvSpPr>
         <p:spPr>
           <a:xfrm>
             <a:off x="504000" y="301320"/>
-            <a:ext cx="9071280" cy="1261800"/>
+            <a:ext cx="9071640" cy="1261440"/>
           </a:xfrm>
           <a:prstGeom prst="rect">
             <a:avLst/>
@@ -5046,10 +7475,20 @@
             <a:noFill/>
           </a:ln>
         </p:spPr>
+        <p:style>
+          <a:lnRef idx="0"/>
+          <a:fillRef idx="0"/>
+          <a:effectRef idx="0"/>
+          <a:fontRef idx="minor"/>
+        </p:style>
         <p:txBody>
           <a:bodyPr lIns="0" rIns="0" tIns="0" bIns="0" anchor="ctr"/>
           <a:p>
-            <a:pPr algn="ctr"/>
+            <a:pPr algn="ctr">
+              <a:lnSpc>
+                <a:spcPct val="100000"/>
+              </a:lnSpc>
+            </a:pPr>
             <a:r>
               <a:rPr b="0" lang="en-US" sz="4400" spc="-1" strike="noStrike">
                 <a:solidFill>
@@ -5062,22 +7501,71 @@
                 </a:uFill>
                 <a:latin typeface="Arial"/>
               </a:rPr>
-              <a:t>Linear regression</a:t>
+              <a:t>凸优化</a:t>
             </a:r>
-            <a:endParaRPr b="0" lang="en-US" sz="4400" spc="-1" strike="noStrike">
-              <a:solidFill>
-                <a:srgbClr val="000000"/>
-              </a:solidFill>
-              <a:uFill>
-                <a:solidFill>
-                  <a:srgbClr val="ffffff"/>
-                </a:solidFill>
-              </a:uFill>
-              <a:latin typeface="Arial"/>
-            </a:endParaRPr>
-          </a:p>
-        </p:txBody>
-      </p:sp>
+            <a:endParaRPr b="0" lang="en-US" sz="1800" spc="-1" strike="noStrike">
+              <a:solidFill>
+                <a:srgbClr val="000000"/>
+              </a:solidFill>
+              <a:uFill>
+                <a:solidFill>
+                  <a:srgbClr val="ffffff"/>
+                </a:solidFill>
+              </a:uFill>
+              <a:latin typeface="Arial"/>
+            </a:endParaRPr>
+          </a:p>
+        </p:txBody>
+      </p:sp>
+      <p:sp>
+        <p:nvSpPr>
+          <p:cNvPr id="135" name="CustomShape 2"/>
+          <p:cNvSpPr/>
+          <p:nvPr/>
+        </p:nvSpPr>
+        <p:spPr>
+          <a:xfrm>
+            <a:off x="504000" y="1768680"/>
+            <a:ext cx="9071640" cy="4383720"/>
+          </a:xfrm>
+          <a:prstGeom prst="rect">
+            <a:avLst/>
+          </a:prstGeom>
+          <a:noFill/>
+          <a:ln>
+            <a:noFill/>
+          </a:ln>
+        </p:spPr>
+        <p:style>
+          <a:lnRef idx="0"/>
+          <a:fillRef idx="0"/>
+          <a:effectRef idx="0"/>
+          <a:fontRef idx="minor"/>
+        </p:style>
+      </p:sp>
+      <p:pic>
+        <p:nvPicPr>
+          <p:cNvPr id="136" name="" descr=""/>
+          <p:cNvPicPr/>
+          <p:nvPr/>
+        </p:nvPicPr>
+        <p:blipFill>
+          <a:blip r:embed="rId1"/>
+          <a:stretch/>
+        </p:blipFill>
+        <p:spPr>
+          <a:xfrm>
+            <a:off x="1737360" y="2539800"/>
+            <a:ext cx="6581160" cy="1208880"/>
+          </a:xfrm>
+          <a:prstGeom prst="rect">
+            <a:avLst/>
+          </a:prstGeom>
+          <a:ln>
+            <a:noFill/>
+          </a:ln>
+        </p:spPr>
+      </p:pic>
     </p:spTree>
   </p:cSld>
   <p:timing>
@@ -5129,14 +7617,14 @@
       </p:grpSpPr>
       <p:sp>
         <p:nvSpPr>
-          <p:cNvPr id="90" name="TextShape 1"/>
-          <p:cNvSpPr txBox="1"/>
+          <p:cNvPr id="137" name="CustomShape 1"/>
+          <p:cNvSpPr/>
           <p:nvPr/>
         </p:nvSpPr>
         <p:spPr>
           <a:xfrm>
             <a:off x="504000" y="301320"/>
-            <a:ext cx="9071280" cy="1261800"/>
+            <a:ext cx="9070560" cy="1261080"/>
           </a:xfrm>
           <a:prstGeom prst="rect">
             <a:avLst/>
@@ -5146,10 +7634,20 @@
             <a:noFill/>
           </a:ln>
         </p:spPr>
+        <p:style>
+          <a:lnRef idx="0"/>
+          <a:fillRef idx="0"/>
+          <a:effectRef idx="0"/>
+          <a:fontRef idx="minor"/>
+        </p:style>
         <p:txBody>
           <a:bodyPr lIns="0" rIns="0" tIns="0" bIns="0" anchor="ctr"/>
           <a:p>
-            <a:pPr algn="ctr"/>
+            <a:pPr algn="ctr">
+              <a:lnSpc>
+                <a:spcPct val="100000"/>
+              </a:lnSpc>
+            </a:pPr>
             <a:r>
               <a:rPr b="0" lang="en-US" sz="4400" spc="-1" strike="noStrike">
                 <a:solidFill>
@@ -5161,10 +7659,118 @@
                   </a:solidFill>
                 </a:uFill>
                 <a:latin typeface="Arial"/>
+                <a:ea typeface="DejaVu Sans"/>
               </a:rPr>
-              <a:t>Logistic regression</a:t>
+              <a:t>分类</a:t>
             </a:r>
-            <a:endParaRPr b="0" lang="en-US" sz="4400" spc="-1" strike="noStrike">
+            <a:endParaRPr b="0" lang="en-US" sz="1800" spc="-1" strike="noStrike">
+              <a:solidFill>
+                <a:srgbClr val="000000"/>
+              </a:solidFill>
+              <a:uFill>
+                <a:solidFill>
+                  <a:srgbClr val="ffffff"/>
+                </a:solidFill>
+              </a:uFill>
+              <a:latin typeface="Arial"/>
+            </a:endParaRPr>
+          </a:p>
+        </p:txBody>
+      </p:sp>
+      <p:sp>
+        <p:nvSpPr>
+          <p:cNvPr id="138" name="CustomShape 2"/>
+          <p:cNvSpPr/>
+          <p:nvPr/>
+        </p:nvSpPr>
+        <p:spPr>
+          <a:xfrm>
+            <a:off x="504000" y="1769040"/>
+            <a:ext cx="9070560" cy="4383360"/>
+          </a:xfrm>
+          <a:prstGeom prst="rect">
+            <a:avLst/>
+          </a:prstGeom>
+          <a:noFill/>
+          <a:ln>
+            <a:noFill/>
+          </a:ln>
+        </p:spPr>
+        <p:style>
+          <a:lnRef idx="0"/>
+          <a:fillRef idx="0"/>
+          <a:effectRef idx="0"/>
+          <a:fontRef idx="minor"/>
+        </p:style>
+        <p:txBody>
+          <a:bodyPr lIns="0" rIns="0" tIns="0" bIns="0"/>
+          <a:p>
+            <a:pPr marL="432000" indent="-322920">
+              <a:lnSpc>
+                <a:spcPct val="100000"/>
+              </a:lnSpc>
+              <a:buClr>
+                <a:srgbClr val="000000"/>
+              </a:buClr>
+              <a:buSzPct val="45000"/>
+              <a:buFont typeface="Wingdings" charset="2"/>
+              <a:buChar char=""/>
+            </a:pPr>
+            <a:r>
+              <a:rPr b="0" lang="en-US" sz="3200" spc="-1" strike="noStrike">
+                <a:solidFill>
+                  <a:srgbClr val="000000"/>
+                </a:solidFill>
+                <a:uFill>
+                  <a:solidFill>
+                    <a:srgbClr val="ffffff"/>
+                  </a:solidFill>
+                </a:uFill>
+                <a:latin typeface="Arial"/>
+                <a:ea typeface="DejaVu Sans"/>
+              </a:rPr>
+              <a:t>监督学习</a:t>
+            </a:r>
+            <a:endParaRPr b="0" lang="en-US" sz="1800" spc="-1" strike="noStrike">
+              <a:solidFill>
+                <a:srgbClr val="000000"/>
+              </a:solidFill>
+              <a:uFill>
+                <a:solidFill>
+                  <a:srgbClr val="ffffff"/>
+                </a:solidFill>
+              </a:uFill>
+              <a:latin typeface="Arial"/>
+            </a:endParaRPr>
+          </a:p>
+          <a:p>
+            <a:pPr marL="432000" indent="-322920">
+              <a:lnSpc>
+                <a:spcPct val="100000"/>
+              </a:lnSpc>
+              <a:buClr>
+                <a:srgbClr val="000000"/>
+              </a:buClr>
+              <a:buSzPct val="45000"/>
+              <a:buFont typeface="Wingdings" charset="2"/>
+              <a:buChar char=""/>
+            </a:pPr>
+            <a:r>
+              <a:rPr b="0" lang="en-US" sz="3200" spc="-1" strike="noStrike">
+                <a:solidFill>
+                  <a:srgbClr val="000000"/>
+                </a:solidFill>
+                <a:uFill>
+                  <a:solidFill>
+                    <a:srgbClr val="ffffff"/>
+                  </a:solidFill>
+                </a:uFill>
+                <a:latin typeface="Arial"/>
+                <a:ea typeface="DejaVu Sans"/>
+              </a:rPr>
+              <a:t>非监督学习</a:t>
+            </a:r>
+            <a:endParaRPr b="0" lang="en-US" sz="1800" spc="-1" strike="noStrike">
               <a:solidFill>
                 <a:srgbClr val="000000"/>
               </a:solidFill>
@@ -5187,6 +7793,317 @@
           <p:childTnLst>
             <p:seq>
               <p:cTn id="16" nodeType="mainSeq"/>
+              <p:prevCondLst>
+                <p:cond delay="0" evt="onPrev">
+                  <p:tgtEl>
+                    <p:sldTgt/>
+                  </p:tgtEl>
+                </p:cond>
+              </p:prevCondLst>
+              <p:nextCondLst>
+                <p:cond delay="0" evt="onNext">
+                  <p:tgtEl>
+                    <p:sldTgt/>
+                  </p:tgtEl>
+                </p:cond>
+              </p:nextCondLst>
+            </p:seq>
+          </p:childTnLst>
+        </p:cTn>
+      </p:par>
+    </p:tnLst>
+  </p:timing>
+</p:sld>
+</file>
+
+<file path=ppt/slides/slide9.xml><?xml version="1.0" encoding="utf-8"?>
+<p:sld xmlns:a="http://schemas.openxmlformats.org/drawingml/2006/main" xmlns:p="http://schemas.openxmlformats.org/presentationml/2006/main" xmlns:r="http://schemas.openxmlformats.org/officeDocument/2006/relationships" xmlns:p14="http://schemas.microsoft.com/office/powerpoint/2010/main" xmlns:p15="http://schemas.microsoft.com/office/powerpoint/2012/main" xmlns:mc="http://schemas.openxmlformats.org/markup-compatibility/2006">
+  <p:cSld>
+    <p:spTree>
+      <p:nvGrpSpPr>
+        <p:cNvPr id="1" name=""/>
+        <p:cNvGrpSpPr/>
+        <p:nvPr/>
+      </p:nvGrpSpPr>
+      <p:grpSpPr>
+        <a:xfrm>
+          <a:off x="0" y="0"/>
+          <a:ext cx="0" cy="0"/>
+          <a:chOff x="0" y="0"/>
+          <a:chExt cx="0" cy="0"/>
+        </a:xfrm>
+      </p:grpSpPr>
+      <p:sp>
+        <p:nvSpPr>
+          <p:cNvPr id="139" name="CustomShape 1"/>
+          <p:cNvSpPr/>
+          <p:nvPr/>
+        </p:nvSpPr>
+        <p:spPr>
+          <a:xfrm>
+            <a:off x="504000" y="301320"/>
+            <a:ext cx="9070560" cy="1261080"/>
+          </a:xfrm>
+          <a:prstGeom prst="rect">
+            <a:avLst/>
+          </a:prstGeom>
+          <a:noFill/>
+          <a:ln>
+            <a:noFill/>
+          </a:ln>
+        </p:spPr>
+        <p:style>
+          <a:lnRef idx="0"/>
+          <a:fillRef idx="0"/>
+          <a:effectRef idx="0"/>
+          <a:fontRef idx="minor"/>
+        </p:style>
+        <p:txBody>
+          <a:bodyPr lIns="0" rIns="0" tIns="0" bIns="0" anchor="ctr"/>
+          <a:p>
+            <a:pPr algn="ctr">
+              <a:lnSpc>
+                <a:spcPct val="100000"/>
+              </a:lnSpc>
+            </a:pPr>
+            <a:r>
+              <a:rPr b="0" lang="en-US" sz="4400" spc="-1" strike="noStrike">
+                <a:solidFill>
+                  <a:srgbClr val="000000"/>
+                </a:solidFill>
+                <a:uFill>
+                  <a:solidFill>
+                    <a:srgbClr val="ffffff"/>
+                  </a:solidFill>
+                </a:uFill>
+                <a:latin typeface="Arial"/>
+                <a:ea typeface="DejaVu Sans"/>
+              </a:rPr>
+              <a:t>监督学习</a:t>
+            </a:r>
+            <a:endParaRPr b="0" lang="en-US" sz="1800" spc="-1" strike="noStrike">
+              <a:solidFill>
+                <a:srgbClr val="000000"/>
+              </a:solidFill>
+              <a:uFill>
+                <a:solidFill>
+                  <a:srgbClr val="ffffff"/>
+                </a:solidFill>
+              </a:uFill>
+              <a:latin typeface="Arial"/>
+            </a:endParaRPr>
+          </a:p>
+        </p:txBody>
+      </p:sp>
+      <p:sp>
+        <p:nvSpPr>
+          <p:cNvPr id="140" name="CustomShape 2"/>
+          <p:cNvSpPr/>
+          <p:nvPr/>
+        </p:nvSpPr>
+        <p:spPr>
+          <a:xfrm>
+            <a:off x="504000" y="1769040"/>
+            <a:ext cx="9070560" cy="4383360"/>
+          </a:xfrm>
+          <a:prstGeom prst="rect">
+            <a:avLst/>
+          </a:prstGeom>
+          <a:noFill/>
+          <a:ln>
+            <a:noFill/>
+          </a:ln>
+        </p:spPr>
+        <p:style>
+          <a:lnRef idx="0"/>
+          <a:fillRef idx="0"/>
+          <a:effectRef idx="0"/>
+          <a:fontRef idx="minor"/>
+        </p:style>
+        <p:txBody>
+          <a:bodyPr lIns="0" rIns="0" tIns="0" bIns="0"/>
+          <a:p>
+            <a:pPr marL="432000" indent="-322920">
+              <a:lnSpc>
+                <a:spcPct val="100000"/>
+              </a:lnSpc>
+              <a:buClr>
+                <a:srgbClr val="000000"/>
+              </a:buClr>
+              <a:buSzPct val="45000"/>
+              <a:buFont typeface="Wingdings" charset="2"/>
+              <a:buChar char=""/>
+            </a:pPr>
+            <a:r>
+              <a:rPr b="0" lang="en-US" sz="3200" spc="-1" strike="noStrike">
+                <a:solidFill>
+                  <a:srgbClr val="000000"/>
+                </a:solidFill>
+                <a:uFill>
+                  <a:solidFill>
+                    <a:srgbClr val="ffffff"/>
+                  </a:solidFill>
+                </a:uFill>
+                <a:latin typeface="Arial"/>
+                <a:ea typeface="DejaVu Sans"/>
+              </a:rPr>
+              <a:t>线性回归</a:t>
+            </a:r>
+            <a:r>
+              <a:rPr b="0" lang="en-US" sz="3200" spc="-1" strike="noStrike">
+                <a:solidFill>
+                  <a:srgbClr val="000000"/>
+                </a:solidFill>
+                <a:uFill>
+                  <a:solidFill>
+                    <a:srgbClr val="ffffff"/>
+                  </a:solidFill>
+                </a:uFill>
+                <a:latin typeface="Arial"/>
+                <a:ea typeface="DejaVu Sans"/>
+              </a:rPr>
+              <a:t>:linear regression </a:t>
+            </a:r>
+            <a:endParaRPr b="0" lang="en-US" sz="1800" spc="-1" strike="noStrike">
+              <a:solidFill>
+                <a:srgbClr val="000000"/>
+              </a:solidFill>
+              <a:uFill>
+                <a:solidFill>
+                  <a:srgbClr val="ffffff"/>
+                </a:solidFill>
+              </a:uFill>
+              <a:latin typeface="Arial"/>
+            </a:endParaRPr>
+          </a:p>
+          <a:p>
+            <a:pPr marL="432000" indent="-322920">
+              <a:lnSpc>
+                <a:spcPct val="100000"/>
+              </a:lnSpc>
+              <a:buClr>
+                <a:srgbClr val="000000"/>
+              </a:buClr>
+              <a:buSzPct val="45000"/>
+              <a:buFont typeface="Wingdings" charset="2"/>
+              <a:buChar char=""/>
+            </a:pPr>
+            <a:r>
+              <a:rPr b="0" lang="en-US" sz="3200" spc="-1" strike="noStrike">
+                <a:solidFill>
+                  <a:srgbClr val="000000"/>
+                </a:solidFill>
+                <a:uFill>
+                  <a:solidFill>
+                    <a:srgbClr val="ffffff"/>
+                  </a:solidFill>
+                </a:uFill>
+                <a:latin typeface="Arial"/>
+                <a:ea typeface="DejaVu Sans"/>
+              </a:rPr>
+              <a:t>SVM</a:t>
+            </a:r>
+            <a:endParaRPr b="0" lang="en-US" sz="1800" spc="-1" strike="noStrike">
+              <a:solidFill>
+                <a:srgbClr val="000000"/>
+              </a:solidFill>
+              <a:uFill>
+                <a:solidFill>
+                  <a:srgbClr val="ffffff"/>
+                </a:solidFill>
+              </a:uFill>
+              <a:latin typeface="Arial"/>
+            </a:endParaRPr>
+          </a:p>
+          <a:p>
+            <a:pPr marL="432000" indent="-322920">
+              <a:lnSpc>
+                <a:spcPct val="100000"/>
+              </a:lnSpc>
+              <a:buClr>
+                <a:srgbClr val="000000"/>
+              </a:buClr>
+              <a:buSzPct val="45000"/>
+              <a:buFont typeface="Wingdings" charset="2"/>
+              <a:buChar char=""/>
+            </a:pPr>
+            <a:r>
+              <a:rPr b="0" lang="en-US" sz="3200" spc="-1" strike="noStrike">
+                <a:solidFill>
+                  <a:srgbClr val="000000"/>
+                </a:solidFill>
+                <a:uFill>
+                  <a:solidFill>
+                    <a:srgbClr val="ffffff"/>
+                  </a:solidFill>
+                </a:uFill>
+                <a:latin typeface="Arial"/>
+                <a:ea typeface="DejaVu Sans"/>
+              </a:rPr>
+              <a:t>Logistic regression </a:t>
+            </a:r>
+            <a:endParaRPr b="0" lang="en-US" sz="1800" spc="-1" strike="noStrike">
+              <a:solidFill>
+                <a:srgbClr val="000000"/>
+              </a:solidFill>
+              <a:uFill>
+                <a:solidFill>
+                  <a:srgbClr val="ffffff"/>
+                </a:solidFill>
+              </a:uFill>
+              <a:latin typeface="Arial"/>
+            </a:endParaRPr>
+          </a:p>
+          <a:p>
+            <a:pPr marL="432000" indent="-322920">
+              <a:lnSpc>
+                <a:spcPct val="100000"/>
+              </a:lnSpc>
+              <a:buClr>
+                <a:srgbClr val="000000"/>
+              </a:buClr>
+              <a:buSzPct val="45000"/>
+              <a:buFont typeface="Wingdings" charset="2"/>
+              <a:buChar char=""/>
+            </a:pPr>
+            <a:r>
+              <a:rPr b="0" lang="en-US" sz="3200" spc="-1" strike="noStrike">
+                <a:solidFill>
+                  <a:srgbClr val="000000"/>
+                </a:solidFill>
+                <a:uFill>
+                  <a:solidFill>
+                    <a:srgbClr val="ffffff"/>
+                  </a:solidFill>
+                </a:uFill>
+                <a:latin typeface="Arial"/>
+                <a:ea typeface="DejaVu Sans"/>
+              </a:rPr>
+              <a:t> </a:t>
+            </a:r>
+            <a:endParaRPr b="0" lang="en-US" sz="1800" spc="-1" strike="noStrike">
+              <a:solidFill>
+                <a:srgbClr val="000000"/>
+              </a:solidFill>
+              <a:uFill>
+                <a:solidFill>
+                  <a:srgbClr val="ffffff"/>
+                </a:solidFill>
+              </a:uFill>
+              <a:latin typeface="Arial"/>
+            </a:endParaRPr>
+          </a:p>
+        </p:txBody>
+      </p:sp>
+    </p:spTree>
+  </p:cSld>
+  <p:timing>
+    <p:tnLst>
+      <p:par>
+        <p:cTn id="17" dur="indefinite" restart="never" nodeType="tmRoot">
+          <p:childTnLst>
+            <p:seq>
+              <p:cTn id="18" nodeType="mainSeq"/>
               <p:prevCondLst>
                 <p:cond delay="0" evt="onPrev">
                   <p:tgtEl>
@@ -5654,4 +8571,227 @@
     </a:fmtScheme>
   </a:themeElements>
 </a:theme>
+</file>
+
+<file path=ppt/theme/theme3.xml><?xml version="1.0" encoding="utf-8"?>
+<a:theme xmlns:a="http://schemas.openxmlformats.org/drawingml/2006/main" name="Office Theme">
+  <a:themeElements>
+    <a:clrScheme name="Office">
+      <a:dk1>
+        <a:sysClr val="windowText" lastClr="000000"/>
+      </a:dk1>
+      <a:lt1>
+        <a:sysClr val="window" lastClr="FFFFFF"/>
+      </a:lt1>
+      <a:dk2>
+        <a:srgbClr val="1F497D"/>
+      </a:dk2>
+      <a:lt2>
+        <a:srgbClr val="EEECE1"/>
+      </a:lt2>
+      <a:accent1>
+        <a:srgbClr val="4F81BD"/>
+      </a:accent1>
+      <a:accent2>
+        <a:srgbClr val="C0504D"/>
+      </a:accent2>
+      <a:accent3>
+        <a:srgbClr val="9BBB59"/>
+      </a:accent3>
+      <a:accent4>
+        <a:srgbClr val="8064A2"/>
+      </a:accent4>
+      <a:accent5>
+        <a:srgbClr val="4BACC6"/>
+      </a:accent5>
+      <a:accent6>
+        <a:srgbClr val="F79646"/>
+      </a:accent6>
+      <a:hlink>
+        <a:srgbClr val="0000FF"/>
+      </a:hlink>
+      <a:folHlink>
+        <a:srgbClr val="800080"/>
+      </a:folHlink>
+    </a:clrScheme>
+    <a:fontScheme name="Office">
+      <a:majorFont>
+        <a:latin typeface="Arial"/>
+        <a:ea typeface="DejaVu Sans"/>
+        <a:cs typeface="DejaVu Sans"/>
+      </a:majorFont>
+      <a:minorFont>
+        <a:latin typeface="Arial"/>
+        <a:ea typeface="DejaVu Sans"/>
+        <a:cs typeface="DejaVu Sans"/>
+      </a:minorFont>
+    </a:fontScheme>
+    <a:fmtScheme name="Office">
+      <a:fillStyleLst>
+        <a:solidFill>
+          <a:schemeClr val="phClr"/>
+        </a:solidFill>
+        <a:gradFill rotWithShape="1">
+          <a:gsLst>
+            <a:gs pos="0">
+              <a:schemeClr val="phClr">
+                <a:tint val="50000"/>
+                <a:satMod val="300000"/>
+              </a:schemeClr>
+            </a:gs>
+            <a:gs pos="35000">
+              <a:schemeClr val="phClr">
+                <a:tint val="37000"/>
+                <a:satMod val="300000"/>
+              </a:schemeClr>
+            </a:gs>
+            <a:gs pos="100000">
+              <a:schemeClr val="phClr">
+                <a:tint val="15000"/>
+                <a:satMod val="350000"/>
+              </a:schemeClr>
+            </a:gs>
+          </a:gsLst>
+          <a:lin ang="16200000" scaled="1"/>
+        </a:gradFill>
+        <a:gradFill rotWithShape="1">
+          <a:gsLst>
+            <a:gs pos="0">
+              <a:schemeClr val="phClr">
+                <a:shade val="51000"/>
+                <a:satMod val="130000"/>
+              </a:schemeClr>
+            </a:gs>
+            <a:gs pos="80000">
+              <a:schemeClr val="phClr">
+                <a:shade val="93000"/>
+                <a:satMod val="130000"/>
+              </a:schemeClr>
+            </a:gs>
+            <a:gs pos="100000">
+              <a:schemeClr val="phClr">
+                <a:shade val="94000"/>
+                <a:satMod val="135000"/>
+              </a:schemeClr>
+            </a:gs>
+          </a:gsLst>
+          <a:lin ang="16200000" scaled="0"/>
+        </a:gradFill>
+      </a:fillStyleLst>
+      <a:lnStyleLst>
+        <a:ln w="9525" cap="flat" cmpd="sng" algn="ctr">
+          <a:solidFill>
+            <a:schemeClr val="phClr">
+              <a:shade val="95000"/>
+              <a:satMod val="105000"/>
+            </a:schemeClr>
+          </a:solidFill>
+          <a:prstDash val="solid"/>
+        </a:ln>
+        <a:ln w="25400" cap="flat" cmpd="sng" algn="ctr">
+          <a:solidFill>
+            <a:schemeClr val="phClr"/>
+          </a:solidFill>
+          <a:prstDash val="solid"/>
+        </a:ln>
+        <a:ln w="38100" cap="flat" cmpd="sng" algn="ctr">
+          <a:solidFill>
+            <a:schemeClr val="phClr"/>
+          </a:solidFill>
+          <a:prstDash val="solid"/>
+        </a:ln>
+      </a:lnStyleLst>
+      <a:effectStyleLst>
+        <a:effectStyle>
+          <a:effectLst>
+            <a:outerShdw blurRad="40000" dist="20000" dir="5400000" rotWithShape="0">
+              <a:srgbClr val="000000">
+                <a:alpha val="38000"/>
+              </a:srgbClr>
+            </a:outerShdw>
+          </a:effectLst>
+        </a:effectStyle>
+        <a:effectStyle>
+          <a:effectLst>
+            <a:outerShdw blurRad="40000" dist="23000" dir="5400000" rotWithShape="0">
+              <a:srgbClr val="000000">
+                <a:alpha val="35000"/>
+              </a:srgbClr>
+            </a:outerShdw>
+          </a:effectLst>
+        </a:effectStyle>
+        <a:effectStyle>
+          <a:effectLst>
+            <a:outerShdw blurRad="40000" dist="23000" dir="5400000" rotWithShape="0">
+              <a:srgbClr val="000000">
+                <a:alpha val="35000"/>
+              </a:srgbClr>
+            </a:outerShdw>
+          </a:effectLst>
+          <a:scene3d>
+            <a:camera prst="orthographicFront">
+              <a:rot lat="0" lon="0" rev="0"/>
+            </a:camera>
+            <a:lightRig rig="threePt" dir="t">
+              <a:rot lat="0" lon="0" rev="1200000"/>
+            </a:lightRig>
+          </a:scene3d>
+          <a:sp3d>
+            <a:bevelT w="63500" h="25400"/>
+          </a:sp3d>
+        </a:effectStyle>
+      </a:effectStyleLst>
+      <a:bgFillStyleLst>
+        <a:solidFill>
+          <a:schemeClr val="phClr"/>
+        </a:solidFill>
+        <a:gradFill rotWithShape="1">
+          <a:gsLst>
+            <a:gs pos="0">
+              <a:schemeClr val="phClr">
+                <a:tint val="40000"/>
+                <a:satMod val="350000"/>
+              </a:schemeClr>
+            </a:gs>
+            <a:gs pos="40000">
+              <a:schemeClr val="phClr">
+                <a:tint val="45000"/>
+                <a:shade val="99000"/>
+                <a:satMod val="350000"/>
+              </a:schemeClr>
+            </a:gs>
+            <a:gs pos="100000">
+              <a:schemeClr val="phClr">
+                <a:shade val="20000"/>
+                <a:satMod val="255000"/>
+              </a:schemeClr>
+            </a:gs>
+          </a:gsLst>
+          <a:path path="circle">
+            <a:fillToRect l="50000" t="-80000" r="50000" b="180000"/>
+          </a:path>
+        </a:gradFill>
+        <a:gradFill rotWithShape="1">
+          <a:gsLst>
+            <a:gs pos="0">
+              <a:schemeClr val="phClr">
+                <a:tint val="80000"/>
+                <a:satMod val="300000"/>
+              </a:schemeClr>
+            </a:gs>
+            <a:gs pos="100000">
+              <a:schemeClr val="phClr">
+                <a:shade val="30000"/>
+                <a:satMod val="200000"/>
+              </a:schemeClr>
+            </a:gs>
+          </a:gsLst>
+          <a:path path="circle">
+            <a:fillToRect l="50000" t="50000" r="50000" b="50000"/>
+          </a:path>
+        </a:gradFill>
+      </a:bgFillStyleLst>
+    </a:fmtScheme>
+  </a:themeElements>
+</a:theme>
 </file>
--- a/docs/nn.pptx
+++ b/docs/nn.pptx
@@ -19,6 +19,18 @@
     <p:sldId id="265" r:id="rId14"/>
     <p:sldId id="266" r:id="rId15"/>
     <p:sldId id="267" r:id="rId16"/>
+    <p:sldId id="268" r:id="rId17"/>
+    <p:sldId id="269" r:id="rId18"/>
+    <p:sldId id="270" r:id="rId19"/>
+    <p:sldId id="271" r:id="rId20"/>
+    <p:sldId id="272" r:id="rId21"/>
+    <p:sldId id="273" r:id="rId22"/>
+    <p:sldId id="274" r:id="rId23"/>
+    <p:sldId id="275" r:id="rId24"/>
+    <p:sldId id="276" r:id="rId25"/>
+    <p:sldId id="277" r:id="rId26"/>
+    <p:sldId id="278" r:id="rId27"/>
+    <p:sldId id="279" r:id="rId28"/>
   </p:sldIdLst>
   <p:sldSz cx="10080625" cy="7559675"/>
   <p:notesSz cx="7559675" cy="10691812"/>
@@ -77,7 +89,7 @@
         <p:spPr>
           <a:xfrm>
             <a:off x="504000" y="301320"/>
-            <a:ext cx="9072000" cy="1261800"/>
+            <a:ext cx="9071640" cy="1261440"/>
           </a:xfrm>
           <a:prstGeom prst="rect">
             <a:avLst/>
@@ -208,7 +220,7 @@
         <p:spPr>
           <a:xfrm>
             <a:off x="504000" y="301320"/>
-            <a:ext cx="9072000" cy="1261800"/>
+            <a:ext cx="9071640" cy="1261440"/>
           </a:xfrm>
           <a:prstGeom prst="rect">
             <a:avLst/>
@@ -411,7 +423,7 @@
         <p:spPr>
           <a:xfrm>
             <a:off x="504000" y="301320"/>
-            <a:ext cx="9072000" cy="1261800"/>
+            <a:ext cx="9071640" cy="1261440"/>
           </a:xfrm>
           <a:prstGeom prst="rect">
             <a:avLst/>
@@ -610,7 +622,7 @@
         <p:spPr>
           <a:xfrm>
             <a:off x="504000" y="301320"/>
-            <a:ext cx="9072000" cy="1261800"/>
+            <a:ext cx="9071640" cy="1261440"/>
           </a:xfrm>
           <a:prstGeom prst="rect">
             <a:avLst/>
@@ -706,7 +718,7 @@
         <p:spPr>
           <a:xfrm>
             <a:off x="504000" y="301320"/>
-            <a:ext cx="9072000" cy="1261800"/>
+            <a:ext cx="9071640" cy="1261440"/>
           </a:xfrm>
           <a:prstGeom prst="rect">
             <a:avLst/>
@@ -801,7 +813,7 @@
         <p:spPr>
           <a:xfrm>
             <a:off x="504000" y="301320"/>
-            <a:ext cx="9072000" cy="1261800"/>
+            <a:ext cx="9071640" cy="1261440"/>
           </a:xfrm>
           <a:prstGeom prst="rect">
             <a:avLst/>
@@ -932,7 +944,7 @@
         <p:spPr>
           <a:xfrm>
             <a:off x="504000" y="301320"/>
-            <a:ext cx="9072000" cy="1261800"/>
+            <a:ext cx="9071640" cy="1261440"/>
           </a:xfrm>
           <a:prstGeom prst="rect">
             <a:avLst/>
@@ -991,7 +1003,7 @@
         <p:spPr>
           <a:xfrm>
             <a:off x="504000" y="301320"/>
-            <a:ext cx="9072000" cy="5850360"/>
+            <a:ext cx="9071640" cy="5848560"/>
           </a:xfrm>
           <a:prstGeom prst="rect">
             <a:avLst/>
@@ -1050,7 +1062,7 @@
         <p:spPr>
           <a:xfrm>
             <a:off x="504000" y="301320"/>
-            <a:ext cx="9072000" cy="1261800"/>
+            <a:ext cx="9071640" cy="1261440"/>
           </a:xfrm>
           <a:prstGeom prst="rect">
             <a:avLst/>
@@ -1217,7 +1229,7 @@
         <p:spPr>
           <a:xfrm>
             <a:off x="504000" y="301320"/>
-            <a:ext cx="9072000" cy="1261800"/>
+            <a:ext cx="9071640" cy="1261440"/>
           </a:xfrm>
           <a:prstGeom prst="rect">
             <a:avLst/>
@@ -1313,7 +1325,7 @@
         <p:spPr>
           <a:xfrm>
             <a:off x="504000" y="301320"/>
-            <a:ext cx="9072000" cy="1261800"/>
+            <a:ext cx="9071640" cy="1261440"/>
           </a:xfrm>
           <a:prstGeom prst="rect">
             <a:avLst/>
@@ -1480,7 +1492,7 @@
         <p:spPr>
           <a:xfrm>
             <a:off x="504000" y="301320"/>
-            <a:ext cx="9072000" cy="1261800"/>
+            <a:ext cx="9071640" cy="1261440"/>
           </a:xfrm>
           <a:prstGeom prst="rect">
             <a:avLst/>
@@ -1647,7 +1659,7 @@
         <p:spPr>
           <a:xfrm>
             <a:off x="504000" y="301320"/>
-            <a:ext cx="9072000" cy="1261800"/>
+            <a:ext cx="9071640" cy="1261440"/>
           </a:xfrm>
           <a:prstGeom prst="rect">
             <a:avLst/>
@@ -1778,7 +1790,7 @@
         <p:spPr>
           <a:xfrm>
             <a:off x="504000" y="301320"/>
-            <a:ext cx="9072000" cy="1261800"/>
+            <a:ext cx="9071640" cy="1261440"/>
           </a:xfrm>
           <a:prstGeom prst="rect">
             <a:avLst/>
@@ -1981,7 +1993,7 @@
         <p:spPr>
           <a:xfrm>
             <a:off x="504000" y="301320"/>
-            <a:ext cx="9072000" cy="1261800"/>
+            <a:ext cx="9071640" cy="1261440"/>
           </a:xfrm>
           <a:prstGeom prst="rect">
             <a:avLst/>
@@ -2180,7 +2192,7 @@
         <p:spPr>
           <a:xfrm>
             <a:off x="504000" y="301320"/>
-            <a:ext cx="9072000" cy="1261800"/>
+            <a:ext cx="9071640" cy="1261440"/>
           </a:xfrm>
           <a:prstGeom prst="rect">
             <a:avLst/>
@@ -2276,7 +2288,7 @@
         <p:spPr>
           <a:xfrm>
             <a:off x="504000" y="301320"/>
-            <a:ext cx="9072000" cy="1261800"/>
+            <a:ext cx="9071640" cy="1261440"/>
           </a:xfrm>
           <a:prstGeom prst="rect">
             <a:avLst/>
@@ -2371,7 +2383,7 @@
         <p:spPr>
           <a:xfrm>
             <a:off x="504000" y="301320"/>
-            <a:ext cx="9072000" cy="1261800"/>
+            <a:ext cx="9071640" cy="1261440"/>
           </a:xfrm>
           <a:prstGeom prst="rect">
             <a:avLst/>
@@ -2502,7 +2514,7 @@
         <p:spPr>
           <a:xfrm>
             <a:off x="504000" y="301320"/>
-            <a:ext cx="9072000" cy="1261800"/>
+            <a:ext cx="9071640" cy="1261440"/>
           </a:xfrm>
           <a:prstGeom prst="rect">
             <a:avLst/>
@@ -2561,7 +2573,7 @@
         <p:spPr>
           <a:xfrm>
             <a:off x="504000" y="301320"/>
-            <a:ext cx="9072000" cy="1261800"/>
+            <a:ext cx="9071640" cy="1261440"/>
           </a:xfrm>
           <a:prstGeom prst="rect">
             <a:avLst/>
@@ -2656,7 +2668,7 @@
         <p:spPr>
           <a:xfrm>
             <a:off x="504000" y="301320"/>
-            <a:ext cx="9072000" cy="5850360"/>
+            <a:ext cx="9071640" cy="5848560"/>
           </a:xfrm>
           <a:prstGeom prst="rect">
             <a:avLst/>
@@ -2715,7 +2727,7 @@
         <p:spPr>
           <a:xfrm>
             <a:off x="504000" y="301320"/>
-            <a:ext cx="9072000" cy="1261800"/>
+            <a:ext cx="9071640" cy="1261440"/>
           </a:xfrm>
           <a:prstGeom prst="rect">
             <a:avLst/>
@@ -2882,7 +2894,7 @@
         <p:spPr>
           <a:xfrm>
             <a:off x="504000" y="301320"/>
-            <a:ext cx="9072000" cy="1261800"/>
+            <a:ext cx="9071640" cy="1261440"/>
           </a:xfrm>
           <a:prstGeom prst="rect">
             <a:avLst/>
@@ -3049,7 +3061,7 @@
         <p:spPr>
           <a:xfrm>
             <a:off x="504000" y="301320"/>
-            <a:ext cx="9072000" cy="1261800"/>
+            <a:ext cx="9071640" cy="1261440"/>
           </a:xfrm>
           <a:prstGeom prst="rect">
             <a:avLst/>
@@ -3216,7 +3228,7 @@
         <p:spPr>
           <a:xfrm>
             <a:off x="504000" y="301320"/>
-            <a:ext cx="9072000" cy="1261800"/>
+            <a:ext cx="9071640" cy="1261440"/>
           </a:xfrm>
           <a:prstGeom prst="rect">
             <a:avLst/>
@@ -3347,7 +3359,7 @@
         <p:spPr>
           <a:xfrm>
             <a:off x="504000" y="301320"/>
-            <a:ext cx="9072000" cy="1261800"/>
+            <a:ext cx="9071640" cy="1261440"/>
           </a:xfrm>
           <a:prstGeom prst="rect">
             <a:avLst/>
@@ -3550,7 +3562,7 @@
         <p:spPr>
           <a:xfrm>
             <a:off x="504000" y="301320"/>
-            <a:ext cx="9072000" cy="1261800"/>
+            <a:ext cx="9071640" cy="1261440"/>
           </a:xfrm>
           <a:prstGeom prst="rect">
             <a:avLst/>
@@ -3727,7 +3739,7 @@
         <p:spPr>
           <a:xfrm>
             <a:off x="504000" y="301320"/>
-            <a:ext cx="9072000" cy="1261800"/>
+            <a:ext cx="9071640" cy="1261440"/>
           </a:xfrm>
           <a:prstGeom prst="rect">
             <a:avLst/>
@@ -3858,7 +3870,7 @@
         <p:spPr>
           <a:xfrm>
             <a:off x="504000" y="301320"/>
-            <a:ext cx="9072000" cy="1261800"/>
+            <a:ext cx="9071640" cy="1261440"/>
           </a:xfrm>
           <a:prstGeom prst="rect">
             <a:avLst/>
@@ -3917,7 +3929,7 @@
         <p:spPr>
           <a:xfrm>
             <a:off x="504000" y="301320"/>
-            <a:ext cx="9072000" cy="5850360"/>
+            <a:ext cx="9071640" cy="5848560"/>
           </a:xfrm>
           <a:prstGeom prst="rect">
             <a:avLst/>
@@ -3976,7 +3988,7 @@
         <p:spPr>
           <a:xfrm>
             <a:off x="504000" y="301320"/>
-            <a:ext cx="9072000" cy="1261800"/>
+            <a:ext cx="9071640" cy="1261440"/>
           </a:xfrm>
           <a:prstGeom prst="rect">
             <a:avLst/>
@@ -4143,7 +4155,7 @@
         <p:spPr>
           <a:xfrm>
             <a:off x="504000" y="301320"/>
-            <a:ext cx="9072000" cy="1261800"/>
+            <a:ext cx="9071640" cy="1261440"/>
           </a:xfrm>
           <a:prstGeom prst="rect">
             <a:avLst/>
@@ -4310,7 +4322,7 @@
         <p:spPr>
           <a:xfrm>
             <a:off x="504000" y="301320"/>
-            <a:ext cx="9072000" cy="1261800"/>
+            <a:ext cx="9071640" cy="1261440"/>
           </a:xfrm>
           <a:prstGeom prst="rect">
             <a:avLst/>
@@ -4532,7 +4544,7 @@
               <a:buChar char=""/>
             </a:pPr>
             <a:r>
-              <a:rPr b="0" lang="en-US" sz="1800" spc="-1" strike="noStrike">
+              <a:rPr b="0" lang="en-US" sz="3200" spc="-1" strike="noStrike">
                 <a:solidFill>
                   <a:srgbClr val="000000"/>
                 </a:solidFill>
@@ -4545,7 +4557,7 @@
               </a:rPr>
               <a:t>Click to edit the outline text format</a:t>
             </a:r>
-            <a:endParaRPr b="0" lang="en-US" sz="1800" spc="-1" strike="noStrike">
+            <a:endParaRPr b="0" lang="en-US" sz="3200" spc="-1" strike="noStrike">
               <a:solidFill>
                 <a:srgbClr val="000000"/>
               </a:solidFill>
@@ -4567,7 +4579,7 @@
               <a:buChar char=""/>
             </a:pPr>
             <a:r>
-              <a:rPr b="0" lang="en-US" sz="1800" spc="-1" strike="noStrike">
+              <a:rPr b="0" lang="en-US" sz="2800" spc="-1" strike="noStrike">
                 <a:solidFill>
                   <a:srgbClr val="000000"/>
                 </a:solidFill>
@@ -4580,7 +4592,7 @@
               </a:rPr>
               <a:t>Second Outline Level</a:t>
             </a:r>
-            <a:endParaRPr b="0" lang="en-US" sz="1800" spc="-1" strike="noStrike">
+            <a:endParaRPr b="0" lang="en-US" sz="2800" spc="-1" strike="noStrike">
               <a:solidFill>
                 <a:srgbClr val="000000"/>
               </a:solidFill>
@@ -4602,7 +4614,7 @@
               <a:buChar char=""/>
             </a:pPr>
             <a:r>
-              <a:rPr b="0" lang="en-US" sz="1800" spc="-1" strike="noStrike">
+              <a:rPr b="0" lang="en-US" sz="2400" spc="-1" strike="noStrike">
                 <a:solidFill>
                   <a:srgbClr val="000000"/>
                 </a:solidFill>
@@ -4615,7 +4627,7 @@
               </a:rPr>
               <a:t>Third Outline Level</a:t>
             </a:r>
-            <a:endParaRPr b="0" lang="en-US" sz="1800" spc="-1" strike="noStrike">
+            <a:endParaRPr b="0" lang="en-US" sz="2400" spc="-1" strike="noStrike">
               <a:solidFill>
                 <a:srgbClr val="000000"/>
               </a:solidFill>
@@ -4637,7 +4649,7 @@
               <a:buChar char=""/>
             </a:pPr>
             <a:r>
-              <a:rPr b="0" lang="en-US" sz="1800" spc="-1" strike="noStrike">
+              <a:rPr b="0" lang="en-US" sz="2000" spc="-1" strike="noStrike">
                 <a:solidFill>
                   <a:srgbClr val="000000"/>
                 </a:solidFill>
@@ -4650,7 +4662,7 @@
               </a:rPr>
               <a:t>Fourth Outline Level</a:t>
             </a:r>
-            <a:endParaRPr b="0" lang="en-US" sz="1800" spc="-1" strike="noStrike">
+            <a:endParaRPr b="0" lang="en-US" sz="2000" spc="-1" strike="noStrike">
               <a:solidFill>
                 <a:srgbClr val="000000"/>
               </a:solidFill>
@@ -4672,7 +4684,7 @@
               <a:buChar char=""/>
             </a:pPr>
             <a:r>
-              <a:rPr b="0" lang="en-US" sz="1800" spc="-1" strike="noStrike">
+              <a:rPr b="0" lang="en-US" sz="2000" spc="-1" strike="noStrike">
                 <a:solidFill>
                   <a:srgbClr val="000000"/>
                 </a:solidFill>
@@ -4685,7 +4697,7 @@
               </a:rPr>
               <a:t>Fifth Outline Level</a:t>
             </a:r>
-            <a:endParaRPr b="0" lang="en-US" sz="1800" spc="-1" strike="noStrike">
+            <a:endParaRPr b="0" lang="en-US" sz="2000" spc="-1" strike="noStrike">
               <a:solidFill>
                 <a:srgbClr val="000000"/>
               </a:solidFill>
@@ -4707,7 +4719,7 @@
               <a:buChar char=""/>
             </a:pPr>
             <a:r>
-              <a:rPr b="0" lang="en-US" sz="1800" spc="-1" strike="noStrike">
+              <a:rPr b="0" lang="en-US" sz="2000" spc="-1" strike="noStrike">
                 <a:solidFill>
                   <a:srgbClr val="000000"/>
                 </a:solidFill>
@@ -4720,7 +4732,7 @@
               </a:rPr>
               <a:t>Sixth Outline Level</a:t>
             </a:r>
-            <a:endParaRPr b="0" lang="en-US" sz="1800" spc="-1" strike="noStrike">
+            <a:endParaRPr b="0" lang="en-US" sz="2000" spc="-1" strike="noStrike">
               <a:solidFill>
                 <a:srgbClr val="000000"/>
               </a:solidFill>
@@ -4742,7 +4754,7 @@
               <a:buChar char=""/>
             </a:pPr>
             <a:r>
-              <a:rPr b="0" lang="en-US" sz="1800" spc="-1" strike="noStrike">
+              <a:rPr b="0" lang="en-US" sz="2000" spc="-1" strike="noStrike">
                 <a:solidFill>
                   <a:srgbClr val="000000"/>
                 </a:solidFill>
@@ -4755,7 +4767,7 @@
               </a:rPr>
               <a:t>Seventh Outline Level</a:t>
             </a:r>
-            <a:endParaRPr b="0" lang="en-US" sz="1800" spc="-1" strike="noStrike">
+            <a:endParaRPr b="0" lang="en-US" sz="2000" spc="-1" strike="noStrike">
               <a:solidFill>
                 <a:srgbClr val="000000"/>
               </a:solidFill>
@@ -5733,33 +5745,6 @@
       </p:sp>
     </p:spTree>
   </p:cSld>
-  <p:timing>
-    <p:tnLst>
-      <p:par>
-        <p:cTn id="1" dur="indefinite" restart="never" nodeType="tmRoot">
-          <p:childTnLst>
-            <p:seq>
-              <p:cTn id="2" nodeType="mainSeq"/>
-              <p:prevCondLst>
-                <p:cond delay="0" evt="onPrev">
-                  <p:tgtEl>
-                    <p:sldTgt/>
-                  </p:tgtEl>
-                </p:cond>
-              </p:prevCondLst>
-              <p:nextCondLst>
-                <p:cond delay="0" evt="onNext">
-                  <p:tgtEl>
-                    <p:sldTgt/>
-                  </p:tgtEl>
-                </p:cond>
-              </p:nextCondLst>
-            </p:seq>
-          </p:childTnLst>
-        </p:cTn>
-      </p:par>
-    </p:tnLst>
-  </p:timing>
 </p:sld>
 </file>
 
@@ -5782,14 +5767,14 @@
       </p:grpSpPr>
       <p:sp>
         <p:nvSpPr>
-          <p:cNvPr id="141" name="CustomShape 1"/>
-          <p:cNvSpPr/>
+          <p:cNvPr id="142" name="TextShape 1"/>
+          <p:cNvSpPr txBox="1"/>
           <p:nvPr/>
         </p:nvSpPr>
         <p:spPr>
           <a:xfrm>
             <a:off x="504000" y="301320"/>
-            <a:ext cx="9070560" cy="1261080"/>
+            <a:ext cx="9071640" cy="1261440"/>
           </a:xfrm>
           <a:prstGeom prst="rect">
             <a:avLst/>
@@ -5799,82 +5784,10 @@
             <a:noFill/>
           </a:ln>
         </p:spPr>
-        <p:style>
-          <a:lnRef idx="0"/>
-          <a:fillRef idx="0"/>
-          <a:effectRef idx="0"/>
-          <a:fontRef idx="minor"/>
-        </p:style>
         <p:txBody>
           <a:bodyPr lIns="0" rIns="0" tIns="0" bIns="0" anchor="ctr"/>
           <a:p>
-            <a:pPr algn="ctr">
-              <a:lnSpc>
-                <a:spcPct val="100000"/>
-              </a:lnSpc>
-            </a:pPr>
-            <a:r>
-              <a:rPr b="0" lang="en-US" sz="4400" spc="-1" strike="noStrike">
-                <a:solidFill>
-                  <a:srgbClr val="000000"/>
-                </a:solidFill>
-                <a:uFill>
-                  <a:solidFill>
-                    <a:srgbClr val="ffffff"/>
-                  </a:solidFill>
-                </a:uFill>
-                <a:latin typeface="Arial"/>
-                <a:ea typeface="DejaVu Sans"/>
-              </a:rPr>
-              <a:t>非监督学习</a:t>
-            </a:r>
-            <a:endParaRPr b="0" lang="en-US" sz="1800" spc="-1" strike="noStrike">
-              <a:solidFill>
-                <a:srgbClr val="000000"/>
-              </a:solidFill>
-              <a:uFill>
-                <a:solidFill>
-                  <a:srgbClr val="ffffff"/>
-                </a:solidFill>
-              </a:uFill>
-              <a:latin typeface="Arial"/>
-            </a:endParaRPr>
-          </a:p>
-        </p:txBody>
-      </p:sp>
-      <p:sp>
-        <p:nvSpPr>
-          <p:cNvPr id="142" name="CustomShape 2"/>
-          <p:cNvSpPr/>
-          <p:nvPr/>
-        </p:nvSpPr>
-        <p:spPr>
-          <a:xfrm>
-            <a:off x="504000" y="301320"/>
-            <a:ext cx="9071640" cy="1261440"/>
-          </a:xfrm>
-          <a:prstGeom prst="rect">
-            <a:avLst/>
-          </a:prstGeom>
-          <a:noFill/>
-          <a:ln>
-            <a:noFill/>
-          </a:ln>
-        </p:spPr>
-        <p:style>
-          <a:lnRef idx="0"/>
-          <a:fillRef idx="0"/>
-          <a:effectRef idx="0"/>
-          <a:fontRef idx="minor"/>
-        </p:style>
-        <p:txBody>
-          <a:bodyPr lIns="0" rIns="0" tIns="0" bIns="0" anchor="ctr"/>
-          <a:p>
-            <a:pPr algn="ctr">
-              <a:lnSpc>
-                <a:spcPct val="100000"/>
-              </a:lnSpc>
-            </a:pPr>
+            <a:pPr algn="ctr"/>
             <a:r>
               <a:rPr b="0" lang="en-US" sz="4400" spc="-1" strike="noStrike">
                 <a:solidFill>
@@ -5887,136 +5800,54 @@
                 </a:uFill>
                 <a:latin typeface="Arial"/>
               </a:rPr>
-              <a:t> </a:t>
+              <a:t>深度学习－１</a:t>
             </a:r>
-            <a:endParaRPr b="0" lang="en-US" sz="1800" spc="-1" strike="noStrike">
-              <a:solidFill>
-                <a:srgbClr val="000000"/>
-              </a:solidFill>
-              <a:uFill>
-                <a:solidFill>
-                  <a:srgbClr val="ffffff"/>
-                </a:solidFill>
-              </a:uFill>
-              <a:latin typeface="Arial"/>
-            </a:endParaRPr>
-          </a:p>
-        </p:txBody>
-      </p:sp>
-      <p:sp>
-        <p:nvSpPr>
-          <p:cNvPr id="143" name="CustomShape 3"/>
-          <p:cNvSpPr/>
+            <a:endParaRPr b="0" lang="en-US" sz="4400" spc="-1" strike="noStrike">
+              <a:solidFill>
+                <a:srgbClr val="000000"/>
+              </a:solidFill>
+              <a:uFill>
+                <a:solidFill>
+                  <a:srgbClr val="ffffff"/>
+                </a:solidFill>
+              </a:uFill>
+              <a:latin typeface="Arial"/>
+            </a:endParaRPr>
+          </a:p>
+        </p:txBody>
+      </p:sp>
+      <p:pic>
+        <p:nvPicPr>
+          <p:cNvPr id="143" name="" descr=""/>
+          <p:cNvPicPr/>
           <p:nvPr/>
-        </p:nvSpPr>
-        <p:spPr>
-          <a:xfrm>
-            <a:off x="504000" y="1768680"/>
-            <a:ext cx="9071640" cy="4383720"/>
-          </a:xfrm>
-          <a:prstGeom prst="rect">
-            <a:avLst/>
-          </a:prstGeom>
-          <a:noFill/>
+        </p:nvPicPr>
+        <p:blipFill>
+          <a:blip r:embed="rId1"/>
+          <a:stretch/>
+        </p:blipFill>
+        <p:spPr>
+          <a:xfrm>
+            <a:off x="2032200" y="1768680"/>
+            <a:ext cx="6015240" cy="4384080"/>
+          </a:xfrm>
+          <a:prstGeom prst="rect">
+            <a:avLst/>
+          </a:prstGeom>
           <a:ln>
             <a:noFill/>
           </a:ln>
         </p:spPr>
-        <p:style>
-          <a:lnRef idx="0"/>
-          <a:fillRef idx="0"/>
-          <a:effectRef idx="0"/>
-          <a:fontRef idx="minor"/>
-        </p:style>
-        <p:txBody>
-          <a:bodyPr lIns="0" rIns="0" tIns="0" bIns="0" anchor="ctr"/>
-          <a:p>
-            <a:pPr marL="216000" indent="-215640">
-              <a:lnSpc>
-                <a:spcPct val="100000"/>
-              </a:lnSpc>
-              <a:buClr>
-                <a:srgbClr val="000000"/>
-              </a:buClr>
-              <a:buSzPct val="45000"/>
-              <a:buFont typeface="Wingdings" charset="2"/>
-              <a:buChar char=""/>
-            </a:pPr>
-            <a:r>
-              <a:rPr b="0" lang="en-US" sz="3200" spc="-1" strike="noStrike">
-                <a:solidFill>
-                  <a:srgbClr val="000000"/>
-                </a:solidFill>
-                <a:uFill>
-                  <a:solidFill>
-                    <a:srgbClr val="ffffff"/>
-                  </a:solidFill>
-                </a:uFill>
-                <a:latin typeface="Arial"/>
-              </a:rPr>
-              <a:t>聚类</a:t>
-            </a:r>
-            <a:endParaRPr b="0" lang="en-US" sz="1800" spc="-1" strike="noStrike">
-              <a:solidFill>
-                <a:srgbClr val="000000"/>
-              </a:solidFill>
-              <a:uFill>
-                <a:solidFill>
-                  <a:srgbClr val="ffffff"/>
-                </a:solidFill>
-              </a:uFill>
-              <a:latin typeface="Arial"/>
-            </a:endParaRPr>
-          </a:p>
-          <a:p>
-            <a:pPr marL="216000" indent="-215640">
-              <a:lnSpc>
-                <a:spcPct val="100000"/>
-              </a:lnSpc>
-              <a:buClr>
-                <a:srgbClr val="000000"/>
-              </a:buClr>
-              <a:buSzPct val="45000"/>
-              <a:buFont typeface="Wingdings" charset="2"/>
-              <a:buChar char=""/>
-            </a:pPr>
-            <a:r>
-              <a:rPr b="0" lang="en-US" sz="3200" spc="-1" strike="noStrike">
-                <a:solidFill>
-                  <a:srgbClr val="000000"/>
-                </a:solidFill>
-                <a:uFill>
-                  <a:solidFill>
-                    <a:srgbClr val="ffffff"/>
-                  </a:solidFill>
-                </a:uFill>
-                <a:latin typeface="Arial"/>
-              </a:rPr>
-              <a:t>ＰＣＡ</a:t>
-            </a:r>
-            <a:endParaRPr b="0" lang="en-US" sz="1800" spc="-1" strike="noStrike">
-              <a:solidFill>
-                <a:srgbClr val="000000"/>
-              </a:solidFill>
-              <a:uFill>
-                <a:solidFill>
-                  <a:srgbClr val="ffffff"/>
-                </a:solidFill>
-              </a:uFill>
-              <a:latin typeface="Arial"/>
-            </a:endParaRPr>
-          </a:p>
-        </p:txBody>
-      </p:sp>
+      </p:pic>
     </p:spTree>
   </p:cSld>
   <p:timing>
     <p:tnLst>
       <p:par>
-        <p:cTn id="19" dur="indefinite" restart="never" nodeType="tmRoot">
+        <p:cTn id="5" dur="indefinite" restart="never" nodeType="tmRoot">
           <p:childTnLst>
             <p:seq>
-              <p:cTn id="20" nodeType="mainSeq"/>
+              <p:cTn id="6" nodeType="mainSeq"/>
               <p:prevCondLst>
                 <p:cond delay="0" evt="onPrev">
                   <p:tgtEl>
@@ -6059,14 +5890,14 @@
       </p:grpSpPr>
       <p:sp>
         <p:nvSpPr>
-          <p:cNvPr id="144" name="CustomShape 1"/>
-          <p:cNvSpPr/>
+          <p:cNvPr id="144" name="TextShape 1"/>
+          <p:cNvSpPr txBox="1"/>
           <p:nvPr/>
         </p:nvSpPr>
         <p:spPr>
           <a:xfrm>
             <a:off x="504000" y="301320"/>
-            <a:ext cx="9070560" cy="1261080"/>
+            <a:ext cx="9071640" cy="1261440"/>
           </a:xfrm>
           <a:prstGeom prst="rect">
             <a:avLst/>
@@ -6076,20 +5907,10 @@
             <a:noFill/>
           </a:ln>
         </p:spPr>
-        <p:style>
-          <a:lnRef idx="0"/>
-          <a:fillRef idx="0"/>
-          <a:effectRef idx="0"/>
-          <a:fontRef idx="minor"/>
-        </p:style>
         <p:txBody>
           <a:bodyPr lIns="0" rIns="0" tIns="0" bIns="0" anchor="ctr"/>
           <a:p>
-            <a:pPr algn="ctr">
-              <a:lnSpc>
-                <a:spcPct val="100000"/>
-              </a:lnSpc>
-            </a:pPr>
+            <a:pPr algn="ctr"/>
             <a:r>
               <a:rPr b="0" lang="en-US" sz="4400" spc="-1" strike="noStrike">
                 <a:solidFill>
@@ -6101,11 +5922,10 @@
                   </a:solidFill>
                 </a:uFill>
                 <a:latin typeface="Arial"/>
-                <a:ea typeface="DejaVu Sans"/>
               </a:rPr>
-              <a:t>Logistic regression</a:t>
+              <a:t>模型</a:t>
             </a:r>
-            <a:endParaRPr b="0" lang="en-US" sz="1800" spc="-1" strike="noStrike">
+            <a:endParaRPr b="0" lang="en-US" sz="4400" spc="-1" strike="noStrike">
               <a:solidFill>
                 <a:srgbClr val="000000"/>
               </a:solidFill>
@@ -6131,31 +5951,8 @@
         </p:blipFill>
         <p:spPr>
           <a:xfrm>
-            <a:off x="2011680" y="2471400"/>
-            <a:ext cx="5228280" cy="1094400"/>
-          </a:xfrm>
-          <a:prstGeom prst="rect">
-            <a:avLst/>
-          </a:prstGeom>
-          <a:ln>
-            <a:noFill/>
-          </a:ln>
-        </p:spPr>
-      </p:pic>
-      <p:pic>
-        <p:nvPicPr>
-          <p:cNvPr id="146" name="" descr=""/>
-          <p:cNvPicPr/>
-          <p:nvPr/>
-        </p:nvPicPr>
-        <p:blipFill>
-          <a:blip r:embed="rId2"/>
-          <a:stretch/>
-        </p:blipFill>
-        <p:spPr>
-          <a:xfrm>
-            <a:off x="2707560" y="3776400"/>
-            <a:ext cx="3875760" cy="2532600"/>
+            <a:off x="522720" y="2252880"/>
+            <a:ext cx="9072000" cy="3042360"/>
           </a:xfrm>
           <a:prstGeom prst="rect">
             <a:avLst/>
@@ -6170,10 +5967,10 @@
   <p:timing>
     <p:tnLst>
       <p:par>
-        <p:cTn id="21" dur="indefinite" restart="never" nodeType="tmRoot">
+        <p:cTn id="7" dur="indefinite" restart="never" nodeType="tmRoot">
           <p:childTnLst>
             <p:seq>
-              <p:cTn id="22" nodeType="mainSeq"/>
+              <p:cTn id="8" nodeType="mainSeq"/>
               <p:prevCondLst>
                 <p:cond delay="0" evt="onPrev">
                   <p:tgtEl>
@@ -6216,14 +6013,14 @@
       </p:grpSpPr>
       <p:sp>
         <p:nvSpPr>
-          <p:cNvPr id="147" name="CustomShape 1"/>
-          <p:cNvSpPr/>
+          <p:cNvPr id="146" name="TextShape 1"/>
+          <p:cNvSpPr txBox="1"/>
           <p:nvPr/>
         </p:nvSpPr>
         <p:spPr>
           <a:xfrm>
             <a:off x="504000" y="301320"/>
-            <a:ext cx="9070560" cy="1261080"/>
+            <a:ext cx="9071640" cy="1261440"/>
           </a:xfrm>
           <a:prstGeom prst="rect">
             <a:avLst/>
@@ -6233,20 +6030,10 @@
             <a:noFill/>
           </a:ln>
         </p:spPr>
-        <p:style>
-          <a:lnRef idx="0"/>
-          <a:fillRef idx="0"/>
-          <a:effectRef idx="0"/>
-          <a:fontRef idx="minor"/>
-        </p:style>
         <p:txBody>
           <a:bodyPr lIns="0" rIns="0" tIns="0" bIns="0" anchor="ctr"/>
           <a:p>
-            <a:pPr algn="ctr">
-              <a:lnSpc>
-                <a:spcPct val="100000"/>
-              </a:lnSpc>
-            </a:pPr>
+            <a:pPr algn="ctr"/>
             <a:r>
               <a:rPr b="0" lang="en-US" sz="4400" spc="-1" strike="noStrike">
                 <a:solidFill>
@@ -6258,9 +6045,104 @@
                   </a:solidFill>
                 </a:uFill>
                 <a:latin typeface="Arial"/>
-                <a:ea typeface="DejaVu Sans"/>
               </a:rPr>
-              <a:t>Logistic regression</a:t>
+              <a:t>神经网络－１</a:t>
+            </a:r>
+            <a:endParaRPr b="0" lang="en-US" sz="4400" spc="-1" strike="noStrike">
+              <a:solidFill>
+                <a:srgbClr val="000000"/>
+              </a:solidFill>
+              <a:uFill>
+                <a:solidFill>
+                  <a:srgbClr val="ffffff"/>
+                </a:solidFill>
+              </a:uFill>
+              <a:latin typeface="Arial"/>
+            </a:endParaRPr>
+          </a:p>
+        </p:txBody>
+      </p:sp>
+      <p:pic>
+        <p:nvPicPr>
+          <p:cNvPr id="147" name="" descr=""/>
+          <p:cNvPicPr/>
+          <p:nvPr/>
+        </p:nvPicPr>
+        <p:blipFill>
+          <a:blip r:embed="rId1"/>
+          <a:stretch/>
+        </p:blipFill>
+        <p:spPr>
+          <a:xfrm>
+            <a:off x="1280160" y="1671840"/>
+            <a:ext cx="9072000" cy="2651760"/>
+          </a:xfrm>
+          <a:prstGeom prst="rect">
+            <a:avLst/>
+          </a:prstGeom>
+          <a:ln>
+            <a:noFill/>
+          </a:ln>
+        </p:spPr>
+      </p:pic>
+      <p:pic>
+        <p:nvPicPr>
+          <p:cNvPr id="148" name="" descr=""/>
+          <p:cNvPicPr/>
+          <p:nvPr/>
+        </p:nvPicPr>
+        <p:blipFill>
+          <a:blip r:embed="rId2"/>
+          <a:stretch/>
+        </p:blipFill>
+        <p:spPr>
+          <a:xfrm>
+            <a:off x="2777760" y="4754880"/>
+            <a:ext cx="3257280" cy="418680"/>
+          </a:xfrm>
+          <a:prstGeom prst="rect">
+            <a:avLst/>
+          </a:prstGeom>
+          <a:ln>
+            <a:noFill/>
+          </a:ln>
+        </p:spPr>
+      </p:pic>
+      <p:sp>
+        <p:nvSpPr>
+          <p:cNvPr id="149" name="TextShape 2"/>
+          <p:cNvSpPr txBox="1"/>
+          <p:nvPr/>
+        </p:nvSpPr>
+        <p:spPr>
+          <a:xfrm>
+            <a:off x="1188720" y="4846320"/>
+            <a:ext cx="1554480" cy="428760"/>
+          </a:xfrm>
+          <a:prstGeom prst="rect">
+            <a:avLst/>
+          </a:prstGeom>
+          <a:noFill/>
+          <a:ln>
+            <a:noFill/>
+          </a:ln>
+        </p:spPr>
+        <p:txBody>
+          <a:bodyPr lIns="90000" rIns="90000" tIns="45000" bIns="45000"/>
+          <a:p>
+            <a:r>
+              <a:rPr b="0" lang="en-US" sz="1800" spc="-1" strike="noStrike">
+                <a:solidFill>
+                  <a:srgbClr val="000000"/>
+                </a:solidFill>
+                <a:uFill>
+                  <a:solidFill>
+                    <a:srgbClr val="ffffff"/>
+                  </a:solidFill>
+                </a:uFill>
+                <a:latin typeface="Arial"/>
+              </a:rPr>
+              <a:t>目标函数：</a:t>
             </a:r>
             <a:endParaRPr b="0" lang="en-US" sz="1800" spc="-1" strike="noStrike">
               <a:solidFill>
@@ -6276,6 +6158,1113 @@
           </a:p>
         </p:txBody>
       </p:sp>
+      <p:pic>
+        <p:nvPicPr>
+          <p:cNvPr id="150" name="" descr=""/>
+          <p:cNvPicPr/>
+          <p:nvPr/>
+        </p:nvPicPr>
+        <p:blipFill>
+          <a:blip r:embed="rId3"/>
+          <a:stretch/>
+        </p:blipFill>
+        <p:spPr>
+          <a:xfrm>
+            <a:off x="2976120" y="5394960"/>
+            <a:ext cx="3333240" cy="571320"/>
+          </a:xfrm>
+          <a:prstGeom prst="rect">
+            <a:avLst/>
+          </a:prstGeom>
+          <a:ln>
+            <a:noFill/>
+          </a:ln>
+        </p:spPr>
+      </p:pic>
+      <p:sp>
+        <p:nvSpPr>
+          <p:cNvPr id="151" name="TextShape 3"/>
+          <p:cNvSpPr txBox="1"/>
+          <p:nvPr/>
+        </p:nvSpPr>
+        <p:spPr>
+          <a:xfrm>
+            <a:off x="1097280" y="5486400"/>
+            <a:ext cx="1463040" cy="548640"/>
+          </a:xfrm>
+          <a:prstGeom prst="rect">
+            <a:avLst/>
+          </a:prstGeom>
+          <a:noFill/>
+          <a:ln>
+            <a:noFill/>
+          </a:ln>
+        </p:spPr>
+        <p:txBody>
+          <a:bodyPr lIns="90000" rIns="90000" tIns="45000" bIns="45000"/>
+          <a:p>
+            <a:r>
+              <a:rPr b="0" lang="en-US" sz="1800" spc="-1" strike="noStrike">
+                <a:solidFill>
+                  <a:srgbClr val="000000"/>
+                </a:solidFill>
+                <a:uFill>
+                  <a:solidFill>
+                    <a:srgbClr val="ffffff"/>
+                  </a:solidFill>
+                </a:uFill>
+                <a:latin typeface="Arial"/>
+              </a:rPr>
+              <a:t>激活函数：</a:t>
+            </a:r>
+            <a:endParaRPr b="0" lang="en-US" sz="1800" spc="-1" strike="noStrike">
+              <a:solidFill>
+                <a:srgbClr val="000000"/>
+              </a:solidFill>
+              <a:uFill>
+                <a:solidFill>
+                  <a:srgbClr val="ffffff"/>
+                </a:solidFill>
+              </a:uFill>
+              <a:latin typeface="Arial"/>
+            </a:endParaRPr>
+          </a:p>
+        </p:txBody>
+      </p:sp>
+    </p:spTree>
+  </p:cSld>
+  <p:timing>
+    <p:tnLst>
+      <p:par>
+        <p:cTn id="9" dur="indefinite" restart="never" nodeType="tmRoot">
+          <p:childTnLst>
+            <p:seq>
+              <p:cTn id="10" nodeType="mainSeq"/>
+              <p:prevCondLst>
+                <p:cond delay="0" evt="onPrev">
+                  <p:tgtEl>
+                    <p:sldTgt/>
+                  </p:tgtEl>
+                </p:cond>
+              </p:prevCondLst>
+              <p:nextCondLst>
+                <p:cond delay="0" evt="onNext">
+                  <p:tgtEl>
+                    <p:sldTgt/>
+                  </p:tgtEl>
+                </p:cond>
+              </p:nextCondLst>
+            </p:seq>
+          </p:childTnLst>
+        </p:cTn>
+      </p:par>
+    </p:tnLst>
+  </p:timing>
+</p:sld>
+</file>
+
+<file path=ppt/slides/slide13.xml><?xml version="1.0" encoding="utf-8"?>
+<p:sld xmlns:a="http://schemas.openxmlformats.org/drawingml/2006/main" xmlns:p="http://schemas.openxmlformats.org/presentationml/2006/main" xmlns:r="http://schemas.openxmlformats.org/officeDocument/2006/relationships" xmlns:p14="http://schemas.microsoft.com/office/powerpoint/2010/main" xmlns:p15="http://schemas.microsoft.com/office/powerpoint/2012/main" xmlns:mc="http://schemas.openxmlformats.org/markup-compatibility/2006">
+  <p:cSld>
+    <p:spTree>
+      <p:nvGrpSpPr>
+        <p:cNvPr id="1" name=""/>
+        <p:cNvGrpSpPr/>
+        <p:nvPr/>
+      </p:nvGrpSpPr>
+      <p:grpSpPr>
+        <a:xfrm>
+          <a:off x="0" y="0"/>
+          <a:ext cx="0" cy="0"/>
+          <a:chOff x="0" y="0"/>
+          <a:chExt cx="0" cy="0"/>
+        </a:xfrm>
+      </p:grpSpPr>
+      <p:sp>
+        <p:nvSpPr>
+          <p:cNvPr id="152" name="TextShape 1"/>
+          <p:cNvSpPr txBox="1"/>
+          <p:nvPr/>
+        </p:nvSpPr>
+        <p:spPr>
+          <a:xfrm>
+            <a:off x="504000" y="301320"/>
+            <a:ext cx="9071640" cy="1261440"/>
+          </a:xfrm>
+          <a:prstGeom prst="rect">
+            <a:avLst/>
+          </a:prstGeom>
+          <a:noFill/>
+          <a:ln>
+            <a:noFill/>
+          </a:ln>
+        </p:spPr>
+        <p:txBody>
+          <a:bodyPr lIns="0" rIns="0" tIns="0" bIns="0" anchor="ctr"/>
+          <a:p>
+            <a:pPr algn="ctr"/>
+            <a:r>
+              <a:rPr b="0" lang="en-US" sz="4400" spc="-1" strike="noStrike">
+                <a:solidFill>
+                  <a:srgbClr val="000000"/>
+                </a:solidFill>
+                <a:uFill>
+                  <a:solidFill>
+                    <a:srgbClr val="ffffff"/>
+                  </a:solidFill>
+                </a:uFill>
+                <a:latin typeface="Arial"/>
+              </a:rPr>
+              <a:t>神经网络－２</a:t>
+            </a:r>
+            <a:endParaRPr b="0" lang="en-US" sz="4400" spc="-1" strike="noStrike">
+              <a:solidFill>
+                <a:srgbClr val="000000"/>
+              </a:solidFill>
+              <a:uFill>
+                <a:solidFill>
+                  <a:srgbClr val="ffffff"/>
+                </a:solidFill>
+              </a:uFill>
+              <a:latin typeface="Arial"/>
+            </a:endParaRPr>
+          </a:p>
+        </p:txBody>
+      </p:sp>
+      <p:pic>
+        <p:nvPicPr>
+          <p:cNvPr id="153" name="" descr=""/>
+          <p:cNvPicPr/>
+          <p:nvPr/>
+        </p:nvPicPr>
+        <p:blipFill>
+          <a:blip r:embed="rId1"/>
+          <a:stretch/>
+        </p:blipFill>
+        <p:spPr>
+          <a:xfrm>
+            <a:off x="548640" y="2560320"/>
+            <a:ext cx="9072000" cy="3159000"/>
+          </a:xfrm>
+          <a:prstGeom prst="rect">
+            <a:avLst/>
+          </a:prstGeom>
+          <a:ln>
+            <a:noFill/>
+          </a:ln>
+        </p:spPr>
+      </p:pic>
+      <p:sp>
+        <p:nvSpPr>
+          <p:cNvPr id="154" name="TextShape 2"/>
+          <p:cNvSpPr txBox="1"/>
+          <p:nvPr/>
+        </p:nvSpPr>
+        <p:spPr>
+          <a:xfrm>
+            <a:off x="1097280" y="1737360"/>
+            <a:ext cx="1280160" cy="346320"/>
+          </a:xfrm>
+          <a:prstGeom prst="rect">
+            <a:avLst/>
+          </a:prstGeom>
+          <a:noFill/>
+          <a:ln>
+            <a:noFill/>
+          </a:ln>
+        </p:spPr>
+        <p:txBody>
+          <a:bodyPr lIns="90000" rIns="90000" tIns="45000" bIns="45000"/>
+          <a:p>
+            <a:r>
+              <a:rPr b="0" lang="en-US" sz="1800" spc="-1" strike="noStrike">
+                <a:solidFill>
+                  <a:srgbClr val="000000"/>
+                </a:solidFill>
+                <a:uFill>
+                  <a:solidFill>
+                    <a:srgbClr val="ffffff"/>
+                  </a:solidFill>
+                </a:uFill>
+                <a:latin typeface="Arial"/>
+              </a:rPr>
+              <a:t>Sigmoid:</a:t>
+            </a:r>
+            <a:endParaRPr b="0" lang="en-US" sz="1800" spc="-1" strike="noStrike">
+              <a:solidFill>
+                <a:srgbClr val="000000"/>
+              </a:solidFill>
+              <a:uFill>
+                <a:solidFill>
+                  <a:srgbClr val="ffffff"/>
+                </a:solidFill>
+              </a:uFill>
+              <a:latin typeface="Arial"/>
+            </a:endParaRPr>
+          </a:p>
+        </p:txBody>
+      </p:sp>
+      <p:sp>
+        <p:nvSpPr>
+          <p:cNvPr id="155" name="TextShape 3"/>
+          <p:cNvSpPr txBox="1"/>
+          <p:nvPr/>
+        </p:nvSpPr>
+        <p:spPr>
+          <a:xfrm>
+            <a:off x="6126480" y="1645920"/>
+            <a:ext cx="1463040" cy="346320"/>
+          </a:xfrm>
+          <a:prstGeom prst="rect">
+            <a:avLst/>
+          </a:prstGeom>
+          <a:noFill/>
+          <a:ln>
+            <a:noFill/>
+          </a:ln>
+        </p:spPr>
+        <p:txBody>
+          <a:bodyPr lIns="90000" rIns="90000" tIns="45000" bIns="45000"/>
+          <a:p>
+            <a:r>
+              <a:rPr b="0" lang="en-US" sz="1800" spc="-1" strike="noStrike">
+                <a:solidFill>
+                  <a:srgbClr val="000000"/>
+                </a:solidFill>
+                <a:uFill>
+                  <a:solidFill>
+                    <a:srgbClr val="ffffff"/>
+                  </a:solidFill>
+                </a:uFill>
+                <a:latin typeface="Arial"/>
+              </a:rPr>
+              <a:t>Tanh:</a:t>
+            </a:r>
+            <a:endParaRPr b="0" lang="en-US" sz="1800" spc="-1" strike="noStrike">
+              <a:solidFill>
+                <a:srgbClr val="000000"/>
+              </a:solidFill>
+              <a:uFill>
+                <a:solidFill>
+                  <a:srgbClr val="ffffff"/>
+                </a:solidFill>
+              </a:uFill>
+              <a:latin typeface="Arial"/>
+            </a:endParaRPr>
+          </a:p>
+        </p:txBody>
+      </p:sp>
+    </p:spTree>
+  </p:cSld>
+  <p:timing>
+    <p:tnLst>
+      <p:par>
+        <p:cTn id="11" dur="indefinite" restart="never" nodeType="tmRoot">
+          <p:childTnLst>
+            <p:seq>
+              <p:cTn id="12" nodeType="mainSeq"/>
+              <p:prevCondLst>
+                <p:cond delay="0" evt="onPrev">
+                  <p:tgtEl>
+                    <p:sldTgt/>
+                  </p:tgtEl>
+                </p:cond>
+              </p:prevCondLst>
+              <p:nextCondLst>
+                <p:cond delay="0" evt="onNext">
+                  <p:tgtEl>
+                    <p:sldTgt/>
+                  </p:tgtEl>
+                </p:cond>
+              </p:nextCondLst>
+            </p:seq>
+          </p:childTnLst>
+        </p:cTn>
+      </p:par>
+    </p:tnLst>
+  </p:timing>
+</p:sld>
+</file>
+
+<file path=ppt/slides/slide14.xml><?xml version="1.0" encoding="utf-8"?>
+<p:sld xmlns:a="http://schemas.openxmlformats.org/drawingml/2006/main" xmlns:p="http://schemas.openxmlformats.org/presentationml/2006/main" xmlns:r="http://schemas.openxmlformats.org/officeDocument/2006/relationships" xmlns:p14="http://schemas.microsoft.com/office/powerpoint/2010/main" xmlns:p15="http://schemas.microsoft.com/office/powerpoint/2012/main" xmlns:mc="http://schemas.openxmlformats.org/markup-compatibility/2006">
+  <p:cSld>
+    <p:spTree>
+      <p:nvGrpSpPr>
+        <p:cNvPr id="1" name=""/>
+        <p:cNvGrpSpPr/>
+        <p:nvPr/>
+      </p:nvGrpSpPr>
+      <p:grpSpPr>
+        <a:xfrm>
+          <a:off x="0" y="0"/>
+          <a:ext cx="0" cy="0"/>
+          <a:chOff x="0" y="0"/>
+          <a:chExt cx="0" cy="0"/>
+        </a:xfrm>
+      </p:grpSpPr>
+      <p:sp>
+        <p:nvSpPr>
+          <p:cNvPr id="156" name="TextShape 1"/>
+          <p:cNvSpPr txBox="1"/>
+          <p:nvPr/>
+        </p:nvSpPr>
+        <p:spPr>
+          <a:xfrm>
+            <a:off x="504000" y="301320"/>
+            <a:ext cx="9071640" cy="1261440"/>
+          </a:xfrm>
+          <a:prstGeom prst="rect">
+            <a:avLst/>
+          </a:prstGeom>
+          <a:noFill/>
+          <a:ln>
+            <a:noFill/>
+          </a:ln>
+        </p:spPr>
+        <p:txBody>
+          <a:bodyPr lIns="0" rIns="0" tIns="0" bIns="0" anchor="ctr"/>
+          <a:p>
+            <a:pPr algn="ctr"/>
+            <a:r>
+              <a:rPr b="0" lang="en-US" sz="4400" spc="-1" strike="noStrike">
+                <a:solidFill>
+                  <a:srgbClr val="000000"/>
+                </a:solidFill>
+                <a:uFill>
+                  <a:solidFill>
+                    <a:srgbClr val="ffffff"/>
+                  </a:solidFill>
+                </a:uFill>
+                <a:latin typeface="Arial"/>
+              </a:rPr>
+              <a:t>神经网络－</a:t>
+            </a:r>
+            <a:r>
+              <a:rPr b="0" lang="en-US" sz="4400" spc="-1" strike="noStrike">
+                <a:solidFill>
+                  <a:srgbClr val="000000"/>
+                </a:solidFill>
+                <a:uFill>
+                  <a:solidFill>
+                    <a:srgbClr val="ffffff"/>
+                  </a:solidFill>
+                </a:uFill>
+                <a:latin typeface="Arial"/>
+              </a:rPr>
+              <a:t>Relu</a:t>
+            </a:r>
+            <a:endParaRPr b="0" lang="en-US" sz="4400" spc="-1" strike="noStrike">
+              <a:solidFill>
+                <a:srgbClr val="000000"/>
+              </a:solidFill>
+              <a:uFill>
+                <a:solidFill>
+                  <a:srgbClr val="ffffff"/>
+                </a:solidFill>
+              </a:uFill>
+              <a:latin typeface="Arial"/>
+            </a:endParaRPr>
+          </a:p>
+        </p:txBody>
+      </p:sp>
+      <p:pic>
+        <p:nvPicPr>
+          <p:cNvPr id="157" name="" descr=""/>
+          <p:cNvPicPr/>
+          <p:nvPr/>
+        </p:nvPicPr>
+        <p:blipFill>
+          <a:blip r:embed="rId1"/>
+          <a:stretch/>
+        </p:blipFill>
+        <p:spPr>
+          <a:xfrm>
+            <a:off x="1053720" y="1768680"/>
+            <a:ext cx="7972560" cy="4384080"/>
+          </a:xfrm>
+          <a:prstGeom prst="rect">
+            <a:avLst/>
+          </a:prstGeom>
+          <a:ln>
+            <a:noFill/>
+          </a:ln>
+        </p:spPr>
+      </p:pic>
+      <p:pic>
+        <p:nvPicPr>
+          <p:cNvPr id="158" name="" descr=""/>
+          <p:cNvPicPr/>
+          <p:nvPr/>
+        </p:nvPicPr>
+        <p:blipFill>
+          <a:blip r:embed="rId2"/>
+          <a:stretch/>
+        </p:blipFill>
+        <p:spPr>
+          <a:xfrm>
+            <a:off x="912960" y="2194560"/>
+            <a:ext cx="3018960" cy="390240"/>
+          </a:xfrm>
+          <a:prstGeom prst="rect">
+            <a:avLst/>
+          </a:prstGeom>
+          <a:ln>
+            <a:noFill/>
+          </a:ln>
+        </p:spPr>
+      </p:pic>
+    </p:spTree>
+  </p:cSld>
+  <p:timing>
+    <p:tnLst>
+      <p:par>
+        <p:cTn id="13" dur="indefinite" restart="never" nodeType="tmRoot">
+          <p:childTnLst>
+            <p:seq>
+              <p:cTn id="14" nodeType="mainSeq"/>
+              <p:prevCondLst>
+                <p:cond delay="0" evt="onPrev">
+                  <p:tgtEl>
+                    <p:sldTgt/>
+                  </p:tgtEl>
+                </p:cond>
+              </p:prevCondLst>
+              <p:nextCondLst>
+                <p:cond delay="0" evt="onNext">
+                  <p:tgtEl>
+                    <p:sldTgt/>
+                  </p:tgtEl>
+                </p:cond>
+              </p:nextCondLst>
+            </p:seq>
+          </p:childTnLst>
+        </p:cTn>
+      </p:par>
+    </p:tnLst>
+  </p:timing>
+</p:sld>
+</file>
+
+<file path=ppt/slides/slide15.xml><?xml version="1.0" encoding="utf-8"?>
+<p:sld xmlns:a="http://schemas.openxmlformats.org/drawingml/2006/main" xmlns:p="http://schemas.openxmlformats.org/presentationml/2006/main" xmlns:r="http://schemas.openxmlformats.org/officeDocument/2006/relationships" xmlns:p14="http://schemas.microsoft.com/office/powerpoint/2010/main" xmlns:p15="http://schemas.microsoft.com/office/powerpoint/2012/main" xmlns:mc="http://schemas.openxmlformats.org/markup-compatibility/2006">
+  <p:cSld>
+    <p:spTree>
+      <p:nvGrpSpPr>
+        <p:cNvPr id="1" name=""/>
+        <p:cNvGrpSpPr/>
+        <p:nvPr/>
+      </p:nvGrpSpPr>
+      <p:grpSpPr>
+        <a:xfrm>
+          <a:off x="0" y="0"/>
+          <a:ext cx="0" cy="0"/>
+          <a:chOff x="0" y="0"/>
+          <a:chExt cx="0" cy="0"/>
+        </a:xfrm>
+      </p:grpSpPr>
+      <p:sp>
+        <p:nvSpPr>
+          <p:cNvPr id="159" name="TextShape 1"/>
+          <p:cNvSpPr txBox="1"/>
+          <p:nvPr/>
+        </p:nvSpPr>
+        <p:spPr>
+          <a:xfrm>
+            <a:off x="504000" y="301320"/>
+            <a:ext cx="9071640" cy="1261440"/>
+          </a:xfrm>
+          <a:prstGeom prst="rect">
+            <a:avLst/>
+          </a:prstGeom>
+          <a:noFill/>
+          <a:ln>
+            <a:noFill/>
+          </a:ln>
+        </p:spPr>
+        <p:txBody>
+          <a:bodyPr lIns="0" rIns="0" tIns="0" bIns="0" anchor="ctr"/>
+          <a:p>
+            <a:pPr algn="ctr"/>
+            <a:r>
+              <a:rPr b="0" lang="en-US" sz="4400" spc="-1" strike="noStrike">
+                <a:solidFill>
+                  <a:srgbClr val="000000"/>
+                </a:solidFill>
+                <a:uFill>
+                  <a:solidFill>
+                    <a:srgbClr val="ffffff"/>
+                  </a:solidFill>
+                </a:uFill>
+                <a:latin typeface="Arial"/>
+              </a:rPr>
+              <a:t>深度学习－３</a:t>
+            </a:r>
+            <a:endParaRPr b="0" lang="en-US" sz="4400" spc="-1" strike="noStrike">
+              <a:solidFill>
+                <a:srgbClr val="000000"/>
+              </a:solidFill>
+              <a:uFill>
+                <a:solidFill>
+                  <a:srgbClr val="ffffff"/>
+                </a:solidFill>
+              </a:uFill>
+              <a:latin typeface="Arial"/>
+            </a:endParaRPr>
+          </a:p>
+        </p:txBody>
+      </p:sp>
+      <p:pic>
+        <p:nvPicPr>
+          <p:cNvPr id="160" name="" descr=""/>
+          <p:cNvPicPr/>
+          <p:nvPr/>
+        </p:nvPicPr>
+        <p:blipFill>
+          <a:blip r:embed="rId1"/>
+          <a:stretch/>
+        </p:blipFill>
+        <p:spPr>
+          <a:xfrm>
+            <a:off x="1551600" y="1768680"/>
+            <a:ext cx="6976800" cy="4384080"/>
+          </a:xfrm>
+          <a:prstGeom prst="rect">
+            <a:avLst/>
+          </a:prstGeom>
+          <a:ln>
+            <a:noFill/>
+          </a:ln>
+        </p:spPr>
+      </p:pic>
+    </p:spTree>
+  </p:cSld>
+  <p:timing>
+    <p:tnLst>
+      <p:par>
+        <p:cTn id="15" dur="indefinite" restart="never" nodeType="tmRoot">
+          <p:childTnLst>
+            <p:seq>
+              <p:cTn id="16" nodeType="mainSeq"/>
+              <p:prevCondLst>
+                <p:cond delay="0" evt="onPrev">
+                  <p:tgtEl>
+                    <p:sldTgt/>
+                  </p:tgtEl>
+                </p:cond>
+              </p:prevCondLst>
+              <p:nextCondLst>
+                <p:cond delay="0" evt="onNext">
+                  <p:tgtEl>
+                    <p:sldTgt/>
+                  </p:tgtEl>
+                </p:cond>
+              </p:nextCondLst>
+            </p:seq>
+          </p:childTnLst>
+        </p:cTn>
+      </p:par>
+    </p:tnLst>
+  </p:timing>
+</p:sld>
+</file>
+
+<file path=ppt/slides/slide16.xml><?xml version="1.0" encoding="utf-8"?>
+<p:sld xmlns:a="http://schemas.openxmlformats.org/drawingml/2006/main" xmlns:p="http://schemas.openxmlformats.org/presentationml/2006/main" xmlns:r="http://schemas.openxmlformats.org/officeDocument/2006/relationships" xmlns:p14="http://schemas.microsoft.com/office/powerpoint/2010/main" xmlns:p15="http://schemas.microsoft.com/office/powerpoint/2012/main" xmlns:mc="http://schemas.openxmlformats.org/markup-compatibility/2006">
+  <p:cSld>
+    <p:spTree>
+      <p:nvGrpSpPr>
+        <p:cNvPr id="1" name=""/>
+        <p:cNvGrpSpPr/>
+        <p:nvPr/>
+      </p:nvGrpSpPr>
+      <p:grpSpPr>
+        <a:xfrm>
+          <a:off x="0" y="0"/>
+          <a:ext cx="0" cy="0"/>
+          <a:chOff x="0" y="0"/>
+          <a:chExt cx="0" cy="0"/>
+        </a:xfrm>
+      </p:grpSpPr>
+      <p:sp>
+        <p:nvSpPr>
+          <p:cNvPr id="161" name="TextShape 1"/>
+          <p:cNvSpPr txBox="1"/>
+          <p:nvPr/>
+        </p:nvSpPr>
+        <p:spPr>
+          <a:xfrm>
+            <a:off x="504000" y="301320"/>
+            <a:ext cx="9071640" cy="1261440"/>
+          </a:xfrm>
+          <a:prstGeom prst="rect">
+            <a:avLst/>
+          </a:prstGeom>
+          <a:noFill/>
+          <a:ln>
+            <a:noFill/>
+          </a:ln>
+        </p:spPr>
+        <p:txBody>
+          <a:bodyPr lIns="0" rIns="0" tIns="0" bIns="0" anchor="ctr"/>
+          <a:p>
+            <a:pPr algn="ctr"/>
+            <a:r>
+              <a:rPr b="0" lang="en-US" sz="4400" spc="-1" strike="noStrike">
+                <a:solidFill>
+                  <a:srgbClr val="000000"/>
+                </a:solidFill>
+                <a:uFill>
+                  <a:solidFill>
+                    <a:srgbClr val="ffffff"/>
+                  </a:solidFill>
+                </a:uFill>
+                <a:latin typeface="Arial"/>
+              </a:rPr>
+              <a:t>深度学习－损失评估</a:t>
+            </a:r>
+            <a:endParaRPr b="0" lang="en-US" sz="4400" spc="-1" strike="noStrike">
+              <a:solidFill>
+                <a:srgbClr val="000000"/>
+              </a:solidFill>
+              <a:uFill>
+                <a:solidFill>
+                  <a:srgbClr val="ffffff"/>
+                </a:solidFill>
+              </a:uFill>
+              <a:latin typeface="Arial"/>
+            </a:endParaRPr>
+          </a:p>
+        </p:txBody>
+      </p:sp>
+      <p:pic>
+        <p:nvPicPr>
+          <p:cNvPr id="162" name="" descr=""/>
+          <p:cNvPicPr/>
+          <p:nvPr/>
+        </p:nvPicPr>
+        <p:blipFill>
+          <a:blip r:embed="rId1"/>
+          <a:stretch/>
+        </p:blipFill>
+        <p:spPr>
+          <a:xfrm>
+            <a:off x="504000" y="2256480"/>
+            <a:ext cx="9072000" cy="3408480"/>
+          </a:xfrm>
+          <a:prstGeom prst="rect">
+            <a:avLst/>
+          </a:prstGeom>
+          <a:ln>
+            <a:noFill/>
+          </a:ln>
+        </p:spPr>
+      </p:pic>
+    </p:spTree>
+  </p:cSld>
+  <p:timing>
+    <p:tnLst>
+      <p:par>
+        <p:cTn id="17" dur="indefinite" restart="never" nodeType="tmRoot">
+          <p:childTnLst>
+            <p:seq>
+              <p:cTn id="18" nodeType="mainSeq"/>
+              <p:prevCondLst>
+                <p:cond delay="0" evt="onPrev">
+                  <p:tgtEl>
+                    <p:sldTgt/>
+                  </p:tgtEl>
+                </p:cond>
+              </p:prevCondLst>
+              <p:nextCondLst>
+                <p:cond delay="0" evt="onNext">
+                  <p:tgtEl>
+                    <p:sldTgt/>
+                  </p:tgtEl>
+                </p:cond>
+              </p:nextCondLst>
+            </p:seq>
+          </p:childTnLst>
+        </p:cTn>
+      </p:par>
+    </p:tnLst>
+  </p:timing>
+</p:sld>
+</file>
+
+<file path=ppt/slides/slide17.xml><?xml version="1.0" encoding="utf-8"?>
+<p:sld xmlns:a="http://schemas.openxmlformats.org/drawingml/2006/main" xmlns:p="http://schemas.openxmlformats.org/presentationml/2006/main" xmlns:r="http://schemas.openxmlformats.org/officeDocument/2006/relationships" xmlns:p14="http://schemas.microsoft.com/office/powerpoint/2010/main" xmlns:p15="http://schemas.microsoft.com/office/powerpoint/2012/main" xmlns:mc="http://schemas.openxmlformats.org/markup-compatibility/2006">
+  <p:cSld>
+    <p:spTree>
+      <p:nvGrpSpPr>
+        <p:cNvPr id="1" name=""/>
+        <p:cNvGrpSpPr/>
+        <p:nvPr/>
+      </p:nvGrpSpPr>
+      <p:grpSpPr>
+        <a:xfrm>
+          <a:off x="0" y="0"/>
+          <a:ext cx="0" cy="0"/>
+          <a:chOff x="0" y="0"/>
+          <a:chExt cx="0" cy="0"/>
+        </a:xfrm>
+      </p:grpSpPr>
+      <p:sp>
+        <p:nvSpPr>
+          <p:cNvPr id="163" name="TextShape 1"/>
+          <p:cNvSpPr txBox="1"/>
+          <p:nvPr/>
+        </p:nvSpPr>
+        <p:spPr>
+          <a:xfrm>
+            <a:off x="504000" y="301320"/>
+            <a:ext cx="9071640" cy="1261440"/>
+          </a:xfrm>
+          <a:prstGeom prst="rect">
+            <a:avLst/>
+          </a:prstGeom>
+          <a:noFill/>
+          <a:ln>
+            <a:noFill/>
+          </a:ln>
+        </p:spPr>
+        <p:txBody>
+          <a:bodyPr lIns="0" rIns="0" tIns="0" bIns="0" anchor="ctr"/>
+          <a:p>
+            <a:pPr algn="ctr"/>
+            <a:r>
+              <a:rPr b="0" lang="en-US" sz="4400" spc="-1" strike="noStrike">
+                <a:solidFill>
+                  <a:srgbClr val="000000"/>
+                </a:solidFill>
+                <a:uFill>
+                  <a:solidFill>
+                    <a:srgbClr val="ffffff"/>
+                  </a:solidFill>
+                </a:uFill>
+                <a:latin typeface="Arial"/>
+              </a:rPr>
+              <a:t>准确度</a:t>
+            </a:r>
+            <a:endParaRPr b="0" lang="en-US" sz="4400" spc="-1" strike="noStrike">
+              <a:solidFill>
+                <a:srgbClr val="000000"/>
+              </a:solidFill>
+              <a:uFill>
+                <a:solidFill>
+                  <a:srgbClr val="ffffff"/>
+                </a:solidFill>
+              </a:uFill>
+              <a:latin typeface="Arial"/>
+            </a:endParaRPr>
+          </a:p>
+        </p:txBody>
+      </p:sp>
+      <p:pic>
+        <p:nvPicPr>
+          <p:cNvPr id="164" name="" descr=""/>
+          <p:cNvPicPr/>
+          <p:nvPr/>
+        </p:nvPicPr>
+        <p:blipFill>
+          <a:blip r:embed="rId1"/>
+          <a:stretch/>
+        </p:blipFill>
+        <p:spPr>
+          <a:xfrm>
+            <a:off x="504000" y="1807920"/>
+            <a:ext cx="9072000" cy="4305600"/>
+          </a:xfrm>
+          <a:prstGeom prst="rect">
+            <a:avLst/>
+          </a:prstGeom>
+          <a:ln>
+            <a:noFill/>
+          </a:ln>
+        </p:spPr>
+      </p:pic>
+    </p:spTree>
+  </p:cSld>
+  <p:timing>
+    <p:tnLst>
+      <p:par>
+        <p:cTn id="19" dur="indefinite" restart="never" nodeType="tmRoot">
+          <p:childTnLst>
+            <p:seq>
+              <p:cTn id="20" nodeType="mainSeq"/>
+              <p:prevCondLst>
+                <p:cond delay="0" evt="onPrev">
+                  <p:tgtEl>
+                    <p:sldTgt/>
+                  </p:tgtEl>
+                </p:cond>
+              </p:prevCondLst>
+              <p:nextCondLst>
+                <p:cond delay="0" evt="onNext">
+                  <p:tgtEl>
+                    <p:sldTgt/>
+                  </p:tgtEl>
+                </p:cond>
+              </p:nextCondLst>
+            </p:seq>
+          </p:childTnLst>
+        </p:cTn>
+      </p:par>
+    </p:tnLst>
+  </p:timing>
+</p:sld>
+</file>
+
+<file path=ppt/slides/slide18.xml><?xml version="1.0" encoding="utf-8"?>
+<p:sld xmlns:a="http://schemas.openxmlformats.org/drawingml/2006/main" xmlns:p="http://schemas.openxmlformats.org/presentationml/2006/main" xmlns:r="http://schemas.openxmlformats.org/officeDocument/2006/relationships" xmlns:p14="http://schemas.microsoft.com/office/powerpoint/2010/main" xmlns:p15="http://schemas.microsoft.com/office/powerpoint/2012/main" xmlns:mc="http://schemas.openxmlformats.org/markup-compatibility/2006">
+  <p:cSld>
+    <p:spTree>
+      <p:nvGrpSpPr>
+        <p:cNvPr id="1" name=""/>
+        <p:cNvGrpSpPr/>
+        <p:nvPr/>
+      </p:nvGrpSpPr>
+      <p:grpSpPr>
+        <a:xfrm>
+          <a:off x="0" y="0"/>
+          <a:ext cx="0" cy="0"/>
+          <a:chOff x="0" y="0"/>
+          <a:chExt cx="0" cy="0"/>
+        </a:xfrm>
+      </p:grpSpPr>
+      <p:sp>
+        <p:nvSpPr>
+          <p:cNvPr id="165" name="TextShape 1"/>
+          <p:cNvSpPr txBox="1"/>
+          <p:nvPr/>
+        </p:nvSpPr>
+        <p:spPr>
+          <a:xfrm>
+            <a:off x="504000" y="301320"/>
+            <a:ext cx="9071640" cy="1261440"/>
+          </a:xfrm>
+          <a:prstGeom prst="rect">
+            <a:avLst/>
+          </a:prstGeom>
+          <a:noFill/>
+          <a:ln>
+            <a:noFill/>
+          </a:ln>
+        </p:spPr>
+        <p:txBody>
+          <a:bodyPr lIns="0" rIns="0" tIns="0" bIns="0" anchor="ctr"/>
+          <a:p>
+            <a:pPr algn="ctr"/>
+            <a:r>
+              <a:rPr b="0" lang="en-US" sz="4400" spc="-1" strike="noStrike">
+                <a:solidFill>
+                  <a:srgbClr val="000000"/>
+                </a:solidFill>
+                <a:uFill>
+                  <a:solidFill>
+                    <a:srgbClr val="ffffff"/>
+                  </a:solidFill>
+                </a:uFill>
+                <a:latin typeface="Arial"/>
+              </a:rPr>
+              <a:t>CNN</a:t>
+            </a:r>
+            <a:endParaRPr b="0" lang="en-US" sz="4400" spc="-1" strike="noStrike">
+              <a:solidFill>
+                <a:srgbClr val="000000"/>
+              </a:solidFill>
+              <a:uFill>
+                <a:solidFill>
+                  <a:srgbClr val="ffffff"/>
+                </a:solidFill>
+              </a:uFill>
+              <a:latin typeface="Arial"/>
+            </a:endParaRPr>
+          </a:p>
+        </p:txBody>
+      </p:sp>
+      <p:sp>
+        <p:nvSpPr>
+          <p:cNvPr id="166" name="TextShape 2"/>
+          <p:cNvSpPr txBox="1"/>
+          <p:nvPr/>
+        </p:nvSpPr>
+        <p:spPr>
+          <a:xfrm>
+            <a:off x="504000" y="1768680"/>
+            <a:ext cx="9072000" cy="4384080"/>
+          </a:xfrm>
+          <a:prstGeom prst="rect">
+            <a:avLst/>
+          </a:prstGeom>
+          <a:noFill/>
+          <a:ln>
+            <a:noFill/>
+          </a:ln>
+        </p:spPr>
+        <p:txBody>
+          <a:bodyPr lIns="0" rIns="0" tIns="0" bIns="0"/>
+          <a:p>
+            <a:endParaRPr b="0" lang="en-US" sz="3200" spc="-1" strike="noStrike">
+              <a:solidFill>
+                <a:srgbClr val="000000"/>
+              </a:solidFill>
+              <a:uFill>
+                <a:solidFill>
+                  <a:srgbClr val="ffffff"/>
+                </a:solidFill>
+              </a:uFill>
+              <a:latin typeface="Arial"/>
+            </a:endParaRPr>
+          </a:p>
+        </p:txBody>
+      </p:sp>
+      <p:pic>
+        <p:nvPicPr>
+          <p:cNvPr id="167" name="" descr=""/>
+          <p:cNvPicPr/>
+          <p:nvPr/>
+        </p:nvPicPr>
+        <p:blipFill>
+          <a:blip r:embed="rId1"/>
+          <a:stretch/>
+        </p:blipFill>
+        <p:spPr>
+          <a:xfrm rot="3000">
+            <a:off x="-2880" y="1711440"/>
+            <a:ext cx="10080000" cy="3404520"/>
+          </a:xfrm>
+          <a:prstGeom prst="rect">
+            <a:avLst/>
+          </a:prstGeom>
+          <a:ln>
+            <a:noFill/>
+          </a:ln>
+        </p:spPr>
+      </p:pic>
+    </p:spTree>
+  </p:cSld>
+  <p:timing>
+    <p:tnLst>
+      <p:par>
+        <p:cTn id="21" dur="indefinite" restart="never" nodeType="tmRoot">
+          <p:childTnLst>
+            <p:seq>
+              <p:cTn id="22" nodeType="mainSeq"/>
+              <p:prevCondLst>
+                <p:cond delay="0" evt="onPrev">
+                  <p:tgtEl>
+                    <p:sldTgt/>
+                  </p:tgtEl>
+                </p:cond>
+              </p:prevCondLst>
+              <p:nextCondLst>
+                <p:cond delay="0" evt="onNext">
+                  <p:tgtEl>
+                    <p:sldTgt/>
+                  </p:tgtEl>
+                </p:cond>
+              </p:nextCondLst>
+            </p:seq>
+          </p:childTnLst>
+        </p:cTn>
+      </p:par>
+    </p:tnLst>
+  </p:timing>
+</p:sld>
+</file>
+
+<file path=ppt/slides/slide19.xml><?xml version="1.0" encoding="utf-8"?>
+<p:sld xmlns:a="http://schemas.openxmlformats.org/drawingml/2006/main" xmlns:p="http://schemas.openxmlformats.org/presentationml/2006/main" xmlns:r="http://schemas.openxmlformats.org/officeDocument/2006/relationships" xmlns:p14="http://schemas.microsoft.com/office/powerpoint/2010/main" xmlns:p15="http://schemas.microsoft.com/office/powerpoint/2012/main" xmlns:mc="http://schemas.openxmlformats.org/markup-compatibility/2006">
+  <p:cSld>
+    <p:spTree>
+      <p:nvGrpSpPr>
+        <p:cNvPr id="1" name=""/>
+        <p:cNvGrpSpPr/>
+        <p:nvPr/>
+      </p:nvGrpSpPr>
+      <p:grpSpPr>
+        <a:xfrm>
+          <a:off x="0" y="0"/>
+          <a:ext cx="0" cy="0"/>
+          <a:chOff x="0" y="0"/>
+          <a:chExt cx="0" cy="0"/>
+        </a:xfrm>
+      </p:grpSpPr>
+      <p:sp>
+        <p:nvSpPr>
+          <p:cNvPr id="168" name="TextShape 1"/>
+          <p:cNvSpPr txBox="1"/>
+          <p:nvPr/>
+        </p:nvSpPr>
+        <p:spPr>
+          <a:xfrm>
+            <a:off x="504000" y="301320"/>
+            <a:ext cx="9071640" cy="1261440"/>
+          </a:xfrm>
+          <a:prstGeom prst="rect">
+            <a:avLst/>
+          </a:prstGeom>
+          <a:noFill/>
+          <a:ln>
+            <a:noFill/>
+          </a:ln>
+        </p:spPr>
+        <p:txBody>
+          <a:bodyPr lIns="0" rIns="0" tIns="0" bIns="0" anchor="ctr"/>
+          <a:p>
+            <a:pPr algn="ctr"/>
+            <a:r>
+              <a:rPr b="0" lang="en-US" sz="4400" spc="-1" strike="noStrike">
+                <a:solidFill>
+                  <a:srgbClr val="000000"/>
+                </a:solidFill>
+                <a:uFill>
+                  <a:solidFill>
+                    <a:srgbClr val="ffffff"/>
+                  </a:solidFill>
+                </a:uFill>
+                <a:latin typeface="Arial"/>
+              </a:rPr>
+              <a:t>CNN-conv</a:t>
+            </a:r>
+            <a:endParaRPr b="0" lang="en-US" sz="4400" spc="-1" strike="noStrike">
+              <a:solidFill>
+                <a:srgbClr val="000000"/>
+              </a:solidFill>
+              <a:uFill>
+                <a:solidFill>
+                  <a:srgbClr val="ffffff"/>
+                </a:solidFill>
+              </a:uFill>
+              <a:latin typeface="Arial"/>
+            </a:endParaRPr>
+          </a:p>
+        </p:txBody>
+      </p:sp>
+      <p:pic>
+        <p:nvPicPr>
+          <p:cNvPr id="169" name="" descr=""/>
+          <p:cNvPicPr/>
+          <p:nvPr/>
+        </p:nvPicPr>
+        <p:blipFill>
+          <a:blip r:embed="rId1"/>
+          <a:stretch/>
+        </p:blipFill>
+        <p:spPr>
+          <a:xfrm>
+            <a:off x="1852560" y="1768680"/>
+            <a:ext cx="6374520" cy="4384080"/>
+          </a:xfrm>
+          <a:prstGeom prst="rect">
+            <a:avLst/>
+          </a:prstGeom>
+          <a:ln>
+            <a:noFill/>
+          </a:ln>
+        </p:spPr>
+      </p:pic>
     </p:spTree>
   </p:cSld>
   <p:timing>
@@ -6411,13 +7400,645 @@
       </p:pic>
     </p:spTree>
   </p:cSld>
+</p:sld>
+</file>
+
+<file path=ppt/slides/slide20.xml><?xml version="1.0" encoding="utf-8"?>
+<p:sld xmlns:a="http://schemas.openxmlformats.org/drawingml/2006/main" xmlns:p="http://schemas.openxmlformats.org/presentationml/2006/main" xmlns:r="http://schemas.openxmlformats.org/officeDocument/2006/relationships" xmlns:p14="http://schemas.microsoft.com/office/powerpoint/2010/main" xmlns:p15="http://schemas.microsoft.com/office/powerpoint/2012/main" xmlns:mc="http://schemas.openxmlformats.org/markup-compatibility/2006">
+  <p:cSld>
+    <p:spTree>
+      <p:nvGrpSpPr>
+        <p:cNvPr id="1" name=""/>
+        <p:cNvGrpSpPr/>
+        <p:nvPr/>
+      </p:nvGrpSpPr>
+      <p:grpSpPr>
+        <a:xfrm>
+          <a:off x="0" y="0"/>
+          <a:ext cx="0" cy="0"/>
+          <a:chOff x="0" y="0"/>
+          <a:chExt cx="0" cy="0"/>
+        </a:xfrm>
+      </p:grpSpPr>
+      <p:sp>
+        <p:nvSpPr>
+          <p:cNvPr id="170" name="TextShape 1"/>
+          <p:cNvSpPr txBox="1"/>
+          <p:nvPr/>
+        </p:nvSpPr>
+        <p:spPr>
+          <a:xfrm>
+            <a:off x="504000" y="301320"/>
+            <a:ext cx="9071640" cy="1261440"/>
+          </a:xfrm>
+          <a:prstGeom prst="rect">
+            <a:avLst/>
+          </a:prstGeom>
+          <a:noFill/>
+          <a:ln>
+            <a:noFill/>
+          </a:ln>
+        </p:spPr>
+        <p:txBody>
+          <a:bodyPr lIns="0" rIns="0" tIns="0" bIns="0" anchor="ctr"/>
+          <a:p>
+            <a:pPr algn="ctr"/>
+            <a:r>
+              <a:rPr b="0" lang="en-US" sz="4400" spc="-1" strike="noStrike">
+                <a:solidFill>
+                  <a:srgbClr val="000000"/>
+                </a:solidFill>
+                <a:uFill>
+                  <a:solidFill>
+                    <a:srgbClr val="ffffff"/>
+                  </a:solidFill>
+                </a:uFill>
+                <a:latin typeface="Arial"/>
+              </a:rPr>
+              <a:t>CNN-pooling</a:t>
+            </a:r>
+            <a:endParaRPr b="0" lang="en-US" sz="4400" spc="-1" strike="noStrike">
+              <a:solidFill>
+                <a:srgbClr val="000000"/>
+              </a:solidFill>
+              <a:uFill>
+                <a:solidFill>
+                  <a:srgbClr val="ffffff"/>
+                </a:solidFill>
+              </a:uFill>
+              <a:latin typeface="Arial"/>
+            </a:endParaRPr>
+          </a:p>
+        </p:txBody>
+      </p:sp>
+      <p:pic>
+        <p:nvPicPr>
+          <p:cNvPr id="171" name="" descr=""/>
+          <p:cNvPicPr/>
+          <p:nvPr/>
+        </p:nvPicPr>
+        <p:blipFill>
+          <a:blip r:embed="rId1"/>
+          <a:stretch/>
+        </p:blipFill>
+        <p:spPr>
+          <a:xfrm>
+            <a:off x="504000" y="2763000"/>
+            <a:ext cx="9072000" cy="2395080"/>
+          </a:xfrm>
+          <a:prstGeom prst="rect">
+            <a:avLst/>
+          </a:prstGeom>
+          <a:ln>
+            <a:noFill/>
+          </a:ln>
+        </p:spPr>
+      </p:pic>
+    </p:spTree>
+  </p:cSld>
   <p:timing>
     <p:tnLst>
       <p:par>
-        <p:cTn id="3" dur="indefinite" restart="never" nodeType="tmRoot">
+        <p:cTn id="25" dur="indefinite" restart="never" nodeType="tmRoot">
           <p:childTnLst>
             <p:seq>
-              <p:cTn id="4" nodeType="mainSeq"/>
+              <p:cTn id="26" nodeType="mainSeq"/>
+              <p:prevCondLst>
+                <p:cond delay="0" evt="onPrev">
+                  <p:tgtEl>
+                    <p:sldTgt/>
+                  </p:tgtEl>
+                </p:cond>
+              </p:prevCondLst>
+              <p:nextCondLst>
+                <p:cond delay="0" evt="onNext">
+                  <p:tgtEl>
+                    <p:sldTgt/>
+                  </p:tgtEl>
+                </p:cond>
+              </p:nextCondLst>
+            </p:seq>
+          </p:childTnLst>
+        </p:cTn>
+      </p:par>
+    </p:tnLst>
+  </p:timing>
+</p:sld>
+</file>
+
+<file path=ppt/slides/slide21.xml><?xml version="1.0" encoding="utf-8"?>
+<p:sld xmlns:a="http://schemas.openxmlformats.org/drawingml/2006/main" xmlns:p="http://schemas.openxmlformats.org/presentationml/2006/main" xmlns:r="http://schemas.openxmlformats.org/officeDocument/2006/relationships" xmlns:p14="http://schemas.microsoft.com/office/powerpoint/2010/main" xmlns:p15="http://schemas.microsoft.com/office/powerpoint/2012/main" xmlns:mc="http://schemas.openxmlformats.org/markup-compatibility/2006">
+  <p:cSld>
+    <p:spTree>
+      <p:nvGrpSpPr>
+        <p:cNvPr id="1" name=""/>
+        <p:cNvGrpSpPr/>
+        <p:nvPr/>
+      </p:nvGrpSpPr>
+      <p:grpSpPr>
+        <a:xfrm>
+          <a:off x="0" y="0"/>
+          <a:ext cx="0" cy="0"/>
+          <a:chOff x="0" y="0"/>
+          <a:chExt cx="0" cy="0"/>
+        </a:xfrm>
+      </p:grpSpPr>
+      <p:sp>
+        <p:nvSpPr>
+          <p:cNvPr id="172" name="TextShape 1"/>
+          <p:cNvSpPr txBox="1"/>
+          <p:nvPr/>
+        </p:nvSpPr>
+        <p:spPr>
+          <a:xfrm>
+            <a:off x="504000" y="301320"/>
+            <a:ext cx="9071640" cy="1261440"/>
+          </a:xfrm>
+          <a:prstGeom prst="rect">
+            <a:avLst/>
+          </a:prstGeom>
+          <a:noFill/>
+          <a:ln>
+            <a:noFill/>
+          </a:ln>
+        </p:spPr>
+        <p:txBody>
+          <a:bodyPr lIns="0" rIns="0" tIns="0" bIns="0" anchor="ctr"/>
+          <a:p>
+            <a:pPr algn="ctr"/>
+            <a:r>
+              <a:rPr b="0" lang="en-US" sz="4400" spc="-1" strike="noStrike">
+                <a:solidFill>
+                  <a:srgbClr val="000000"/>
+                </a:solidFill>
+                <a:uFill>
+                  <a:solidFill>
+                    <a:srgbClr val="ffffff"/>
+                  </a:solidFill>
+                </a:uFill>
+                <a:latin typeface="Arial"/>
+              </a:rPr>
+              <a:t>ＣＮＮ</a:t>
+            </a:r>
+            <a:endParaRPr b="0" lang="en-US" sz="4400" spc="-1" strike="noStrike">
+              <a:solidFill>
+                <a:srgbClr val="000000"/>
+              </a:solidFill>
+              <a:uFill>
+                <a:solidFill>
+                  <a:srgbClr val="ffffff"/>
+                </a:solidFill>
+              </a:uFill>
+              <a:latin typeface="Arial"/>
+            </a:endParaRPr>
+          </a:p>
+        </p:txBody>
+      </p:sp>
+      <p:pic>
+        <p:nvPicPr>
+          <p:cNvPr id="173" name="" descr=""/>
+          <p:cNvPicPr/>
+          <p:nvPr/>
+        </p:nvPicPr>
+        <p:blipFill>
+          <a:blip r:embed="rId1"/>
+          <a:stretch/>
+        </p:blipFill>
+        <p:spPr>
+          <a:xfrm>
+            <a:off x="1588680" y="1768680"/>
+            <a:ext cx="6902640" cy="4384080"/>
+          </a:xfrm>
+          <a:prstGeom prst="rect">
+            <a:avLst/>
+          </a:prstGeom>
+          <a:ln>
+            <a:noFill/>
+          </a:ln>
+        </p:spPr>
+      </p:pic>
+    </p:spTree>
+  </p:cSld>
+  <p:timing>
+    <p:tnLst>
+      <p:par>
+        <p:cTn id="27" dur="indefinite" restart="never" nodeType="tmRoot">
+          <p:childTnLst>
+            <p:seq>
+              <p:cTn id="28" nodeType="mainSeq"/>
+              <p:prevCondLst>
+                <p:cond delay="0" evt="onPrev">
+                  <p:tgtEl>
+                    <p:sldTgt/>
+                  </p:tgtEl>
+                </p:cond>
+              </p:prevCondLst>
+              <p:nextCondLst>
+                <p:cond delay="0" evt="onNext">
+                  <p:tgtEl>
+                    <p:sldTgt/>
+                  </p:tgtEl>
+                </p:cond>
+              </p:nextCondLst>
+            </p:seq>
+          </p:childTnLst>
+        </p:cTn>
+      </p:par>
+    </p:tnLst>
+  </p:timing>
+</p:sld>
+</file>
+
+<file path=ppt/slides/slide22.xml><?xml version="1.0" encoding="utf-8"?>
+<p:sld xmlns:a="http://schemas.openxmlformats.org/drawingml/2006/main" xmlns:p="http://schemas.openxmlformats.org/presentationml/2006/main" xmlns:r="http://schemas.openxmlformats.org/officeDocument/2006/relationships" xmlns:p14="http://schemas.microsoft.com/office/powerpoint/2010/main" xmlns:p15="http://schemas.microsoft.com/office/powerpoint/2012/main" xmlns:mc="http://schemas.openxmlformats.org/markup-compatibility/2006">
+  <p:cSld>
+    <p:spTree>
+      <p:nvGrpSpPr>
+        <p:cNvPr id="1" name=""/>
+        <p:cNvGrpSpPr/>
+        <p:nvPr/>
+      </p:nvGrpSpPr>
+      <p:grpSpPr>
+        <a:xfrm>
+          <a:off x="0" y="0"/>
+          <a:ext cx="0" cy="0"/>
+          <a:chOff x="0" y="0"/>
+          <a:chExt cx="0" cy="0"/>
+        </a:xfrm>
+      </p:grpSpPr>
+      <p:sp>
+        <p:nvSpPr>
+          <p:cNvPr id="174" name="TextShape 1"/>
+          <p:cNvSpPr txBox="1"/>
+          <p:nvPr/>
+        </p:nvSpPr>
+        <p:spPr>
+          <a:xfrm>
+            <a:off x="504000" y="301320"/>
+            <a:ext cx="9071640" cy="1261440"/>
+          </a:xfrm>
+          <a:prstGeom prst="rect">
+            <a:avLst/>
+          </a:prstGeom>
+          <a:noFill/>
+          <a:ln>
+            <a:noFill/>
+          </a:ln>
+        </p:spPr>
+        <p:txBody>
+          <a:bodyPr lIns="0" rIns="0" tIns="0" bIns="0" anchor="ctr"/>
+          <a:p>
+            <a:pPr algn="ctr"/>
+            <a:r>
+              <a:rPr b="0" lang="en-US" sz="4400" spc="-1" strike="noStrike">
+                <a:solidFill>
+                  <a:srgbClr val="000000"/>
+                </a:solidFill>
+                <a:uFill>
+                  <a:solidFill>
+                    <a:srgbClr val="ffffff"/>
+                  </a:solidFill>
+                </a:uFill>
+                <a:latin typeface="Arial"/>
+              </a:rPr>
+              <a:t>ＲＮＮ</a:t>
+            </a:r>
+            <a:endParaRPr b="0" lang="en-US" sz="4400" spc="-1" strike="noStrike">
+              <a:solidFill>
+                <a:srgbClr val="000000"/>
+              </a:solidFill>
+              <a:uFill>
+                <a:solidFill>
+                  <a:srgbClr val="ffffff"/>
+                </a:solidFill>
+              </a:uFill>
+              <a:latin typeface="Arial"/>
+            </a:endParaRPr>
+          </a:p>
+        </p:txBody>
+      </p:sp>
+      <p:pic>
+        <p:nvPicPr>
+          <p:cNvPr id="175" name="" descr=""/>
+          <p:cNvPicPr/>
+          <p:nvPr/>
+        </p:nvPicPr>
+        <p:blipFill>
+          <a:blip r:embed="rId1"/>
+          <a:stretch/>
+        </p:blipFill>
+        <p:spPr>
+          <a:xfrm>
+            <a:off x="1614600" y="1768680"/>
+            <a:ext cx="6850800" cy="3626280"/>
+          </a:xfrm>
+          <a:prstGeom prst="rect">
+            <a:avLst/>
+          </a:prstGeom>
+          <a:ln>
+            <a:noFill/>
+          </a:ln>
+        </p:spPr>
+      </p:pic>
+      <p:pic>
+        <p:nvPicPr>
+          <p:cNvPr id="176" name="" descr=""/>
+          <p:cNvPicPr/>
+          <p:nvPr/>
+        </p:nvPicPr>
+        <p:blipFill>
+          <a:blip r:embed="rId2"/>
+          <a:stretch/>
+        </p:blipFill>
+        <p:spPr>
+          <a:xfrm>
+            <a:off x="2193120" y="5740200"/>
+            <a:ext cx="4847760" cy="752040"/>
+          </a:xfrm>
+          <a:prstGeom prst="rect">
+            <a:avLst/>
+          </a:prstGeom>
+          <a:ln>
+            <a:noFill/>
+          </a:ln>
+        </p:spPr>
+      </p:pic>
+    </p:spTree>
+  </p:cSld>
+  <p:timing>
+    <p:tnLst>
+      <p:par>
+        <p:cTn id="29" dur="indefinite" restart="never" nodeType="tmRoot">
+          <p:childTnLst>
+            <p:seq>
+              <p:cTn id="30" nodeType="mainSeq"/>
+              <p:prevCondLst>
+                <p:cond delay="0" evt="onPrev">
+                  <p:tgtEl>
+                    <p:sldTgt/>
+                  </p:tgtEl>
+                </p:cond>
+              </p:prevCondLst>
+              <p:nextCondLst>
+                <p:cond delay="0" evt="onNext">
+                  <p:tgtEl>
+                    <p:sldTgt/>
+                  </p:tgtEl>
+                </p:cond>
+              </p:nextCondLst>
+            </p:seq>
+          </p:childTnLst>
+        </p:cTn>
+      </p:par>
+    </p:tnLst>
+  </p:timing>
+</p:sld>
+</file>
+
+<file path=ppt/slides/slide23.xml><?xml version="1.0" encoding="utf-8"?>
+<p:sld xmlns:a="http://schemas.openxmlformats.org/drawingml/2006/main" xmlns:p="http://schemas.openxmlformats.org/presentationml/2006/main" xmlns:r="http://schemas.openxmlformats.org/officeDocument/2006/relationships" xmlns:p14="http://schemas.microsoft.com/office/powerpoint/2010/main" xmlns:p15="http://schemas.microsoft.com/office/powerpoint/2012/main" xmlns:mc="http://schemas.openxmlformats.org/markup-compatibility/2006">
+  <p:cSld>
+    <p:spTree>
+      <p:nvGrpSpPr>
+        <p:cNvPr id="1" name=""/>
+        <p:cNvGrpSpPr/>
+        <p:nvPr/>
+      </p:nvGrpSpPr>
+      <p:grpSpPr>
+        <a:xfrm>
+          <a:off x="0" y="0"/>
+          <a:ext cx="0" cy="0"/>
+          <a:chOff x="0" y="0"/>
+          <a:chExt cx="0" cy="0"/>
+        </a:xfrm>
+      </p:grpSpPr>
+      <p:sp>
+        <p:nvSpPr>
+          <p:cNvPr id="177" name="TextShape 1"/>
+          <p:cNvSpPr txBox="1"/>
+          <p:nvPr/>
+        </p:nvSpPr>
+        <p:spPr>
+          <a:xfrm>
+            <a:off x="504000" y="301320"/>
+            <a:ext cx="9071640" cy="1261440"/>
+          </a:xfrm>
+          <a:prstGeom prst="rect">
+            <a:avLst/>
+          </a:prstGeom>
+          <a:noFill/>
+          <a:ln>
+            <a:noFill/>
+          </a:ln>
+        </p:spPr>
+        <p:txBody>
+          <a:bodyPr lIns="0" rIns="0" tIns="0" bIns="0" anchor="ctr"/>
+          <a:p>
+            <a:pPr algn="ctr"/>
+            <a:r>
+              <a:rPr b="0" lang="en-US" sz="4400" spc="-1" strike="noStrike">
+                <a:solidFill>
+                  <a:srgbClr val="000000"/>
+                </a:solidFill>
+                <a:uFill>
+                  <a:solidFill>
+                    <a:srgbClr val="ffffff"/>
+                  </a:solidFill>
+                </a:uFill>
+                <a:latin typeface="Arial"/>
+              </a:rPr>
+              <a:t>ＲＮＮ</a:t>
+            </a:r>
+            <a:endParaRPr b="0" lang="en-US" sz="4400" spc="-1" strike="noStrike">
+              <a:solidFill>
+                <a:srgbClr val="000000"/>
+              </a:solidFill>
+              <a:uFill>
+                <a:solidFill>
+                  <a:srgbClr val="ffffff"/>
+                </a:solidFill>
+              </a:uFill>
+              <a:latin typeface="Arial"/>
+            </a:endParaRPr>
+          </a:p>
+        </p:txBody>
+      </p:sp>
+      <p:pic>
+        <p:nvPicPr>
+          <p:cNvPr id="178" name="" descr=""/>
+          <p:cNvPicPr/>
+          <p:nvPr/>
+        </p:nvPicPr>
+        <p:blipFill>
+          <a:blip r:embed="rId1"/>
+          <a:stretch/>
+        </p:blipFill>
+        <p:spPr>
+          <a:xfrm>
+            <a:off x="504000" y="3080160"/>
+            <a:ext cx="9072000" cy="1761120"/>
+          </a:xfrm>
+          <a:prstGeom prst="rect">
+            <a:avLst/>
+          </a:prstGeom>
+          <a:ln>
+            <a:noFill/>
+          </a:ln>
+        </p:spPr>
+      </p:pic>
+    </p:spTree>
+  </p:cSld>
+  <p:timing>
+    <p:tnLst>
+      <p:par>
+        <p:cTn id="31" dur="indefinite" restart="never" nodeType="tmRoot">
+          <p:childTnLst>
+            <p:seq>
+              <p:cTn id="32" nodeType="mainSeq"/>
+              <p:prevCondLst>
+                <p:cond delay="0" evt="onPrev">
+                  <p:tgtEl>
+                    <p:sldTgt/>
+                  </p:tgtEl>
+                </p:cond>
+              </p:prevCondLst>
+              <p:nextCondLst>
+                <p:cond delay="0" evt="onNext">
+                  <p:tgtEl>
+                    <p:sldTgt/>
+                  </p:tgtEl>
+                </p:cond>
+              </p:nextCondLst>
+            </p:seq>
+          </p:childTnLst>
+        </p:cTn>
+      </p:par>
+    </p:tnLst>
+  </p:timing>
+</p:sld>
+</file>
+
+<file path=ppt/slides/slide24.xml><?xml version="1.0" encoding="utf-8"?>
+<p:sld xmlns:a="http://schemas.openxmlformats.org/drawingml/2006/main" xmlns:p="http://schemas.openxmlformats.org/presentationml/2006/main" xmlns:r="http://schemas.openxmlformats.org/officeDocument/2006/relationships" xmlns:p14="http://schemas.microsoft.com/office/powerpoint/2010/main" xmlns:p15="http://schemas.microsoft.com/office/powerpoint/2012/main" xmlns:mc="http://schemas.openxmlformats.org/markup-compatibility/2006">
+  <p:cSld>
+    <p:spTree>
+      <p:nvGrpSpPr>
+        <p:cNvPr id="1" name=""/>
+        <p:cNvGrpSpPr/>
+        <p:nvPr/>
+      </p:nvGrpSpPr>
+      <p:grpSpPr>
+        <a:xfrm>
+          <a:off x="0" y="0"/>
+          <a:ext cx="0" cy="0"/>
+          <a:chOff x="0" y="0"/>
+          <a:chExt cx="0" cy="0"/>
+        </a:xfrm>
+      </p:grpSpPr>
+      <p:sp>
+        <p:nvSpPr>
+          <p:cNvPr id="179" name="TextShape 1"/>
+          <p:cNvSpPr txBox="1"/>
+          <p:nvPr/>
+        </p:nvSpPr>
+        <p:spPr>
+          <a:xfrm>
+            <a:off x="504000" y="301320"/>
+            <a:ext cx="9071640" cy="1261440"/>
+          </a:xfrm>
+          <a:prstGeom prst="rect">
+            <a:avLst/>
+          </a:prstGeom>
+          <a:noFill/>
+          <a:ln>
+            <a:noFill/>
+          </a:ln>
+        </p:spPr>
+        <p:txBody>
+          <a:bodyPr lIns="0" rIns="0" tIns="0" bIns="0" anchor="ctr"/>
+          <a:p>
+            <a:pPr algn="ctr"/>
+            <a:endParaRPr b="0" lang="en-US" sz="4400" spc="-1" strike="noStrike">
+              <a:solidFill>
+                <a:srgbClr val="000000"/>
+              </a:solidFill>
+              <a:uFill>
+                <a:solidFill>
+                  <a:srgbClr val="ffffff"/>
+                </a:solidFill>
+              </a:uFill>
+              <a:latin typeface="Arial"/>
+            </a:endParaRPr>
+          </a:p>
+        </p:txBody>
+      </p:sp>
+      <p:sp>
+        <p:nvSpPr>
+          <p:cNvPr id="180" name="TextShape 2"/>
+          <p:cNvSpPr txBox="1"/>
+          <p:nvPr/>
+        </p:nvSpPr>
+        <p:spPr>
+          <a:xfrm>
+            <a:off x="504000" y="1768680"/>
+            <a:ext cx="9072000" cy="4384080"/>
+          </a:xfrm>
+          <a:prstGeom prst="rect">
+            <a:avLst/>
+          </a:prstGeom>
+          <a:noFill/>
+          <a:ln>
+            <a:noFill/>
+          </a:ln>
+        </p:spPr>
+        <p:txBody>
+          <a:bodyPr lIns="0" rIns="0" tIns="0" bIns="0"/>
+          <a:p>
+            <a:pPr marL="432000" indent="-324000">
+              <a:buClr>
+                <a:srgbClr val="000000"/>
+              </a:buClr>
+              <a:buSzPct val="45000"/>
+              <a:buFont typeface="Wingdings" charset="2"/>
+              <a:buChar char=""/>
+            </a:pPr>
+            <a:r>
+              <a:rPr b="0" lang="en-US" sz="3200" spc="-1" strike="noStrike">
+                <a:solidFill>
+                  <a:srgbClr val="000000"/>
+                </a:solidFill>
+                <a:uFill>
+                  <a:solidFill>
+                    <a:srgbClr val="ffffff"/>
+                  </a:solidFill>
+                </a:uFill>
+                <a:latin typeface="Arial"/>
+              </a:rPr>
+              <a:t>Ｔｈａｎｋｓ</a:t>
+            </a:r>
+            <a:endParaRPr b="0" lang="en-US" sz="3200" spc="-1" strike="noStrike">
+              <a:solidFill>
+                <a:srgbClr val="000000"/>
+              </a:solidFill>
+              <a:uFill>
+                <a:solidFill>
+                  <a:srgbClr val="ffffff"/>
+                </a:solidFill>
+              </a:uFill>
+              <a:latin typeface="Arial"/>
+            </a:endParaRPr>
+          </a:p>
+        </p:txBody>
+      </p:sp>
+    </p:spTree>
+  </p:cSld>
+  <p:timing>
+    <p:tnLst>
+      <p:par>
+        <p:cTn id="33" dur="indefinite" restart="never" nodeType="tmRoot">
+          <p:childTnLst>
+            <p:seq>
+              <p:cTn id="34" nodeType="mainSeq"/>
               <p:prevCondLst>
                 <p:cond delay="0" evt="onPrev">
                   <p:tgtEl>
@@ -6544,33 +8165,6 @@
       </p:pic>
     </p:spTree>
   </p:cSld>
-  <p:timing>
-    <p:tnLst>
-      <p:par>
-        <p:cTn id="5" dur="indefinite" restart="never" nodeType="tmRoot">
-          <p:childTnLst>
-            <p:seq>
-              <p:cTn id="6" nodeType="mainSeq"/>
-              <p:prevCondLst>
-                <p:cond delay="0" evt="onPrev">
-                  <p:tgtEl>
-                    <p:sldTgt/>
-                  </p:tgtEl>
-                </p:cond>
-              </p:prevCondLst>
-              <p:nextCondLst>
-                <p:cond delay="0" evt="onNext">
-                  <p:tgtEl>
-                    <p:sldTgt/>
-                  </p:tgtEl>
-                </p:cond>
-              </p:nextCondLst>
-            </p:seq>
-          </p:childTnLst>
-        </p:cTn>
-      </p:par>
-    </p:tnLst>
-  </p:timing>
 </p:sld>
 </file>
 
@@ -6593,14 +8187,14 @@
       </p:grpSpPr>
       <p:sp>
         <p:nvSpPr>
-          <p:cNvPr id="118" name="CustomShape 1"/>
-          <p:cNvSpPr/>
+          <p:cNvPr id="118" name="TextShape 1"/>
+          <p:cNvSpPr txBox="1"/>
           <p:nvPr/>
         </p:nvSpPr>
         <p:spPr>
           <a:xfrm>
             <a:off x="504000" y="301320"/>
-            <a:ext cx="9070560" cy="1261080"/>
+            <a:ext cx="9071640" cy="1261440"/>
           </a:xfrm>
           <a:prstGeom prst="rect">
             <a:avLst/>
@@ -6610,20 +8204,10 @@
             <a:noFill/>
           </a:ln>
         </p:spPr>
-        <p:style>
-          <a:lnRef idx="0"/>
-          <a:fillRef idx="0"/>
-          <a:effectRef idx="0"/>
-          <a:fontRef idx="minor"/>
-        </p:style>
         <p:txBody>
           <a:bodyPr lIns="0" rIns="0" tIns="0" bIns="0" anchor="ctr"/>
           <a:p>
-            <a:pPr algn="ctr">
-              <a:lnSpc>
-                <a:spcPct val="100000"/>
-              </a:lnSpc>
-            </a:pPr>
+            <a:pPr algn="ctr"/>
             <a:r>
               <a:rPr b="0" lang="en-US" sz="4400" spc="-1" strike="noStrike">
                 <a:solidFill>
@@ -6635,79 +8219,26 @@
                   </a:solidFill>
                 </a:uFill>
                 <a:latin typeface="Arial"/>
-                <a:ea typeface="DejaVu Sans"/>
               </a:rPr>
-              <a:t>Linear regression</a:t>
+              <a:t>机器学习</a:t>
             </a:r>
-            <a:endParaRPr b="0" lang="en-US" sz="1800" spc="-1" strike="noStrike">
-              <a:solidFill>
-                <a:srgbClr val="000000"/>
-              </a:solidFill>
-              <a:uFill>
-                <a:solidFill>
-                  <a:srgbClr val="ffffff"/>
-                </a:solidFill>
-              </a:uFill>
-              <a:latin typeface="Arial"/>
-            </a:endParaRPr>
-          </a:p>
-        </p:txBody>
-      </p:sp>
-      <p:sp>
-        <p:nvSpPr>
-          <p:cNvPr id="119" name="CustomShape 2"/>
-          <p:cNvSpPr/>
-          <p:nvPr/>
-        </p:nvSpPr>
-        <p:spPr>
-          <a:xfrm>
-            <a:off x="504000" y="301320"/>
-            <a:ext cx="9071640" cy="1261440"/>
-          </a:xfrm>
-          <a:prstGeom prst="rect">
-            <a:avLst/>
-          </a:prstGeom>
-          <a:noFill/>
-          <a:ln>
-            <a:noFill/>
-          </a:ln>
-        </p:spPr>
-        <p:style>
-          <a:lnRef idx="0"/>
-          <a:fillRef idx="0"/>
-          <a:effectRef idx="0"/>
-          <a:fontRef idx="minor"/>
-        </p:style>
-      </p:sp>
-      <p:sp>
-        <p:nvSpPr>
-          <p:cNvPr id="120" name="CustomShape 3"/>
-          <p:cNvSpPr/>
-          <p:nvPr/>
-        </p:nvSpPr>
-        <p:spPr>
-          <a:xfrm>
-            <a:off x="504000" y="1768680"/>
-            <a:ext cx="9071640" cy="4383720"/>
-          </a:xfrm>
-          <a:prstGeom prst="rect">
-            <a:avLst/>
-          </a:prstGeom>
-          <a:noFill/>
-          <a:ln>
-            <a:noFill/>
-          </a:ln>
-        </p:spPr>
-        <p:style>
-          <a:lnRef idx="0"/>
-          <a:fillRef idx="0"/>
-          <a:effectRef idx="0"/>
-          <a:fontRef idx="minor"/>
-        </p:style>
+            <a:endParaRPr b="0" lang="en-US" sz="4400" spc="-1" strike="noStrike">
+              <a:solidFill>
+                <a:srgbClr val="000000"/>
+              </a:solidFill>
+              <a:uFill>
+                <a:solidFill>
+                  <a:srgbClr val="ffffff"/>
+                </a:solidFill>
+              </a:uFill>
+              <a:latin typeface="Arial"/>
+            </a:endParaRPr>
+          </a:p>
+        </p:txBody>
       </p:sp>
       <p:pic>
         <p:nvPicPr>
-          <p:cNvPr id="121" name="" descr=""/>
+          <p:cNvPr id="119" name="" descr=""/>
           <p:cNvPicPr/>
           <p:nvPr/>
         </p:nvPicPr>
@@ -6717,8 +8248,8 @@
         </p:blipFill>
         <p:spPr>
           <a:xfrm>
-            <a:off x="1920240" y="1966320"/>
-            <a:ext cx="5533200" cy="1599480"/>
+            <a:off x="1920240" y="1768320"/>
+            <a:ext cx="5747400" cy="4383720"/>
           </a:xfrm>
           <a:prstGeom prst="rect">
             <a:avLst/>
@@ -6728,193 +8259,8 @@
           </a:ln>
         </p:spPr>
       </p:pic>
-      <p:pic>
-        <p:nvPicPr>
-          <p:cNvPr id="122" name="" descr=""/>
-          <p:cNvPicPr/>
-          <p:nvPr/>
-        </p:nvPicPr>
-        <p:blipFill>
-          <a:blip r:embed="rId2"/>
-          <a:stretch/>
-        </p:blipFill>
-        <p:spPr>
-          <a:xfrm>
-            <a:off x="2651760" y="3865680"/>
-            <a:ext cx="5600160" cy="523080"/>
-          </a:xfrm>
-          <a:prstGeom prst="rect">
-            <a:avLst/>
-          </a:prstGeom>
-          <a:ln>
-            <a:noFill/>
-          </a:ln>
-        </p:spPr>
-      </p:pic>
-      <p:pic>
-        <p:nvPicPr>
-          <p:cNvPr id="123" name="" descr=""/>
-          <p:cNvPicPr/>
-          <p:nvPr/>
-        </p:nvPicPr>
-        <p:blipFill>
-          <a:blip r:embed="rId3"/>
-          <a:stretch/>
-        </p:blipFill>
-        <p:spPr>
-          <a:xfrm>
-            <a:off x="2520720" y="4776120"/>
-            <a:ext cx="5799960" cy="618480"/>
-          </a:xfrm>
-          <a:prstGeom prst="rect">
-            <a:avLst/>
-          </a:prstGeom>
-          <a:ln>
-            <a:noFill/>
-          </a:ln>
-        </p:spPr>
-      </p:pic>
-      <p:sp>
-        <p:nvSpPr>
-          <p:cNvPr id="124" name="CustomShape 4"/>
-          <p:cNvSpPr/>
-          <p:nvPr/>
-        </p:nvSpPr>
-        <p:spPr>
-          <a:xfrm>
-            <a:off x="1554480" y="3931920"/>
-            <a:ext cx="1828440" cy="428400"/>
-          </a:xfrm>
-          <a:prstGeom prst="rect">
-            <a:avLst/>
-          </a:prstGeom>
-          <a:noFill/>
-          <a:ln>
-            <a:noFill/>
-          </a:ln>
-        </p:spPr>
-        <p:style>
-          <a:lnRef idx="0"/>
-          <a:fillRef idx="0"/>
-          <a:effectRef idx="0"/>
-          <a:fontRef idx="minor"/>
-        </p:style>
-        <p:txBody>
-          <a:bodyPr lIns="90000" rIns="90000" tIns="45000" bIns="45000"/>
-          <a:p>
-            <a:r>
-              <a:rPr b="0" lang="en-US" sz="1800" spc="-1" strike="noStrike">
-                <a:solidFill>
-                  <a:srgbClr val="000000"/>
-                </a:solidFill>
-                <a:uFill>
-                  <a:solidFill>
-                    <a:srgbClr val="ffffff"/>
-                  </a:solidFill>
-                </a:uFill>
-                <a:latin typeface="Arial"/>
-              </a:rPr>
-              <a:t>目标函数：</a:t>
-            </a:r>
-            <a:endParaRPr b="0" lang="en-US" sz="1800" spc="-1" strike="noStrike">
-              <a:solidFill>
-                <a:srgbClr val="000000"/>
-              </a:solidFill>
-              <a:uFill>
-                <a:solidFill>
-                  <a:srgbClr val="ffffff"/>
-                </a:solidFill>
-              </a:uFill>
-              <a:latin typeface="Arial"/>
-            </a:endParaRPr>
-          </a:p>
-        </p:txBody>
-      </p:sp>
-      <p:sp>
-        <p:nvSpPr>
-          <p:cNvPr id="125" name="CustomShape 5"/>
-          <p:cNvSpPr/>
-          <p:nvPr/>
-        </p:nvSpPr>
-        <p:spPr>
-          <a:xfrm>
-            <a:off x="1554480" y="4937760"/>
-            <a:ext cx="1645560" cy="428400"/>
-          </a:xfrm>
-          <a:prstGeom prst="rect">
-            <a:avLst/>
-          </a:prstGeom>
-          <a:noFill/>
-          <a:ln>
-            <a:noFill/>
-          </a:ln>
-        </p:spPr>
-        <p:style>
-          <a:lnRef idx="0"/>
-          <a:fillRef idx="0"/>
-          <a:effectRef idx="0"/>
-          <a:fontRef idx="minor"/>
-        </p:style>
-        <p:txBody>
-          <a:bodyPr lIns="90000" rIns="90000" tIns="45000" bIns="45000"/>
-          <a:p>
-            <a:r>
-              <a:rPr b="0" lang="en-US" sz="1800" spc="-1" strike="noStrike">
-                <a:solidFill>
-                  <a:srgbClr val="000000"/>
-                </a:solidFill>
-                <a:uFill>
-                  <a:solidFill>
-                    <a:srgbClr val="ffffff"/>
-                  </a:solidFill>
-                </a:uFill>
-                <a:latin typeface="Arial"/>
-              </a:rPr>
-              <a:t>损失函数：</a:t>
-            </a:r>
-            <a:endParaRPr b="0" lang="en-US" sz="1800" spc="-1" strike="noStrike">
-              <a:solidFill>
-                <a:srgbClr val="000000"/>
-              </a:solidFill>
-              <a:uFill>
-                <a:solidFill>
-                  <a:srgbClr val="ffffff"/>
-                </a:solidFill>
-              </a:uFill>
-              <a:latin typeface="Arial"/>
-            </a:endParaRPr>
-          </a:p>
-        </p:txBody>
-      </p:sp>
     </p:spTree>
   </p:cSld>
-  <p:timing>
-    <p:tnLst>
-      <p:par>
-        <p:cTn id="7" dur="indefinite" restart="never" nodeType="tmRoot">
-          <p:childTnLst>
-            <p:seq>
-              <p:cTn id="8" nodeType="mainSeq"/>
-              <p:prevCondLst>
-                <p:cond delay="0" evt="onPrev">
-                  <p:tgtEl>
-                    <p:sldTgt/>
-                  </p:tgtEl>
-                </p:cond>
-              </p:prevCondLst>
-              <p:nextCondLst>
-                <p:cond delay="0" evt="onNext">
-                  <p:tgtEl>
-                    <p:sldTgt/>
-                  </p:tgtEl>
-                </p:cond>
-              </p:nextCondLst>
-            </p:seq>
-          </p:childTnLst>
-        </p:cTn>
-      </p:par>
-    </p:tnLst>
-  </p:timing>
 </p:sld>
 </file>
 
@@ -6937,7 +8283,7 @@
       </p:grpSpPr>
       <p:sp>
         <p:nvSpPr>
-          <p:cNvPr id="126" name="TextShape 1"/>
+          <p:cNvPr id="120" name="TextShape 1"/>
           <p:cNvSpPr txBox="1"/>
           <p:nvPr/>
         </p:nvSpPr>
@@ -6970,7 +8316,7 @@
                 </a:uFill>
                 <a:latin typeface="Arial"/>
               </a:rPr>
-              <a:t>最优化－梯度下降</a:t>
+              <a:t>机器学习</a:t>
             </a:r>
             <a:endParaRPr b="0" lang="en-US" sz="4400" spc="-1" strike="noStrike">
               <a:solidFill>
@@ -6988,7 +8334,7 @@
       </p:sp>
       <p:pic>
         <p:nvPicPr>
-          <p:cNvPr id="127" name="" descr=""/>
+          <p:cNvPr id="121" name="" descr=""/>
           <p:cNvPicPr/>
           <p:nvPr/>
         </p:nvPicPr>
@@ -6998,8 +8344,8 @@
         </p:blipFill>
         <p:spPr>
           <a:xfrm>
-            <a:off x="822960" y="1823400"/>
-            <a:ext cx="9072000" cy="645480"/>
+            <a:off x="2468880" y="1768320"/>
+            <a:ext cx="3611520" cy="5181120"/>
           </a:xfrm>
           <a:prstGeom prst="rect">
             <a:avLst/>
@@ -7009,58 +8355,8 @@
           </a:ln>
         </p:spPr>
       </p:pic>
-      <p:pic>
-        <p:nvPicPr>
-          <p:cNvPr id="128" name="" descr=""/>
-          <p:cNvPicPr/>
-          <p:nvPr/>
-        </p:nvPicPr>
-        <p:blipFill>
-          <a:blip r:embed="rId2"/>
-          <a:stretch/>
-        </p:blipFill>
-        <p:spPr>
-          <a:xfrm>
-            <a:off x="2103120" y="3017520"/>
-            <a:ext cx="5790960" cy="1771200"/>
-          </a:xfrm>
-          <a:prstGeom prst="rect">
-            <a:avLst/>
-          </a:prstGeom>
-          <a:ln>
-            <a:noFill/>
-          </a:ln>
-        </p:spPr>
-      </p:pic>
     </p:spTree>
   </p:cSld>
-  <p:timing>
-    <p:tnLst>
-      <p:par>
-        <p:cTn id="9" dur="indefinite" restart="never" nodeType="tmRoot">
-          <p:childTnLst>
-            <p:seq>
-              <p:cTn id="10" nodeType="mainSeq"/>
-              <p:prevCondLst>
-                <p:cond delay="0" evt="onPrev">
-                  <p:tgtEl>
-                    <p:sldTgt/>
-                  </p:tgtEl>
-                </p:cond>
-              </p:prevCondLst>
-              <p:nextCondLst>
-                <p:cond delay="0" evt="onNext">
-                  <p:tgtEl>
-                    <p:sldTgt/>
-                  </p:tgtEl>
-                </p:cond>
-              </p:nextCondLst>
-            </p:seq>
-          </p:childTnLst>
-        </p:cTn>
-      </p:par>
-    </p:tnLst>
-  </p:timing>
 </p:sld>
 </file>
 
@@ -7083,7 +8379,7 @@
       </p:grpSpPr>
       <p:sp>
         <p:nvSpPr>
-          <p:cNvPr id="129" name="CustomShape 1"/>
+          <p:cNvPr id="122" name="CustomShape 1"/>
           <p:cNvSpPr/>
           <p:nvPr/>
         </p:nvSpPr>
@@ -7127,37 +8423,7 @@
                 <a:latin typeface="Arial"/>
                 <a:ea typeface="DejaVu Sans"/>
               </a:rPr>
-              <a:t>交叉熵（</a:t>
-            </a:r>
-            <a:r>
-              <a:rPr b="0" lang="en-US" sz="4400" spc="-1" strike="noStrike">
-                <a:solidFill>
-                  <a:srgbClr val="000000"/>
-                </a:solidFill>
-                <a:uFill>
-                  <a:solidFill>
-                    <a:srgbClr val="ffffff"/>
-                  </a:solidFill>
-                </a:uFill>
-                <a:latin typeface="Arial"/>
-                <a:ea typeface="DejaVu Sans"/>
-              </a:rPr>
-              <a:t>Cross entropy</a:t>
-            </a:r>
-            <a:r>
-              <a:rPr b="0" lang="en-US" sz="4400" spc="-1" strike="noStrike">
-                <a:solidFill>
-                  <a:srgbClr val="000000"/>
-                </a:solidFill>
-                <a:uFill>
-                  <a:solidFill>
-                    <a:srgbClr val="ffffff"/>
-                  </a:solidFill>
-                </a:uFill>
-                <a:latin typeface="Arial"/>
-                <a:ea typeface="DejaVu Sans"/>
-              </a:rPr>
-              <a:t>）</a:t>
+              <a:t>Linear regression</a:t>
             </a:r>
             <a:endParaRPr b="0" lang="en-US" sz="1800" spc="-1" strike="noStrike">
               <a:solidFill>
@@ -7175,14 +8441,14 @@
       </p:sp>
       <p:sp>
         <p:nvSpPr>
-          <p:cNvPr id="130" name="CustomShape 2"/>
+          <p:cNvPr id="123" name="CustomShape 2"/>
           <p:cNvSpPr/>
           <p:nvPr/>
         </p:nvSpPr>
         <p:spPr>
           <a:xfrm>
-            <a:off x="504000" y="1769040"/>
-            <a:ext cx="9070560" cy="4383360"/>
+            <a:off x="504000" y="301320"/>
+            <a:ext cx="9071640" cy="1261440"/>
           </a:xfrm>
           <a:prstGeom prst="rect">
             <a:avLst/>
@@ -7198,149 +8464,36 @@
           <a:effectRef idx="0"/>
           <a:fontRef idx="minor"/>
         </p:style>
-        <p:txBody>
-          <a:bodyPr lIns="0" rIns="0" tIns="0" bIns="0"/>
-          <a:p>
-            <a:r>
-              <a:rPr b="0" lang="en-US" sz="3200" spc="-1" strike="noStrike">
-                <a:solidFill>
-                  <a:srgbClr val="000000"/>
-                </a:solidFill>
-                <a:uFill>
-                  <a:solidFill>
-                    <a:srgbClr val="ffffff"/>
-                  </a:solidFill>
-                </a:uFill>
-                <a:latin typeface="Arial"/>
-                <a:ea typeface="DejaVu Sans"/>
-              </a:rPr>
-              <a:t>熵：</a:t>
-            </a:r>
-            <a:endParaRPr b="0" lang="en-US" sz="1800" spc="-1" strike="noStrike">
-              <a:solidFill>
-                <a:srgbClr val="000000"/>
-              </a:solidFill>
-              <a:uFill>
-                <a:solidFill>
-                  <a:srgbClr val="ffffff"/>
-                </a:solidFill>
-              </a:uFill>
-              <a:latin typeface="Arial"/>
-            </a:endParaRPr>
-          </a:p>
-          <a:p>
-            <a:r>
-              <a:rPr b="0" lang="en-US" sz="3200" spc="-1" strike="noStrike">
-                <a:solidFill>
-                  <a:srgbClr val="000000"/>
-                </a:solidFill>
-                <a:uFill>
-                  <a:solidFill>
-                    <a:srgbClr val="ffffff"/>
-                  </a:solidFill>
-                </a:uFill>
-                <a:latin typeface="Arial"/>
-                <a:ea typeface="DejaVu Sans"/>
-              </a:rPr>
-              <a:t>ＫＬ离散度：</a:t>
-            </a:r>
-            <a:endParaRPr b="0" lang="en-US" sz="1800" spc="-1" strike="noStrike">
-              <a:solidFill>
-                <a:srgbClr val="000000"/>
-              </a:solidFill>
-              <a:uFill>
-                <a:solidFill>
-                  <a:srgbClr val="ffffff"/>
-                </a:solidFill>
-              </a:uFill>
-              <a:latin typeface="Arial"/>
-            </a:endParaRPr>
-          </a:p>
-          <a:p>
-            <a:endParaRPr b="0" lang="en-US" sz="1800" spc="-1" strike="noStrike">
-              <a:solidFill>
-                <a:srgbClr val="000000"/>
-              </a:solidFill>
-              <a:uFill>
-                <a:solidFill>
-                  <a:srgbClr val="ffffff"/>
-                </a:solidFill>
-              </a:uFill>
-              <a:latin typeface="Arial"/>
-            </a:endParaRPr>
-          </a:p>
-          <a:p>
-            <a:r>
-              <a:rPr b="0" lang="en-US" sz="3200" spc="-1" strike="noStrike">
-                <a:solidFill>
-                  <a:srgbClr val="000000"/>
-                </a:solidFill>
-                <a:uFill>
-                  <a:solidFill>
-                    <a:srgbClr val="ffffff"/>
-                  </a:solidFill>
-                </a:uFill>
-                <a:latin typeface="Arial"/>
-                <a:ea typeface="DejaVu Sans"/>
-              </a:rPr>
-              <a:t>交叉熵：</a:t>
-            </a:r>
-            <a:endParaRPr b="0" lang="en-US" sz="1800" spc="-1" strike="noStrike">
-              <a:solidFill>
-                <a:srgbClr val="000000"/>
-              </a:solidFill>
-              <a:uFill>
-                <a:solidFill>
-                  <a:srgbClr val="ffffff"/>
-                </a:solidFill>
-              </a:uFill>
-              <a:latin typeface="Arial"/>
-            </a:endParaRPr>
-          </a:p>
-          <a:p>
-            <a:endParaRPr b="0" lang="en-US" sz="1800" spc="-1" strike="noStrike">
-              <a:solidFill>
-                <a:srgbClr val="000000"/>
-              </a:solidFill>
-              <a:uFill>
-                <a:solidFill>
-                  <a:srgbClr val="ffffff"/>
-                </a:solidFill>
-              </a:uFill>
-              <a:latin typeface="Arial"/>
-            </a:endParaRPr>
-          </a:p>
-          <a:p>
-            <a:endParaRPr b="0" lang="en-US" sz="1800" spc="-1" strike="noStrike">
-              <a:solidFill>
-                <a:srgbClr val="000000"/>
-              </a:solidFill>
-              <a:uFill>
-                <a:solidFill>
-                  <a:srgbClr val="ffffff"/>
-                </a:solidFill>
-              </a:uFill>
-              <a:latin typeface="Arial"/>
-            </a:endParaRPr>
-          </a:p>
-          <a:p>
-            <a:endParaRPr b="0" lang="en-US" sz="1800" spc="-1" strike="noStrike">
-              <a:solidFill>
-                <a:srgbClr val="000000"/>
-              </a:solidFill>
-              <a:uFill>
-                <a:solidFill>
-                  <a:srgbClr val="ffffff"/>
-                </a:solidFill>
-              </a:uFill>
-              <a:latin typeface="Arial"/>
-            </a:endParaRPr>
-          </a:p>
-        </p:txBody>
+      </p:sp>
+      <p:sp>
+        <p:nvSpPr>
+          <p:cNvPr id="124" name="CustomShape 3"/>
+          <p:cNvSpPr/>
+          <p:nvPr/>
+        </p:nvSpPr>
+        <p:spPr>
+          <a:xfrm>
+            <a:off x="504000" y="1768680"/>
+            <a:ext cx="9071640" cy="4383720"/>
+          </a:xfrm>
+          <a:prstGeom prst="rect">
+            <a:avLst/>
+          </a:prstGeom>
+          <a:noFill/>
+          <a:ln>
+            <a:noFill/>
+          </a:ln>
+        </p:spPr>
+        <p:style>
+          <a:lnRef idx="0"/>
+          <a:fillRef idx="0"/>
+          <a:effectRef idx="0"/>
+          <a:fontRef idx="minor"/>
+        </p:style>
       </p:sp>
       <p:pic>
         <p:nvPicPr>
-          <p:cNvPr id="131" name="" descr=""/>
+          <p:cNvPr id="125" name="" descr=""/>
           <p:cNvPicPr/>
           <p:nvPr/>
         </p:nvPicPr>
@@ -7350,8 +8503,8 @@
         </p:blipFill>
         <p:spPr>
           <a:xfrm>
-            <a:off x="2953800" y="2560320"/>
-            <a:ext cx="5732640" cy="455760"/>
+            <a:off x="1920240" y="1966320"/>
+            <a:ext cx="5533200" cy="1599480"/>
           </a:xfrm>
           <a:prstGeom prst="rect">
             <a:avLst/>
@@ -7363,7 +8516,7 @@
       </p:pic>
       <p:pic>
         <p:nvPicPr>
-          <p:cNvPr id="132" name="" descr=""/>
+          <p:cNvPr id="126" name="" descr=""/>
           <p:cNvPicPr/>
           <p:nvPr/>
         </p:nvPicPr>
@@ -7373,8 +8526,8 @@
         </p:blipFill>
         <p:spPr>
           <a:xfrm>
-            <a:off x="1600560" y="2006280"/>
-            <a:ext cx="2055960" cy="370080"/>
+            <a:off x="2651760" y="3865680"/>
+            <a:ext cx="5600160" cy="523080"/>
           </a:xfrm>
           <a:prstGeom prst="rect">
             <a:avLst/>
@@ -7386,7 +8539,7 @@
       </p:pic>
       <p:pic>
         <p:nvPicPr>
-          <p:cNvPr id="133" name="" descr=""/>
+          <p:cNvPr id="127" name="" descr=""/>
           <p:cNvPicPr/>
           <p:nvPr/>
         </p:nvPicPr>
@@ -7396,8 +8549,8 @@
         </p:blipFill>
         <p:spPr>
           <a:xfrm>
-            <a:off x="2651760" y="3470040"/>
-            <a:ext cx="2399040" cy="370080"/>
+            <a:off x="2520720" y="4776120"/>
+            <a:ext cx="5799960" cy="618480"/>
           </a:xfrm>
           <a:prstGeom prst="rect">
             <a:avLst/>
@@ -7407,35 +8560,120 @@
           </a:ln>
         </p:spPr>
       </p:pic>
+      <p:sp>
+        <p:nvSpPr>
+          <p:cNvPr id="128" name="CustomShape 4"/>
+          <p:cNvSpPr/>
+          <p:nvPr/>
+        </p:nvSpPr>
+        <p:spPr>
+          <a:xfrm>
+            <a:off x="1554480" y="3931920"/>
+            <a:ext cx="1828440" cy="428400"/>
+          </a:xfrm>
+          <a:prstGeom prst="rect">
+            <a:avLst/>
+          </a:prstGeom>
+          <a:noFill/>
+          <a:ln>
+            <a:noFill/>
+          </a:ln>
+        </p:spPr>
+        <p:style>
+          <a:lnRef idx="0"/>
+          <a:fillRef idx="0"/>
+          <a:effectRef idx="0"/>
+          <a:fontRef idx="minor"/>
+        </p:style>
+        <p:txBody>
+          <a:bodyPr lIns="90000" rIns="90000" tIns="45000" bIns="45000"/>
+          <a:p>
+            <a:r>
+              <a:rPr b="0" lang="en-US" sz="1800" spc="-1" strike="noStrike">
+                <a:solidFill>
+                  <a:srgbClr val="000000"/>
+                </a:solidFill>
+                <a:uFill>
+                  <a:solidFill>
+                    <a:srgbClr val="ffffff"/>
+                  </a:solidFill>
+                </a:uFill>
+                <a:latin typeface="Arial"/>
+              </a:rPr>
+              <a:t>目标函数：</a:t>
+            </a:r>
+            <a:endParaRPr b="0" lang="en-US" sz="1800" spc="-1" strike="noStrike">
+              <a:solidFill>
+                <a:srgbClr val="000000"/>
+              </a:solidFill>
+              <a:uFill>
+                <a:solidFill>
+                  <a:srgbClr val="ffffff"/>
+                </a:solidFill>
+              </a:uFill>
+              <a:latin typeface="Arial"/>
+            </a:endParaRPr>
+          </a:p>
+        </p:txBody>
+      </p:sp>
+      <p:sp>
+        <p:nvSpPr>
+          <p:cNvPr id="129" name="CustomShape 5"/>
+          <p:cNvSpPr/>
+          <p:nvPr/>
+        </p:nvSpPr>
+        <p:spPr>
+          <a:xfrm>
+            <a:off x="1554480" y="4937760"/>
+            <a:ext cx="1645560" cy="428400"/>
+          </a:xfrm>
+          <a:prstGeom prst="rect">
+            <a:avLst/>
+          </a:prstGeom>
+          <a:noFill/>
+          <a:ln>
+            <a:noFill/>
+          </a:ln>
+        </p:spPr>
+        <p:style>
+          <a:lnRef idx="0"/>
+          <a:fillRef idx="0"/>
+          <a:effectRef idx="0"/>
+          <a:fontRef idx="minor"/>
+        </p:style>
+        <p:txBody>
+          <a:bodyPr lIns="90000" rIns="90000" tIns="45000" bIns="45000"/>
+          <a:p>
+            <a:r>
+              <a:rPr b="0" lang="en-US" sz="1800" spc="-1" strike="noStrike">
+                <a:solidFill>
+                  <a:srgbClr val="000000"/>
+                </a:solidFill>
+                <a:uFill>
+                  <a:solidFill>
+                    <a:srgbClr val="ffffff"/>
+                  </a:solidFill>
+                </a:uFill>
+                <a:latin typeface="Arial"/>
+              </a:rPr>
+              <a:t>损失函数：</a:t>
+            </a:r>
+            <a:endParaRPr b="0" lang="en-US" sz="1800" spc="-1" strike="noStrike">
+              <a:solidFill>
+                <a:srgbClr val="000000"/>
+              </a:solidFill>
+              <a:uFill>
+                <a:solidFill>
+                  <a:srgbClr val="ffffff"/>
+                </a:solidFill>
+              </a:uFill>
+              <a:latin typeface="Arial"/>
+            </a:endParaRPr>
+          </a:p>
+        </p:txBody>
+      </p:sp>
     </p:spTree>
   </p:cSld>
-  <p:timing>
-    <p:tnLst>
-      <p:par>
-        <p:cTn id="11" dur="indefinite" restart="never" nodeType="tmRoot">
-          <p:childTnLst>
-            <p:seq>
-              <p:cTn id="12" nodeType="mainSeq"/>
-              <p:prevCondLst>
-                <p:cond delay="0" evt="onPrev">
-                  <p:tgtEl>
-                    <p:sldTgt/>
-                  </p:tgtEl>
-                </p:cond>
-              </p:prevCondLst>
-              <p:nextCondLst>
-                <p:cond delay="0" evt="onNext">
-                  <p:tgtEl>
-                    <p:sldTgt/>
-                  </p:tgtEl>
-                </p:cond>
-              </p:nextCondLst>
-            </p:seq>
-          </p:childTnLst>
-        </p:cTn>
-      </p:par>
-    </p:tnLst>
-  </p:timing>
 </p:sld>
 </file>
 
@@ -7458,8 +8696,8 @@
       </p:grpSpPr>
       <p:sp>
         <p:nvSpPr>
-          <p:cNvPr id="134" name="CustomShape 1"/>
-          <p:cNvSpPr/>
+          <p:cNvPr id="130" name="TextShape 1"/>
+          <p:cNvSpPr txBox="1"/>
           <p:nvPr/>
         </p:nvSpPr>
         <p:spPr>
@@ -7475,20 +8713,10 @@
             <a:noFill/>
           </a:ln>
         </p:spPr>
-        <p:style>
-          <a:lnRef idx="0"/>
-          <a:fillRef idx="0"/>
-          <a:effectRef idx="0"/>
-          <a:fontRef idx="minor"/>
-        </p:style>
         <p:txBody>
           <a:bodyPr lIns="0" rIns="0" tIns="0" bIns="0" anchor="ctr"/>
           <a:p>
-            <a:pPr algn="ctr">
-              <a:lnSpc>
-                <a:spcPct val="100000"/>
-              </a:lnSpc>
-            </a:pPr>
+            <a:pPr algn="ctr"/>
             <a:r>
               <a:rPr b="0" lang="en-US" sz="4400" spc="-1" strike="noStrike">
                 <a:solidFill>
@@ -7501,51 +8729,25 @@
                 </a:uFill>
                 <a:latin typeface="Arial"/>
               </a:rPr>
-              <a:t>凸优化</a:t>
+              <a:t>优化－梯度下降</a:t>
             </a:r>
-            <a:endParaRPr b="0" lang="en-US" sz="1800" spc="-1" strike="noStrike">
-              <a:solidFill>
-                <a:srgbClr val="000000"/>
-              </a:solidFill>
-              <a:uFill>
-                <a:solidFill>
-                  <a:srgbClr val="ffffff"/>
-                </a:solidFill>
-              </a:uFill>
-              <a:latin typeface="Arial"/>
-            </a:endParaRPr>
-          </a:p>
-        </p:txBody>
-      </p:sp>
-      <p:sp>
-        <p:nvSpPr>
-          <p:cNvPr id="135" name="CustomShape 2"/>
-          <p:cNvSpPr/>
-          <p:nvPr/>
-        </p:nvSpPr>
-        <p:spPr>
-          <a:xfrm>
-            <a:off x="504000" y="1768680"/>
-            <a:ext cx="9071640" cy="4383720"/>
-          </a:xfrm>
-          <a:prstGeom prst="rect">
-            <a:avLst/>
-          </a:prstGeom>
-          <a:noFill/>
-          <a:ln>
-            <a:noFill/>
-          </a:ln>
-        </p:spPr>
-        <p:style>
-          <a:lnRef idx="0"/>
-          <a:fillRef idx="0"/>
-          <a:effectRef idx="0"/>
-          <a:fontRef idx="minor"/>
-        </p:style>
+            <a:endParaRPr b="0" lang="en-US" sz="4400" spc="-1" strike="noStrike">
+              <a:solidFill>
+                <a:srgbClr val="000000"/>
+              </a:solidFill>
+              <a:uFill>
+                <a:solidFill>
+                  <a:srgbClr val="ffffff"/>
+                </a:solidFill>
+              </a:uFill>
+              <a:latin typeface="Arial"/>
+            </a:endParaRPr>
+          </a:p>
+        </p:txBody>
       </p:sp>
       <p:pic>
         <p:nvPicPr>
-          <p:cNvPr id="136" name="" descr=""/>
+          <p:cNvPr id="131" name="" descr=""/>
           <p:cNvPicPr/>
           <p:nvPr/>
         </p:nvPicPr>
@@ -7555,8 +8757,8 @@
         </p:blipFill>
         <p:spPr>
           <a:xfrm>
-            <a:off x="1737360" y="2539800"/>
-            <a:ext cx="6581160" cy="1208880"/>
+            <a:off x="1097280" y="1731960"/>
+            <a:ext cx="9072000" cy="645480"/>
           </a:xfrm>
           <a:prstGeom prst="rect">
             <a:avLst/>
@@ -7566,35 +8768,81 @@
           </a:ln>
         </p:spPr>
       </p:pic>
+      <p:pic>
+        <p:nvPicPr>
+          <p:cNvPr id="132" name="" descr=""/>
+          <p:cNvPicPr/>
+          <p:nvPr/>
+        </p:nvPicPr>
+        <p:blipFill>
+          <a:blip r:embed="rId2"/>
+          <a:stretch/>
+        </p:blipFill>
+        <p:spPr>
+          <a:xfrm>
+            <a:off x="2621520" y="3075120"/>
+            <a:ext cx="5790960" cy="1771200"/>
+          </a:xfrm>
+          <a:prstGeom prst="rect">
+            <a:avLst/>
+          </a:prstGeom>
+          <a:ln>
+            <a:noFill/>
+          </a:ln>
+        </p:spPr>
+      </p:pic>
+      <p:sp>
+        <p:nvSpPr>
+          <p:cNvPr id="133" name="TextShape 2"/>
+          <p:cNvSpPr txBox="1"/>
+          <p:nvPr/>
+        </p:nvSpPr>
+        <p:spPr>
+          <a:xfrm>
+            <a:off x="457200" y="1371600"/>
+            <a:ext cx="1645920" cy="428760"/>
+          </a:xfrm>
+          <a:prstGeom prst="rect">
+            <a:avLst/>
+          </a:prstGeom>
+          <a:noFill/>
+          <a:ln>
+            <a:noFill/>
+          </a:ln>
+        </p:spPr>
+        <p:txBody>
+          <a:bodyPr lIns="90000" rIns="90000" tIns="45000" bIns="45000"/>
+          <a:p>
+            <a:r>
+              <a:rPr b="0" lang="en-US" sz="1800" spc="-1" strike="noStrike">
+                <a:solidFill>
+                  <a:srgbClr val="000000"/>
+                </a:solidFill>
+                <a:uFill>
+                  <a:solidFill>
+                    <a:srgbClr val="ffffff"/>
+                  </a:solidFill>
+                </a:uFill>
+                <a:latin typeface="Arial"/>
+              </a:rPr>
+              <a:t>参数更新：</a:t>
+            </a:r>
+            <a:endParaRPr b="0" lang="en-US" sz="1800" spc="-1" strike="noStrike">
+              <a:solidFill>
+                <a:srgbClr val="000000"/>
+              </a:solidFill>
+              <a:uFill>
+                <a:solidFill>
+                  <a:srgbClr val="ffffff"/>
+                </a:solidFill>
+              </a:uFill>
+              <a:latin typeface="Arial"/>
+            </a:endParaRPr>
+          </a:p>
+        </p:txBody>
+      </p:sp>
     </p:spTree>
   </p:cSld>
-  <p:timing>
-    <p:tnLst>
-      <p:par>
-        <p:cTn id="13" dur="indefinite" restart="never" nodeType="tmRoot">
-          <p:childTnLst>
-            <p:seq>
-              <p:cTn id="14" nodeType="mainSeq"/>
-              <p:prevCondLst>
-                <p:cond delay="0" evt="onPrev">
-                  <p:tgtEl>
-                    <p:sldTgt/>
-                  </p:tgtEl>
-                </p:cond>
-              </p:prevCondLst>
-              <p:nextCondLst>
-                <p:cond delay="0" evt="onNext">
-                  <p:tgtEl>
-                    <p:sldTgt/>
-                  </p:tgtEl>
-                </p:cond>
-              </p:nextCondLst>
-            </p:seq>
-          </p:childTnLst>
-        </p:cTn>
-      </p:par>
-    </p:tnLst>
-  </p:timing>
 </p:sld>
 </file>
 
@@ -7617,7 +8865,7 @@
       </p:grpSpPr>
       <p:sp>
         <p:nvSpPr>
-          <p:cNvPr id="137" name="CustomShape 1"/>
+          <p:cNvPr id="134" name="CustomShape 1"/>
           <p:cNvSpPr/>
           <p:nvPr/>
         </p:nvSpPr>
@@ -7661,63 +8909,10 @@
                 <a:latin typeface="Arial"/>
                 <a:ea typeface="DejaVu Sans"/>
               </a:rPr>
-              <a:t>分类</a:t>
+              <a:t>凸优化－交叉熵（</a:t>
             </a:r>
-            <a:endParaRPr b="0" lang="en-US" sz="1800" spc="-1" strike="noStrike">
-              <a:solidFill>
-                <a:srgbClr val="000000"/>
-              </a:solidFill>
-              <a:uFill>
-                <a:solidFill>
-                  <a:srgbClr val="ffffff"/>
-                </a:solidFill>
-              </a:uFill>
-              <a:latin typeface="Arial"/>
-            </a:endParaRPr>
-          </a:p>
-        </p:txBody>
-      </p:sp>
-      <p:sp>
-        <p:nvSpPr>
-          <p:cNvPr id="138" name="CustomShape 2"/>
-          <p:cNvSpPr/>
-          <p:nvPr/>
-        </p:nvSpPr>
-        <p:spPr>
-          <a:xfrm>
-            <a:off x="504000" y="1769040"/>
-            <a:ext cx="9070560" cy="4383360"/>
-          </a:xfrm>
-          <a:prstGeom prst="rect">
-            <a:avLst/>
-          </a:prstGeom>
-          <a:noFill/>
-          <a:ln>
-            <a:noFill/>
-          </a:ln>
-        </p:spPr>
-        <p:style>
-          <a:lnRef idx="0"/>
-          <a:fillRef idx="0"/>
-          <a:effectRef idx="0"/>
-          <a:fontRef idx="minor"/>
-        </p:style>
-        <p:txBody>
-          <a:bodyPr lIns="0" rIns="0" tIns="0" bIns="0"/>
-          <a:p>
-            <a:pPr marL="432000" indent="-322920">
-              <a:lnSpc>
-                <a:spcPct val="100000"/>
-              </a:lnSpc>
-              <a:buClr>
-                <a:srgbClr val="000000"/>
-              </a:buClr>
-              <a:buSzPct val="45000"/>
-              <a:buFont typeface="Wingdings" charset="2"/>
-              <a:buChar char=""/>
-            </a:pPr>
             <a:r>
-              <a:rPr b="0" lang="en-US" sz="3200" spc="-1" strike="noStrike">
+              <a:rPr b="0" lang="en-US" sz="4400" spc="-1" strike="noStrike">
                 <a:solidFill>
                   <a:srgbClr val="000000"/>
                 </a:solidFill>
@@ -7729,34 +8924,10 @@
                 <a:latin typeface="Arial"/>
                 <a:ea typeface="DejaVu Sans"/>
               </a:rPr>
-              <a:t>监督学习</a:t>
+              <a:t>Cross entropy</a:t>
             </a:r>
-            <a:endParaRPr b="0" lang="en-US" sz="1800" spc="-1" strike="noStrike">
-              <a:solidFill>
-                <a:srgbClr val="000000"/>
-              </a:solidFill>
-              <a:uFill>
-                <a:solidFill>
-                  <a:srgbClr val="ffffff"/>
-                </a:solidFill>
-              </a:uFill>
-              <a:latin typeface="Arial"/>
-            </a:endParaRPr>
-          </a:p>
-          <a:p>
-            <a:pPr marL="432000" indent="-322920">
-              <a:lnSpc>
-                <a:spcPct val="100000"/>
-              </a:lnSpc>
-              <a:buClr>
-                <a:srgbClr val="000000"/>
-              </a:buClr>
-              <a:buSzPct val="45000"/>
-              <a:buFont typeface="Wingdings" charset="2"/>
-              <a:buChar char=""/>
-            </a:pPr>
             <a:r>
-              <a:rPr b="0" lang="en-US" sz="3200" spc="-1" strike="noStrike">
+              <a:rPr b="0" lang="en-US" sz="4400" spc="-1" strike="noStrike">
                 <a:solidFill>
                   <a:srgbClr val="000000"/>
                 </a:solidFill>
@@ -7768,7 +8939,7 @@
                 <a:latin typeface="Arial"/>
                 <a:ea typeface="DejaVu Sans"/>
               </a:rPr>
-              <a:t>非监督学习</a:t>
+              <a:t>）</a:t>
             </a:r>
             <a:endParaRPr b="0" lang="en-US" sz="1800" spc="-1" strike="noStrike">
               <a:solidFill>
@@ -7784,15 +8955,249 @@
           </a:p>
         </p:txBody>
       </p:sp>
+      <p:sp>
+        <p:nvSpPr>
+          <p:cNvPr id="135" name="CustomShape 2"/>
+          <p:cNvSpPr/>
+          <p:nvPr/>
+        </p:nvSpPr>
+        <p:spPr>
+          <a:xfrm>
+            <a:off x="504000" y="1769040"/>
+            <a:ext cx="9070560" cy="4383360"/>
+          </a:xfrm>
+          <a:prstGeom prst="rect">
+            <a:avLst/>
+          </a:prstGeom>
+          <a:noFill/>
+          <a:ln>
+            <a:noFill/>
+          </a:ln>
+        </p:spPr>
+        <p:style>
+          <a:lnRef idx="0"/>
+          <a:fillRef idx="0"/>
+          <a:effectRef idx="0"/>
+          <a:fontRef idx="minor"/>
+        </p:style>
+        <p:txBody>
+          <a:bodyPr lIns="0" rIns="0" tIns="0" bIns="0"/>
+          <a:p>
+            <a:r>
+              <a:rPr b="0" lang="en-US" sz="3200" spc="-1" strike="noStrike">
+                <a:solidFill>
+                  <a:srgbClr val="000000"/>
+                </a:solidFill>
+                <a:uFill>
+                  <a:solidFill>
+                    <a:srgbClr val="ffffff"/>
+                  </a:solidFill>
+                </a:uFill>
+                <a:latin typeface="Arial"/>
+                <a:ea typeface="DejaVu Sans"/>
+              </a:rPr>
+              <a:t>熵：</a:t>
+            </a:r>
+            <a:endParaRPr b="0" lang="en-US" sz="1800" spc="-1" strike="noStrike">
+              <a:solidFill>
+                <a:srgbClr val="000000"/>
+              </a:solidFill>
+              <a:uFill>
+                <a:solidFill>
+                  <a:srgbClr val="ffffff"/>
+                </a:solidFill>
+              </a:uFill>
+              <a:latin typeface="Arial"/>
+            </a:endParaRPr>
+          </a:p>
+          <a:p>
+            <a:r>
+              <a:rPr b="0" lang="en-US" sz="3200" spc="-1" strike="noStrike">
+                <a:solidFill>
+                  <a:srgbClr val="000000"/>
+                </a:solidFill>
+                <a:uFill>
+                  <a:solidFill>
+                    <a:srgbClr val="ffffff"/>
+                  </a:solidFill>
+                </a:uFill>
+                <a:latin typeface="Arial"/>
+                <a:ea typeface="DejaVu Sans"/>
+              </a:rPr>
+              <a:t>ＫＬ离散度：</a:t>
+            </a:r>
+            <a:endParaRPr b="0" lang="en-US" sz="1800" spc="-1" strike="noStrike">
+              <a:solidFill>
+                <a:srgbClr val="000000"/>
+              </a:solidFill>
+              <a:uFill>
+                <a:solidFill>
+                  <a:srgbClr val="ffffff"/>
+                </a:solidFill>
+              </a:uFill>
+              <a:latin typeface="Arial"/>
+            </a:endParaRPr>
+          </a:p>
+          <a:p>
+            <a:endParaRPr b="0" lang="en-US" sz="1800" spc="-1" strike="noStrike">
+              <a:solidFill>
+                <a:srgbClr val="000000"/>
+              </a:solidFill>
+              <a:uFill>
+                <a:solidFill>
+                  <a:srgbClr val="ffffff"/>
+                </a:solidFill>
+              </a:uFill>
+              <a:latin typeface="Arial"/>
+            </a:endParaRPr>
+          </a:p>
+          <a:p>
+            <a:r>
+              <a:rPr b="0" lang="en-US" sz="3200" spc="-1" strike="noStrike">
+                <a:solidFill>
+                  <a:srgbClr val="000000"/>
+                </a:solidFill>
+                <a:uFill>
+                  <a:solidFill>
+                    <a:srgbClr val="ffffff"/>
+                  </a:solidFill>
+                </a:uFill>
+                <a:latin typeface="Arial"/>
+                <a:ea typeface="DejaVu Sans"/>
+              </a:rPr>
+              <a:t>交叉熵：</a:t>
+            </a:r>
+            <a:endParaRPr b="0" lang="en-US" sz="1800" spc="-1" strike="noStrike">
+              <a:solidFill>
+                <a:srgbClr val="000000"/>
+              </a:solidFill>
+              <a:uFill>
+                <a:solidFill>
+                  <a:srgbClr val="ffffff"/>
+                </a:solidFill>
+              </a:uFill>
+              <a:latin typeface="Arial"/>
+            </a:endParaRPr>
+          </a:p>
+          <a:p>
+            <a:endParaRPr b="0" lang="en-US" sz="1800" spc="-1" strike="noStrike">
+              <a:solidFill>
+                <a:srgbClr val="000000"/>
+              </a:solidFill>
+              <a:uFill>
+                <a:solidFill>
+                  <a:srgbClr val="ffffff"/>
+                </a:solidFill>
+              </a:uFill>
+              <a:latin typeface="Arial"/>
+            </a:endParaRPr>
+          </a:p>
+          <a:p>
+            <a:endParaRPr b="0" lang="en-US" sz="1800" spc="-1" strike="noStrike">
+              <a:solidFill>
+                <a:srgbClr val="000000"/>
+              </a:solidFill>
+              <a:uFill>
+                <a:solidFill>
+                  <a:srgbClr val="ffffff"/>
+                </a:solidFill>
+              </a:uFill>
+              <a:latin typeface="Arial"/>
+            </a:endParaRPr>
+          </a:p>
+          <a:p>
+            <a:endParaRPr b="0" lang="en-US" sz="1800" spc="-1" strike="noStrike">
+              <a:solidFill>
+                <a:srgbClr val="000000"/>
+              </a:solidFill>
+              <a:uFill>
+                <a:solidFill>
+                  <a:srgbClr val="ffffff"/>
+                </a:solidFill>
+              </a:uFill>
+              <a:latin typeface="Arial"/>
+            </a:endParaRPr>
+          </a:p>
+        </p:txBody>
+      </p:sp>
+      <p:pic>
+        <p:nvPicPr>
+          <p:cNvPr id="136" name="" descr=""/>
+          <p:cNvPicPr/>
+          <p:nvPr/>
+        </p:nvPicPr>
+        <p:blipFill>
+          <a:blip r:embed="rId1"/>
+          <a:stretch/>
+        </p:blipFill>
+        <p:spPr>
+          <a:xfrm>
+            <a:off x="2953800" y="2560320"/>
+            <a:ext cx="5732640" cy="455760"/>
+          </a:xfrm>
+          <a:prstGeom prst="rect">
+            <a:avLst/>
+          </a:prstGeom>
+          <a:ln>
+            <a:noFill/>
+          </a:ln>
+        </p:spPr>
+      </p:pic>
+      <p:pic>
+        <p:nvPicPr>
+          <p:cNvPr id="137" name="" descr=""/>
+          <p:cNvPicPr/>
+          <p:nvPr/>
+        </p:nvPicPr>
+        <p:blipFill>
+          <a:blip r:embed="rId2"/>
+          <a:stretch/>
+        </p:blipFill>
+        <p:spPr>
+          <a:xfrm>
+            <a:off x="3613320" y="2006280"/>
+            <a:ext cx="2055960" cy="370080"/>
+          </a:xfrm>
+          <a:prstGeom prst="rect">
+            <a:avLst/>
+          </a:prstGeom>
+          <a:ln>
+            <a:noFill/>
+          </a:ln>
+        </p:spPr>
+      </p:pic>
+      <p:pic>
+        <p:nvPicPr>
+          <p:cNvPr id="138" name="" descr=""/>
+          <p:cNvPicPr/>
+          <p:nvPr/>
+        </p:nvPicPr>
+        <p:blipFill>
+          <a:blip r:embed="rId3"/>
+          <a:stretch/>
+        </p:blipFill>
+        <p:spPr>
+          <a:xfrm>
+            <a:off x="3178800" y="3383280"/>
+            <a:ext cx="2399040" cy="370080"/>
+          </a:xfrm>
+          <a:prstGeom prst="rect">
+            <a:avLst/>
+          </a:prstGeom>
+          <a:ln>
+            <a:noFill/>
+          </a:ln>
+        </p:spPr>
+      </p:pic>
     </p:spTree>
   </p:cSld>
   <p:timing>
     <p:tnLst>
       <p:par>
-        <p:cTn id="15" dur="indefinite" restart="never" nodeType="tmRoot">
+        <p:cTn id="1" dur="indefinite" restart="never" nodeType="tmRoot">
           <p:childTnLst>
             <p:seq>
-              <p:cTn id="16" nodeType="mainSeq"/>
+              <p:cTn id="2" nodeType="mainSeq"/>
               <p:prevCondLst>
                 <p:cond delay="0" evt="onPrev">
                   <p:tgtEl>
@@ -7842,7 +9247,7 @@
         <p:spPr>
           <a:xfrm>
             <a:off x="504000" y="301320"/>
-            <a:ext cx="9070560" cy="1261080"/>
+            <a:ext cx="9071640" cy="1261440"/>
           </a:xfrm>
           <a:prstGeom prst="rect">
             <a:avLst/>
@@ -7877,9 +9282,8 @@
                   </a:solidFill>
                 </a:uFill>
                 <a:latin typeface="Arial"/>
-                <a:ea typeface="DejaVu Sans"/>
               </a:rPr>
-              <a:t>监督学习</a:t>
+              <a:t>凸优化</a:t>
             </a:r>
             <a:endParaRPr b="0" lang="en-US" sz="1800" spc="-1" strike="noStrike">
               <a:solidFill>
@@ -7903,8 +9307,8 @@
         </p:nvSpPr>
         <p:spPr>
           <a:xfrm>
-            <a:off x="504000" y="1769040"/>
-            <a:ext cx="9070560" cy="4383360"/>
+            <a:off x="504000" y="1768680"/>
+            <a:ext cx="9071640" cy="4383720"/>
           </a:xfrm>
           <a:prstGeom prst="rect">
             <a:avLst/>
@@ -7920,190 +9324,39 @@
           <a:effectRef idx="0"/>
           <a:fontRef idx="minor"/>
         </p:style>
-        <p:txBody>
-          <a:bodyPr lIns="0" rIns="0" tIns="0" bIns="0"/>
-          <a:p>
-            <a:pPr marL="432000" indent="-322920">
-              <a:lnSpc>
-                <a:spcPct val="100000"/>
-              </a:lnSpc>
-              <a:buClr>
-                <a:srgbClr val="000000"/>
-              </a:buClr>
-              <a:buSzPct val="45000"/>
-              <a:buFont typeface="Wingdings" charset="2"/>
-              <a:buChar char=""/>
-            </a:pPr>
-            <a:r>
-              <a:rPr b="0" lang="en-US" sz="3200" spc="-1" strike="noStrike">
-                <a:solidFill>
-                  <a:srgbClr val="000000"/>
-                </a:solidFill>
-                <a:uFill>
-                  <a:solidFill>
-                    <a:srgbClr val="ffffff"/>
-                  </a:solidFill>
-                </a:uFill>
-                <a:latin typeface="Arial"/>
-                <a:ea typeface="DejaVu Sans"/>
-              </a:rPr>
-              <a:t>线性回归</a:t>
-            </a:r>
-            <a:r>
-              <a:rPr b="0" lang="en-US" sz="3200" spc="-1" strike="noStrike">
-                <a:solidFill>
-                  <a:srgbClr val="000000"/>
-                </a:solidFill>
-                <a:uFill>
-                  <a:solidFill>
-                    <a:srgbClr val="ffffff"/>
-                  </a:solidFill>
-                </a:uFill>
-                <a:latin typeface="Arial"/>
-                <a:ea typeface="DejaVu Sans"/>
-              </a:rPr>
-              <a:t>:linear regression </a:t>
-            </a:r>
-            <a:endParaRPr b="0" lang="en-US" sz="1800" spc="-1" strike="noStrike">
-              <a:solidFill>
-                <a:srgbClr val="000000"/>
-              </a:solidFill>
-              <a:uFill>
-                <a:solidFill>
-                  <a:srgbClr val="ffffff"/>
-                </a:solidFill>
-              </a:uFill>
-              <a:latin typeface="Arial"/>
-            </a:endParaRPr>
-          </a:p>
-          <a:p>
-            <a:pPr marL="432000" indent="-322920">
-              <a:lnSpc>
-                <a:spcPct val="100000"/>
-              </a:lnSpc>
-              <a:buClr>
-                <a:srgbClr val="000000"/>
-              </a:buClr>
-              <a:buSzPct val="45000"/>
-              <a:buFont typeface="Wingdings" charset="2"/>
-              <a:buChar char=""/>
-            </a:pPr>
-            <a:r>
-              <a:rPr b="0" lang="en-US" sz="3200" spc="-1" strike="noStrike">
-                <a:solidFill>
-                  <a:srgbClr val="000000"/>
-                </a:solidFill>
-                <a:uFill>
-                  <a:solidFill>
-                    <a:srgbClr val="ffffff"/>
-                  </a:solidFill>
-                </a:uFill>
-                <a:latin typeface="Arial"/>
-                <a:ea typeface="DejaVu Sans"/>
-              </a:rPr>
-              <a:t>SVM</a:t>
-            </a:r>
-            <a:endParaRPr b="0" lang="en-US" sz="1800" spc="-1" strike="noStrike">
-              <a:solidFill>
-                <a:srgbClr val="000000"/>
-              </a:solidFill>
-              <a:uFill>
-                <a:solidFill>
-                  <a:srgbClr val="ffffff"/>
-                </a:solidFill>
-              </a:uFill>
-              <a:latin typeface="Arial"/>
-            </a:endParaRPr>
-          </a:p>
-          <a:p>
-            <a:pPr marL="432000" indent="-322920">
-              <a:lnSpc>
-                <a:spcPct val="100000"/>
-              </a:lnSpc>
-              <a:buClr>
-                <a:srgbClr val="000000"/>
-              </a:buClr>
-              <a:buSzPct val="45000"/>
-              <a:buFont typeface="Wingdings" charset="2"/>
-              <a:buChar char=""/>
-            </a:pPr>
-            <a:r>
-              <a:rPr b="0" lang="en-US" sz="3200" spc="-1" strike="noStrike">
-                <a:solidFill>
-                  <a:srgbClr val="000000"/>
-                </a:solidFill>
-                <a:uFill>
-                  <a:solidFill>
-                    <a:srgbClr val="ffffff"/>
-                  </a:solidFill>
-                </a:uFill>
-                <a:latin typeface="Arial"/>
-                <a:ea typeface="DejaVu Sans"/>
-              </a:rPr>
-              <a:t>Logistic regression </a:t>
-            </a:r>
-            <a:endParaRPr b="0" lang="en-US" sz="1800" spc="-1" strike="noStrike">
-              <a:solidFill>
-                <a:srgbClr val="000000"/>
-              </a:solidFill>
-              <a:uFill>
-                <a:solidFill>
-                  <a:srgbClr val="ffffff"/>
-                </a:solidFill>
-              </a:uFill>
-              <a:latin typeface="Arial"/>
-            </a:endParaRPr>
-          </a:p>
-          <a:p>
-            <a:pPr marL="432000" indent="-322920">
-              <a:lnSpc>
-                <a:spcPct val="100000"/>
-              </a:lnSpc>
-              <a:buClr>
-                <a:srgbClr val="000000"/>
-              </a:buClr>
-              <a:buSzPct val="45000"/>
-              <a:buFont typeface="Wingdings" charset="2"/>
-              <a:buChar char=""/>
-            </a:pPr>
-            <a:r>
-              <a:rPr b="0" lang="en-US" sz="3200" spc="-1" strike="noStrike">
-                <a:solidFill>
-                  <a:srgbClr val="000000"/>
-                </a:solidFill>
-                <a:uFill>
-                  <a:solidFill>
-                    <a:srgbClr val="ffffff"/>
-                  </a:solidFill>
-                </a:uFill>
-                <a:latin typeface="Arial"/>
-                <a:ea typeface="DejaVu Sans"/>
-              </a:rPr>
-              <a:t> </a:t>
-            </a:r>
-            <a:endParaRPr b="0" lang="en-US" sz="1800" spc="-1" strike="noStrike">
-              <a:solidFill>
-                <a:srgbClr val="000000"/>
-              </a:solidFill>
-              <a:uFill>
-                <a:solidFill>
-                  <a:srgbClr val="ffffff"/>
-                </a:solidFill>
-              </a:uFill>
-              <a:latin typeface="Arial"/>
-            </a:endParaRPr>
-          </a:p>
-        </p:txBody>
-      </p:sp>
+      </p:sp>
+      <p:pic>
+        <p:nvPicPr>
+          <p:cNvPr id="141" name="" descr=""/>
+          <p:cNvPicPr/>
+          <p:nvPr/>
+        </p:nvPicPr>
+        <p:blipFill>
+          <a:blip r:embed="rId1"/>
+          <a:stretch/>
+        </p:blipFill>
+        <p:spPr>
+          <a:xfrm>
+            <a:off x="1648440" y="2357280"/>
+            <a:ext cx="6581160" cy="1208880"/>
+          </a:xfrm>
+          <a:prstGeom prst="rect">
+            <a:avLst/>
+          </a:prstGeom>
+          <a:ln>
+            <a:noFill/>
+          </a:ln>
+        </p:spPr>
+      </p:pic>
     </p:spTree>
   </p:cSld>
   <p:timing>
     <p:tnLst>
       <p:par>
-        <p:cTn id="17" dur="indefinite" restart="never" nodeType="tmRoot">
+        <p:cTn id="3" dur="indefinite" restart="never" nodeType="tmRoot">
           <p:childTnLst>
             <p:seq>
-              <p:cTn id="18" nodeType="mainSeq"/>
+              <p:cTn id="4" nodeType="mainSeq"/>
               <p:prevCondLst>
                 <p:cond delay="0" evt="onPrev">
                   <p:tgtEl>
